--- a/Nick/ANNMethods.pptx
+++ b/Nick/ANNMethods.pptx
@@ -6,13 +6,18 @@
   </p:sldMasterIdLst>
   <p:sldIdLst>
     <p:sldId id="256" r:id="rId2"/>
-    <p:sldId id="257" r:id="rId3"/>
-    <p:sldId id="258" r:id="rId4"/>
-    <p:sldId id="259" r:id="rId5"/>
-    <p:sldId id="260" r:id="rId6"/>
-    <p:sldId id="261" r:id="rId7"/>
-    <p:sldId id="262" r:id="rId8"/>
-    <p:sldId id="263" r:id="rId9"/>
+    <p:sldId id="267" r:id="rId3"/>
+    <p:sldId id="264" r:id="rId4"/>
+    <p:sldId id="265" r:id="rId5"/>
+    <p:sldId id="266" r:id="rId6"/>
+    <p:sldId id="268" r:id="rId7"/>
+    <p:sldId id="257" r:id="rId8"/>
+    <p:sldId id="258" r:id="rId9"/>
+    <p:sldId id="259" r:id="rId10"/>
+    <p:sldId id="260" r:id="rId11"/>
+    <p:sldId id="261" r:id="rId12"/>
+    <p:sldId id="262" r:id="rId13"/>
+    <p:sldId id="263" r:id="rId14"/>
   </p:sldIdLst>
   <p:sldSz cx="12192000" cy="6858000"/>
   <p:notesSz cx="6858000" cy="9144000"/>
@@ -117,15 +122,6 @@
     </p:ext>
   </p:extLst>
 </p:presentation>
-</file>
-
-<file path=ppt/revisionInfo.xml><?xml version="1.0" encoding="utf-8"?>
-<p1510:revInfo xmlns:a="http://schemas.openxmlformats.org/drawingml/2006/main" xmlns:r="http://schemas.openxmlformats.org/officeDocument/2006/relationships" xmlns:p1510="http://schemas.microsoft.com/office/powerpoint/2015/10/main">
-  <p1510:revLst>
-    <p1510:client id="{87AED494-7612-464A-820C-A1E0C1F2DF52}" v="3596" dt="2021-02-05T22:10:26.251"/>
-    <p1510:client id="{9A56154F-906F-4046-9CB0-6F49AEFA01F8}" v="8" dt="2021-02-04T23:39:50.573"/>
-  </p1510:revLst>
-</p1510:revInfo>
 </file>
 
 <file path=ppt/ink/ink1.xml><?xml version="1.0" encoding="utf-8"?>
@@ -443,7 +439,7 @@
           <a:p>
             <a:fld id="{846CE7D5-CF57-46EF-B807-FDD0502418D4}" type="datetimeFigureOut">
               <a:rPr lang="en-US" smtClean="0"/>
-              <a:t>2/10/2021</a:t>
+              <a:t>2/19/21</a:t>
             </a:fld>
             <a:endParaRPr lang="en-US"/>
           </a:p>
@@ -611,7 +607,7 @@
           <a:p>
             <a:fld id="{846CE7D5-CF57-46EF-B807-FDD0502418D4}" type="datetimeFigureOut">
               <a:rPr lang="en-US" smtClean="0"/>
-              <a:t>2/10/2021</a:t>
+              <a:t>2/19/21</a:t>
             </a:fld>
             <a:endParaRPr lang="en-US"/>
           </a:p>
@@ -789,7 +785,7 @@
           <a:p>
             <a:fld id="{846CE7D5-CF57-46EF-B807-FDD0502418D4}" type="datetimeFigureOut">
               <a:rPr lang="en-US" smtClean="0"/>
-              <a:t>2/10/2021</a:t>
+              <a:t>2/19/21</a:t>
             </a:fld>
             <a:endParaRPr lang="en-US"/>
           </a:p>
@@ -957,7 +953,7 @@
           <a:p>
             <a:fld id="{846CE7D5-CF57-46EF-B807-FDD0502418D4}" type="datetimeFigureOut">
               <a:rPr lang="en-US" smtClean="0"/>
-              <a:t>2/10/2021</a:t>
+              <a:t>2/19/21</a:t>
             </a:fld>
             <a:endParaRPr lang="en-US"/>
           </a:p>
@@ -1202,7 +1198,7 @@
           <a:p>
             <a:fld id="{846CE7D5-CF57-46EF-B807-FDD0502418D4}" type="datetimeFigureOut">
               <a:rPr lang="en-US" smtClean="0"/>
-              <a:t>2/10/2021</a:t>
+              <a:t>2/19/21</a:t>
             </a:fld>
             <a:endParaRPr lang="en-US"/>
           </a:p>
@@ -1431,7 +1427,7 @@
           <a:p>
             <a:fld id="{846CE7D5-CF57-46EF-B807-FDD0502418D4}" type="datetimeFigureOut">
               <a:rPr lang="en-US" smtClean="0"/>
-              <a:t>2/10/2021</a:t>
+              <a:t>2/19/21</a:t>
             </a:fld>
             <a:endParaRPr lang="en-US"/>
           </a:p>
@@ -1795,7 +1791,7 @@
           <a:p>
             <a:fld id="{846CE7D5-CF57-46EF-B807-FDD0502418D4}" type="datetimeFigureOut">
               <a:rPr lang="en-US" smtClean="0"/>
-              <a:t>2/10/2021</a:t>
+              <a:t>2/19/21</a:t>
             </a:fld>
             <a:endParaRPr lang="en-US"/>
           </a:p>
@@ -1912,7 +1908,7 @@
           <a:p>
             <a:fld id="{846CE7D5-CF57-46EF-B807-FDD0502418D4}" type="datetimeFigureOut">
               <a:rPr lang="en-US" smtClean="0"/>
-              <a:t>2/10/2021</a:t>
+              <a:t>2/19/21</a:t>
             </a:fld>
             <a:endParaRPr lang="en-US"/>
           </a:p>
@@ -2007,7 +2003,7 @@
           <a:p>
             <a:fld id="{846CE7D5-CF57-46EF-B807-FDD0502418D4}" type="datetimeFigureOut">
               <a:rPr lang="en-US" smtClean="0"/>
-              <a:t>2/10/2021</a:t>
+              <a:t>2/19/21</a:t>
             </a:fld>
             <a:endParaRPr lang="en-US"/>
           </a:p>
@@ -2282,7 +2278,7 @@
           <a:p>
             <a:fld id="{846CE7D5-CF57-46EF-B807-FDD0502418D4}" type="datetimeFigureOut">
               <a:rPr lang="en-US" smtClean="0"/>
-              <a:t>2/10/2021</a:t>
+              <a:t>2/19/21</a:t>
             </a:fld>
             <a:endParaRPr lang="en-US"/>
           </a:p>
@@ -2537,7 +2533,7 @@
           <a:p>
             <a:fld id="{846CE7D5-CF57-46EF-B807-FDD0502418D4}" type="datetimeFigureOut">
               <a:rPr lang="en-US" smtClean="0"/>
-              <a:t>2/10/2021</a:t>
+              <a:t>2/19/21</a:t>
             </a:fld>
             <a:endParaRPr lang="en-US"/>
           </a:p>
@@ -2748,7 +2744,7 @@
           <a:p>
             <a:fld id="{846CE7D5-CF57-46EF-B807-FDD0502418D4}" type="datetimeFigureOut">
               <a:rPr lang="en-US" smtClean="0"/>
-              <a:t>2/10/2021</a:t>
+              <a:t>2/19/21</a:t>
             </a:fld>
             <a:endParaRPr lang="en-US"/>
           </a:p>
@@ -3191,3415 +3187,7 @@
 </p:sld>
 </file>
 
-<file path=ppt/slides/slide2.xml><?xml version="1.0" encoding="utf-8"?>
-<p:sld xmlns:a="http://schemas.openxmlformats.org/drawingml/2006/main" xmlns:r="http://schemas.openxmlformats.org/officeDocument/2006/relationships" xmlns:p="http://schemas.openxmlformats.org/presentationml/2006/main">
-  <p:cSld>
-    <p:spTree>
-      <p:nvGrpSpPr>
-        <p:cNvPr id="1" name=""/>
-        <p:cNvGrpSpPr/>
-        <p:nvPr/>
-      </p:nvGrpSpPr>
-      <p:grpSpPr>
-        <a:xfrm>
-          <a:off x="0" y="0"/>
-          <a:ext cx="0" cy="0"/>
-          <a:chOff x="0" y="0"/>
-          <a:chExt cx="0" cy="0"/>
-        </a:xfrm>
-      </p:grpSpPr>
-      <p:sp>
-        <p:nvSpPr>
-          <p:cNvPr id="2" name="Title 1">
-            <a:extLst>
-              <a:ext uri="{FF2B5EF4-FFF2-40B4-BE49-F238E27FC236}">
-                <a16:creationId xmlns:a16="http://schemas.microsoft.com/office/drawing/2014/main" id="{00298C30-0BA9-4FAE-8BE8-687183FD791E}"/>
-              </a:ext>
-            </a:extLst>
-          </p:cNvPr>
-          <p:cNvSpPr>
-            <a:spLocks noGrp="1"/>
-          </p:cNvSpPr>
-          <p:nvPr>
-            <p:ph type="title"/>
-          </p:nvPr>
-        </p:nvSpPr>
-        <p:spPr/>
-        <p:txBody>
-          <a:bodyPr/>
-          <a:lstStyle/>
-          <a:p>
-            <a:r>
-              <a:rPr lang="en-US">
-                <a:cs typeface="Calibri Light"/>
-              </a:rPr>
-              <a:t>Method 1: Default SciPy Optimizer</a:t>
-            </a:r>
-            <a:endParaRPr lang="en-US"/>
-          </a:p>
-        </p:txBody>
-      </p:sp>
-      <p:sp>
-        <p:nvSpPr>
-          <p:cNvPr id="3" name="Content Placeholder 2">
-            <a:extLst>
-              <a:ext uri="{FF2B5EF4-FFF2-40B4-BE49-F238E27FC236}">
-                <a16:creationId xmlns:a16="http://schemas.microsoft.com/office/drawing/2014/main" id="{0851E795-9C8D-42D3-9DB0-D8166127FC50}"/>
-              </a:ext>
-            </a:extLst>
-          </p:cNvPr>
-          <p:cNvSpPr>
-            <a:spLocks noGrp="1"/>
-          </p:cNvSpPr>
-          <p:nvPr>
-            <p:ph idx="1"/>
-          </p:nvPr>
-        </p:nvSpPr>
-        <p:spPr>
-          <a:xfrm>
-            <a:off x="838200" y="1456916"/>
-            <a:ext cx="10515600" cy="4351338"/>
-          </a:xfrm>
-        </p:spPr>
-        <p:txBody>
-          <a:bodyPr vert="horz" lIns="91440" tIns="45720" rIns="91440" bIns="45720" rtlCol="0" anchor="t">
-            <a:normAutofit/>
-          </a:bodyPr>
-          <a:lstStyle/>
-          <a:p>
-            <a:r>
-              <a:rPr lang="en-US">
-                <a:cs typeface="Calibri"/>
-              </a:rPr>
-              <a:t>Fit three CFFs directly with an optimizer. Everything here is from a single kinematic set.  The implementation can be found in a notebook called "Method1.ipynb"</a:t>
-            </a:r>
-            <a:endParaRPr lang="en-US"/>
-          </a:p>
-        </p:txBody>
-      </p:sp>
-      <p:sp>
-        <p:nvSpPr>
-          <p:cNvPr id="4" name="Rectangle 3">
-            <a:extLst>
-              <a:ext uri="{FF2B5EF4-FFF2-40B4-BE49-F238E27FC236}">
-                <a16:creationId xmlns:a16="http://schemas.microsoft.com/office/drawing/2014/main" id="{F2216985-3EA3-4A8B-BFB0-98DEACE2EFA3}"/>
-              </a:ext>
-            </a:extLst>
-          </p:cNvPr>
-          <p:cNvSpPr/>
-          <p:nvPr/>
-        </p:nvSpPr>
-        <p:spPr>
-          <a:xfrm>
-            <a:off x="5061154" y="4508089"/>
-            <a:ext cx="2107789" cy="1124564"/>
-          </a:xfrm>
-          <a:prstGeom prst="rect">
-            <a:avLst/>
-          </a:prstGeom>
-          <a:ln w="28575"/>
-        </p:spPr>
-        <p:style>
-          <a:lnRef idx="2">
-            <a:schemeClr val="accent1"/>
-          </a:lnRef>
-          <a:fillRef idx="1">
-            <a:schemeClr val="lt1"/>
-          </a:fillRef>
-          <a:effectRef idx="0">
-            <a:schemeClr val="accent1"/>
-          </a:effectRef>
-          <a:fontRef idx="minor">
-            <a:schemeClr val="dk1"/>
-          </a:fontRef>
-        </p:style>
-        <p:txBody>
-          <a:bodyPr rtlCol="0" anchor="ctr"/>
-          <a:lstStyle/>
-          <a:p>
-            <a:pPr algn="ctr"/>
-            <a:endParaRPr lang="en-US"/>
-          </a:p>
-        </p:txBody>
-      </p:sp>
-      <p:sp>
-        <p:nvSpPr>
-          <p:cNvPr id="5" name="TextBox 4">
-            <a:extLst>
-              <a:ext uri="{FF2B5EF4-FFF2-40B4-BE49-F238E27FC236}">
-                <a16:creationId xmlns:a16="http://schemas.microsoft.com/office/drawing/2014/main" id="{4E7F7E80-EEED-4D98-A5A6-5A92C4DD583A}"/>
-              </a:ext>
-            </a:extLst>
-          </p:cNvPr>
-          <p:cNvSpPr txBox="1"/>
-          <p:nvPr/>
-        </p:nvSpPr>
-        <p:spPr>
-          <a:xfrm>
-            <a:off x="5180678" y="4879564"/>
-            <a:ext cx="1993491" cy="381622"/>
-          </a:xfrm>
-          <a:prstGeom prst="rect">
-            <a:avLst/>
-          </a:prstGeom>
-          <a:noFill/>
-        </p:spPr>
-        <p:txBody>
-          <a:bodyPr rot="0" spcFirstLastPara="0" vertOverflow="overflow" horzOverflow="overflow" vert="horz" wrap="square" lIns="91440" tIns="45720" rIns="91440" bIns="45720" numCol="1" spcCol="0" rtlCol="0" fromWordArt="0" anchor="t" anchorCtr="0" forceAA="0" compatLnSpc="1">
-            <a:prstTxWarp prst="textNoShape">
-              <a:avLst/>
-            </a:prstTxWarp>
-            <a:spAutoFit/>
-          </a:bodyPr>
-          <a:lstStyle/>
-          <a:p>
-            <a:r>
-              <a:rPr lang="en-US">
-                <a:cs typeface="Calibri"/>
-              </a:rPr>
-              <a:t>TotalUUXS function</a:t>
-            </a:r>
-          </a:p>
-        </p:txBody>
-      </p:sp>
-      <p:sp>
-        <p:nvSpPr>
-          <p:cNvPr id="6" name="Rectangle 5">
-            <a:extLst>
-              <a:ext uri="{FF2B5EF4-FFF2-40B4-BE49-F238E27FC236}">
-                <a16:creationId xmlns:a16="http://schemas.microsoft.com/office/drawing/2014/main" id="{6BBB87DE-E68A-46CF-9684-A3D78C3C1F2F}"/>
-              </a:ext>
-            </a:extLst>
-          </p:cNvPr>
-          <p:cNvSpPr/>
-          <p:nvPr/>
-        </p:nvSpPr>
-        <p:spPr>
-          <a:xfrm>
-            <a:off x="2019299" y="5300814"/>
-            <a:ext cx="2107789" cy="1124564"/>
-          </a:xfrm>
-          <a:prstGeom prst="rect">
-            <a:avLst/>
-          </a:prstGeom>
-          <a:ln w="28575"/>
-        </p:spPr>
-        <p:style>
-          <a:lnRef idx="2">
-            <a:schemeClr val="accent1"/>
-          </a:lnRef>
-          <a:fillRef idx="1">
-            <a:schemeClr val="lt1"/>
-          </a:fillRef>
-          <a:effectRef idx="0">
-            <a:schemeClr val="accent1"/>
-          </a:effectRef>
-          <a:fontRef idx="minor">
-            <a:schemeClr val="dk1"/>
-          </a:fontRef>
-        </p:style>
-        <p:txBody>
-          <a:bodyPr rtlCol="0" anchor="ctr"/>
-          <a:lstStyle/>
-          <a:p>
-            <a:pPr algn="ctr"/>
-            <a:endParaRPr lang="en-US"/>
-          </a:p>
-        </p:txBody>
-      </p:sp>
-      <p:sp>
-        <p:nvSpPr>
-          <p:cNvPr id="7" name="TextBox 6">
-            <a:extLst>
-              <a:ext uri="{FF2B5EF4-FFF2-40B4-BE49-F238E27FC236}">
-                <a16:creationId xmlns:a16="http://schemas.microsoft.com/office/drawing/2014/main" id="{38F81BBA-403D-42CC-AEF0-B8C8F1A66819}"/>
-              </a:ext>
-            </a:extLst>
-          </p:cNvPr>
-          <p:cNvSpPr txBox="1"/>
-          <p:nvPr/>
-        </p:nvSpPr>
-        <p:spPr>
-          <a:xfrm>
-            <a:off x="2138823" y="5573966"/>
-            <a:ext cx="1993491" cy="646331"/>
-          </a:xfrm>
-          <a:prstGeom prst="rect">
-            <a:avLst/>
-          </a:prstGeom>
-          <a:noFill/>
-        </p:spPr>
-        <p:txBody>
-          <a:bodyPr rot="0" spcFirstLastPara="0" vertOverflow="overflow" horzOverflow="overflow" vert="horz" wrap="square" lIns="91440" tIns="45720" rIns="91440" bIns="45720" numCol="1" spcCol="0" rtlCol="0" fromWordArt="0" anchor="t" anchorCtr="0" forceAA="0" compatLnSpc="1">
-            <a:prstTxWarp prst="textNoShape">
-              <a:avLst/>
-            </a:prstTxWarp>
-            <a:spAutoFit/>
-          </a:bodyPr>
-          <a:lstStyle/>
-          <a:p>
-            <a:r>
-              <a:rPr lang="en-US">
-                <a:cs typeface="Calibri"/>
-              </a:rPr>
-              <a:t>Compton Form Factors</a:t>
-            </a:r>
-            <a:endParaRPr lang="en-US"/>
-          </a:p>
-        </p:txBody>
-      </p:sp>
-      <p:sp>
-        <p:nvSpPr>
-          <p:cNvPr id="8" name="Rectangle 7">
-            <a:extLst>
-              <a:ext uri="{FF2B5EF4-FFF2-40B4-BE49-F238E27FC236}">
-                <a16:creationId xmlns:a16="http://schemas.microsoft.com/office/drawing/2014/main" id="{92336618-E939-4C3B-9EBA-B6C193E12F41}"/>
-              </a:ext>
-            </a:extLst>
-          </p:cNvPr>
-          <p:cNvSpPr/>
-          <p:nvPr/>
-        </p:nvSpPr>
-        <p:spPr>
-          <a:xfrm>
-            <a:off x="2025445" y="4028766"/>
-            <a:ext cx="2107789" cy="1124564"/>
-          </a:xfrm>
-          <a:prstGeom prst="rect">
-            <a:avLst/>
-          </a:prstGeom>
-          <a:ln w="28575"/>
-        </p:spPr>
-        <p:style>
-          <a:lnRef idx="2">
-            <a:schemeClr val="accent1"/>
-          </a:lnRef>
-          <a:fillRef idx="1">
-            <a:schemeClr val="lt1"/>
-          </a:fillRef>
-          <a:effectRef idx="0">
-            <a:schemeClr val="accent1"/>
-          </a:effectRef>
-          <a:fontRef idx="minor">
-            <a:schemeClr val="dk1"/>
-          </a:fontRef>
-        </p:style>
-        <p:txBody>
-          <a:bodyPr rtlCol="0" anchor="ctr"/>
-          <a:lstStyle/>
-          <a:p>
-            <a:pPr algn="ctr"/>
-            <a:endParaRPr lang="en-US"/>
-          </a:p>
-        </p:txBody>
-      </p:sp>
-      <p:sp>
-        <p:nvSpPr>
-          <p:cNvPr id="9" name="TextBox 8">
-            <a:extLst>
-              <a:ext uri="{FF2B5EF4-FFF2-40B4-BE49-F238E27FC236}">
-                <a16:creationId xmlns:a16="http://schemas.microsoft.com/office/drawing/2014/main" id="{7262E233-F208-466C-82AA-13001518C07E}"/>
-              </a:ext>
-            </a:extLst>
-          </p:cNvPr>
-          <p:cNvSpPr txBox="1"/>
-          <p:nvPr/>
-        </p:nvSpPr>
-        <p:spPr>
-          <a:xfrm>
-            <a:off x="2144969" y="4320354"/>
-            <a:ext cx="1993491" cy="646331"/>
-          </a:xfrm>
-          <a:prstGeom prst="rect">
-            <a:avLst/>
-          </a:prstGeom>
-          <a:noFill/>
-        </p:spPr>
-        <p:txBody>
-          <a:bodyPr rot="0" spcFirstLastPara="0" vertOverflow="overflow" horzOverflow="overflow" vert="horz" wrap="square" lIns="91440" tIns="45720" rIns="91440" bIns="45720" numCol="1" spcCol="0" rtlCol="0" fromWordArt="0" anchor="t" anchorCtr="0" forceAA="0" compatLnSpc="1">
-            <a:prstTxWarp prst="textNoShape">
-              <a:avLst/>
-            </a:prstTxWarp>
-            <a:spAutoFit/>
-          </a:bodyPr>
-          <a:lstStyle/>
-          <a:p>
-            <a:r>
-              <a:rPr lang="en-US">
-                <a:cs typeface="Calibri"/>
-              </a:rPr>
-              <a:t>k, QQ, x_b, t, F1, F2, dvcs const, phi</a:t>
-            </a:r>
-          </a:p>
-        </p:txBody>
-      </p:sp>
-      <p:sp>
-        <p:nvSpPr>
-          <p:cNvPr id="10" name="Rectangle 9">
-            <a:extLst>
-              <a:ext uri="{FF2B5EF4-FFF2-40B4-BE49-F238E27FC236}">
-                <a16:creationId xmlns:a16="http://schemas.microsoft.com/office/drawing/2014/main" id="{49575B47-227F-4F13-998D-F156B107A28C}"/>
-              </a:ext>
-            </a:extLst>
-          </p:cNvPr>
-          <p:cNvSpPr/>
-          <p:nvPr/>
-        </p:nvSpPr>
-        <p:spPr>
-          <a:xfrm>
-            <a:off x="8545460" y="4096361"/>
-            <a:ext cx="2107789" cy="977081"/>
-          </a:xfrm>
-          <a:prstGeom prst="rect">
-            <a:avLst/>
-          </a:prstGeom>
-          <a:ln w="28575"/>
-        </p:spPr>
-        <p:style>
-          <a:lnRef idx="2">
-            <a:schemeClr val="accent1"/>
-          </a:lnRef>
-          <a:fillRef idx="1">
-            <a:schemeClr val="lt1"/>
-          </a:fillRef>
-          <a:effectRef idx="0">
-            <a:schemeClr val="accent1"/>
-          </a:effectRef>
-          <a:fontRef idx="minor">
-            <a:schemeClr val="dk1"/>
-          </a:fontRef>
-        </p:style>
-        <p:txBody>
-          <a:bodyPr rtlCol="0" anchor="ctr"/>
-          <a:lstStyle/>
-          <a:p>
-            <a:pPr algn="ctr"/>
-            <a:endParaRPr lang="en-US"/>
-          </a:p>
-        </p:txBody>
-      </p:sp>
-      <p:sp>
-        <p:nvSpPr>
-          <p:cNvPr id="11" name="TextBox 10">
-            <a:extLst>
-              <a:ext uri="{FF2B5EF4-FFF2-40B4-BE49-F238E27FC236}">
-                <a16:creationId xmlns:a16="http://schemas.microsoft.com/office/drawing/2014/main" id="{5911B108-6AFB-4923-AC7B-32E6E59CBBD0}"/>
-              </a:ext>
-            </a:extLst>
-          </p:cNvPr>
-          <p:cNvSpPr txBox="1"/>
-          <p:nvPr/>
-        </p:nvSpPr>
-        <p:spPr>
-          <a:xfrm>
-            <a:off x="9027549" y="4406385"/>
-            <a:ext cx="1268362" cy="369332"/>
-          </a:xfrm>
-          <a:prstGeom prst="rect">
-            <a:avLst/>
-          </a:prstGeom>
-          <a:noFill/>
-        </p:spPr>
-        <p:txBody>
-          <a:bodyPr rot="0" spcFirstLastPara="0" vertOverflow="overflow" horzOverflow="overflow" vert="horz" wrap="square" lIns="91440" tIns="45720" rIns="91440" bIns="45720" numCol="1" spcCol="0" rtlCol="0" fromWordArt="0" anchor="t" anchorCtr="0" forceAA="0" compatLnSpc="1">
-            <a:prstTxWarp prst="textNoShape">
-              <a:avLst/>
-            </a:prstTxWarp>
-            <a:spAutoFit/>
-          </a:bodyPr>
-          <a:lstStyle/>
-          <a:p>
-            <a:r>
-              <a:rPr lang="en-US">
-                <a:cs typeface="Calibri"/>
-              </a:rPr>
-              <a:t>Optimizer</a:t>
-            </a:r>
-          </a:p>
-        </p:txBody>
-      </p:sp>
-      <p:sp>
-        <p:nvSpPr>
-          <p:cNvPr id="12" name="Rectangle 11">
-            <a:extLst>
-              <a:ext uri="{FF2B5EF4-FFF2-40B4-BE49-F238E27FC236}">
-                <a16:creationId xmlns:a16="http://schemas.microsoft.com/office/drawing/2014/main" id="{153B8666-8B52-4089-B5D4-BA96673051E4}"/>
-              </a:ext>
-            </a:extLst>
-          </p:cNvPr>
-          <p:cNvSpPr/>
-          <p:nvPr/>
-        </p:nvSpPr>
-        <p:spPr>
-          <a:xfrm>
-            <a:off x="2056170" y="2996377"/>
-            <a:ext cx="2120079" cy="841887"/>
-          </a:xfrm>
-          <a:prstGeom prst="rect">
-            <a:avLst/>
-          </a:prstGeom>
-          <a:ln w="28575"/>
-        </p:spPr>
-        <p:style>
-          <a:lnRef idx="2">
-            <a:schemeClr val="accent1"/>
-          </a:lnRef>
-          <a:fillRef idx="1">
-            <a:schemeClr val="lt1"/>
-          </a:fillRef>
-          <a:effectRef idx="0">
-            <a:schemeClr val="accent1"/>
-          </a:effectRef>
-          <a:fontRef idx="minor">
-            <a:schemeClr val="dk1"/>
-          </a:fontRef>
-        </p:style>
-        <p:txBody>
-          <a:bodyPr rtlCol="0" anchor="ctr"/>
-          <a:lstStyle/>
-          <a:p>
-            <a:pPr algn="ctr"/>
-            <a:endParaRPr lang="en-US"/>
-          </a:p>
-        </p:txBody>
-      </p:sp>
-      <p:sp>
-        <p:nvSpPr>
-          <p:cNvPr id="13" name="TextBox 12">
-            <a:extLst>
-              <a:ext uri="{FF2B5EF4-FFF2-40B4-BE49-F238E27FC236}">
-                <a16:creationId xmlns:a16="http://schemas.microsoft.com/office/drawing/2014/main" id="{95482501-B546-4A76-81D2-E07AF57A72F5}"/>
-              </a:ext>
-            </a:extLst>
-          </p:cNvPr>
-          <p:cNvSpPr txBox="1"/>
-          <p:nvPr/>
-        </p:nvSpPr>
-        <p:spPr>
-          <a:xfrm>
-            <a:off x="2568984" y="3232658"/>
-            <a:ext cx="1274507" cy="369332"/>
-          </a:xfrm>
-          <a:prstGeom prst="rect">
-            <a:avLst/>
-          </a:prstGeom>
-          <a:noFill/>
-        </p:spPr>
-        <p:txBody>
-          <a:bodyPr rot="0" spcFirstLastPara="0" vertOverflow="overflow" horzOverflow="overflow" vert="horz" wrap="square" lIns="91440" tIns="45720" rIns="91440" bIns="45720" numCol="1" spcCol="0" rtlCol="0" fromWordArt="0" anchor="t" anchorCtr="0" forceAA="0" compatLnSpc="1">
-            <a:prstTxWarp prst="textNoShape">
-              <a:avLst/>
-            </a:prstTxWarp>
-            <a:spAutoFit/>
-          </a:bodyPr>
-          <a:lstStyle/>
-          <a:p>
-            <a:r>
-              <a:rPr lang="en-US">
-                <a:cs typeface="Calibri"/>
-              </a:rPr>
-              <a:t>F values</a:t>
-            </a:r>
-            <a:endParaRPr lang="en-US"/>
-          </a:p>
-        </p:txBody>
-      </p:sp>
-      <p:cxnSp>
-        <p:nvCxnSpPr>
-          <p:cNvPr id="14" name="Straight Arrow Connector 13">
-            <a:extLst>
-              <a:ext uri="{FF2B5EF4-FFF2-40B4-BE49-F238E27FC236}">
-                <a16:creationId xmlns:a16="http://schemas.microsoft.com/office/drawing/2014/main" id="{AB94442E-F353-42A2-BABC-C3FE714ED59C}"/>
-              </a:ext>
-            </a:extLst>
-          </p:cNvPr>
-          <p:cNvCxnSpPr/>
-          <p:nvPr/>
-        </p:nvCxnSpPr>
-        <p:spPr>
-          <a:xfrm>
-            <a:off x="4191615" y="4548031"/>
-            <a:ext cx="809933" cy="428934"/>
-          </a:xfrm>
-          <a:prstGeom prst="straightConnector1">
-            <a:avLst/>
-          </a:prstGeom>
-          <a:ln>
-            <a:tailEnd type="triangle"/>
-          </a:ln>
-        </p:spPr>
-        <p:style>
-          <a:lnRef idx="3">
-            <a:schemeClr val="dk1"/>
-          </a:lnRef>
-          <a:fillRef idx="0">
-            <a:schemeClr val="dk1"/>
-          </a:fillRef>
-          <a:effectRef idx="2">
-            <a:schemeClr val="dk1"/>
-          </a:effectRef>
-          <a:fontRef idx="minor">
-            <a:schemeClr val="tx1"/>
-          </a:fontRef>
-        </p:style>
-      </p:cxnSp>
-      <p:cxnSp>
-        <p:nvCxnSpPr>
-          <p:cNvPr id="15" name="Straight Arrow Connector 14">
-            <a:extLst>
-              <a:ext uri="{FF2B5EF4-FFF2-40B4-BE49-F238E27FC236}">
-                <a16:creationId xmlns:a16="http://schemas.microsoft.com/office/drawing/2014/main" id="{72FFF46B-14E6-4322-B647-F8EEE26D74BF}"/>
-              </a:ext>
-            </a:extLst>
-          </p:cNvPr>
-          <p:cNvCxnSpPr>
-            <a:cxnSpLocks/>
-          </p:cNvCxnSpPr>
-          <p:nvPr/>
-        </p:nvCxnSpPr>
-        <p:spPr>
-          <a:xfrm flipV="1">
-            <a:off x="4197760" y="5204335"/>
-            <a:ext cx="791497" cy="701776"/>
-          </a:xfrm>
-          <a:prstGeom prst="straightConnector1">
-            <a:avLst/>
-          </a:prstGeom>
-          <a:ln>
-            <a:tailEnd type="triangle"/>
-          </a:ln>
-        </p:spPr>
-        <p:style>
-          <a:lnRef idx="3">
-            <a:schemeClr val="dk1"/>
-          </a:lnRef>
-          <a:fillRef idx="0">
-            <a:schemeClr val="dk1"/>
-          </a:fillRef>
-          <a:effectRef idx="2">
-            <a:schemeClr val="dk1"/>
-          </a:effectRef>
-          <a:fontRef idx="minor">
-            <a:schemeClr val="tx1"/>
-          </a:fontRef>
-        </p:style>
-      </p:cxnSp>
-      <p:cxnSp>
-        <p:nvCxnSpPr>
-          <p:cNvPr id="16" name="Straight Arrow Connector 15">
-            <a:extLst>
-              <a:ext uri="{FF2B5EF4-FFF2-40B4-BE49-F238E27FC236}">
-                <a16:creationId xmlns:a16="http://schemas.microsoft.com/office/drawing/2014/main" id="{1D588EDE-D409-46A1-A9B7-BD411EF3E565}"/>
-              </a:ext>
-            </a:extLst>
-          </p:cNvPr>
-          <p:cNvCxnSpPr>
-            <a:cxnSpLocks/>
-          </p:cNvCxnSpPr>
-          <p:nvPr/>
-        </p:nvCxnSpPr>
-        <p:spPr>
-          <a:xfrm flipV="1">
-            <a:off x="7258050" y="4688141"/>
-            <a:ext cx="1197077" cy="714066"/>
-          </a:xfrm>
-          <a:prstGeom prst="straightConnector1">
-            <a:avLst/>
-          </a:prstGeom>
-          <a:ln>
-            <a:tailEnd type="triangle"/>
-          </a:ln>
-        </p:spPr>
-        <p:style>
-          <a:lnRef idx="3">
-            <a:schemeClr val="dk1"/>
-          </a:lnRef>
-          <a:fillRef idx="0">
-            <a:schemeClr val="dk1"/>
-          </a:fillRef>
-          <a:effectRef idx="2">
-            <a:schemeClr val="dk1"/>
-          </a:effectRef>
-          <a:fontRef idx="minor">
-            <a:schemeClr val="tx1"/>
-          </a:fontRef>
-        </p:style>
-      </p:cxnSp>
-      <p:cxnSp>
-        <p:nvCxnSpPr>
-          <p:cNvPr id="17" name="Straight Arrow Connector 16">
-            <a:extLst>
-              <a:ext uri="{FF2B5EF4-FFF2-40B4-BE49-F238E27FC236}">
-                <a16:creationId xmlns:a16="http://schemas.microsoft.com/office/drawing/2014/main" id="{C9EBB06E-3377-4FC9-A4C4-B9FF9CD25E34}"/>
-              </a:ext>
-            </a:extLst>
-          </p:cNvPr>
-          <p:cNvCxnSpPr>
-            <a:cxnSpLocks/>
-          </p:cNvCxnSpPr>
-          <p:nvPr/>
-        </p:nvCxnSpPr>
-        <p:spPr>
-          <a:xfrm>
-            <a:off x="4265356" y="3515642"/>
-            <a:ext cx="4202061" cy="981998"/>
-          </a:xfrm>
-          <a:prstGeom prst="straightConnector1">
-            <a:avLst/>
-          </a:prstGeom>
-          <a:ln>
-            <a:tailEnd type="triangle"/>
-          </a:ln>
-        </p:spPr>
-        <p:style>
-          <a:lnRef idx="3">
-            <a:schemeClr val="dk1"/>
-          </a:lnRef>
-          <a:fillRef idx="0">
-            <a:schemeClr val="dk1"/>
-          </a:fillRef>
-          <a:effectRef idx="2">
-            <a:schemeClr val="dk1"/>
-          </a:effectRef>
-          <a:fontRef idx="minor">
-            <a:schemeClr val="tx1"/>
-          </a:fontRef>
-        </p:style>
-      </p:cxnSp>
-      <mc:AlternateContent xmlns:mc="http://schemas.openxmlformats.org/markup-compatibility/2006">
-        <mc:Choice xmlns:p14="http://schemas.microsoft.com/office/powerpoint/2010/main" Requires="p14">
-          <p:contentPart p14:bwMode="auto" r:id="rId2">
-            <p14:nvContentPartPr>
-              <p14:cNvPr id="23" name="Ink 22">
-                <a:extLst>
-                  <a:ext uri="{FF2B5EF4-FFF2-40B4-BE49-F238E27FC236}">
-                    <a16:creationId xmlns:a16="http://schemas.microsoft.com/office/drawing/2014/main" id="{D9ADD24A-1A4C-4A8E-AB46-C1D3298C6814}"/>
-                  </a:ext>
-                </a:extLst>
-              </p14:cNvPr>
-              <p14:cNvContentPartPr/>
-              <p14:nvPr/>
-            </p14:nvContentPartPr>
-            <p14:xfrm>
-              <a:off x="4299723" y="5179362"/>
-              <a:ext cx="5286375" cy="1095375"/>
-            </p14:xfrm>
-          </p:contentPart>
-        </mc:Choice>
-        <mc:Fallback>
-          <p:pic>
-            <p:nvPicPr>
-              <p:cNvPr id="23" name="Ink 22">
-                <a:extLst>
-                  <a:ext uri="{FF2B5EF4-FFF2-40B4-BE49-F238E27FC236}">
-                    <a16:creationId xmlns:a16="http://schemas.microsoft.com/office/drawing/2014/main" id="{D9ADD24A-1A4C-4A8E-AB46-C1D3298C6814}"/>
-                  </a:ext>
-                </a:extLst>
-              </p:cNvPr>
-              <p:cNvPicPr/>
-              <p:nvPr/>
-            </p:nvPicPr>
-            <p:blipFill>
-              <a:blip r:embed="rId3"/>
-              <a:stretch>
-                <a:fillRect/>
-              </a:stretch>
-            </p:blipFill>
-            <p:spPr>
-              <a:xfrm>
-                <a:off x="4281713" y="5161364"/>
-                <a:ext cx="5322035" cy="1131012"/>
-              </a:xfrm>
-              <a:prstGeom prst="rect">
-                <a:avLst/>
-              </a:prstGeom>
-            </p:spPr>
-          </p:pic>
-        </mc:Fallback>
-      </mc:AlternateContent>
-      <mc:AlternateContent xmlns:mc="http://schemas.openxmlformats.org/markup-compatibility/2006">
-        <mc:Choice xmlns:p14="http://schemas.microsoft.com/office/powerpoint/2010/main" Requires="p14">
-          <p:contentPart p14:bwMode="auto" r:id="rId4">
-            <p14:nvContentPartPr>
-              <p14:cNvPr id="24" name="Ink 23">
-                <a:extLst>
-                  <a:ext uri="{FF2B5EF4-FFF2-40B4-BE49-F238E27FC236}">
-                    <a16:creationId xmlns:a16="http://schemas.microsoft.com/office/drawing/2014/main" id="{58D11890-98C9-4D53-BE7B-2FC64791F0A5}"/>
-                  </a:ext>
-                </a:extLst>
-              </p14:cNvPr>
-              <p14:cNvContentPartPr/>
-              <p14:nvPr/>
-            </p14:nvContentPartPr>
-            <p14:xfrm>
-              <a:off x="4315583" y="6246412"/>
-              <a:ext cx="114300" cy="133350"/>
-            </p14:xfrm>
-          </p:contentPart>
-        </mc:Choice>
-        <mc:Fallback>
-          <p:pic>
-            <p:nvPicPr>
-              <p:cNvPr id="24" name="Ink 23">
-                <a:extLst>
-                  <a:ext uri="{FF2B5EF4-FFF2-40B4-BE49-F238E27FC236}">
-                    <a16:creationId xmlns:a16="http://schemas.microsoft.com/office/drawing/2014/main" id="{58D11890-98C9-4D53-BE7B-2FC64791F0A5}"/>
-                  </a:ext>
-                </a:extLst>
-              </p:cNvPr>
-              <p:cNvPicPr/>
-              <p:nvPr/>
-            </p:nvPicPr>
-            <p:blipFill>
-              <a:blip r:embed="rId5"/>
-              <a:stretch>
-                <a:fillRect/>
-              </a:stretch>
-            </p:blipFill>
-            <p:spPr>
-              <a:xfrm>
-                <a:off x="4297944" y="6227840"/>
-                <a:ext cx="149225" cy="170123"/>
-              </a:xfrm>
-              <a:prstGeom prst="rect">
-                <a:avLst/>
-              </a:prstGeom>
-            </p:spPr>
-          </p:pic>
-        </mc:Fallback>
-      </mc:AlternateContent>
-    </p:spTree>
-    <p:extLst>
-      <p:ext uri="{BB962C8B-B14F-4D97-AF65-F5344CB8AC3E}">
-        <p14:creationId xmlns:p14="http://schemas.microsoft.com/office/powerpoint/2010/main" val="3885661743"/>
-      </p:ext>
-    </p:extLst>
-  </p:cSld>
-  <p:clrMapOvr>
-    <a:masterClrMapping/>
-  </p:clrMapOvr>
-</p:sld>
-</file>
-
-<file path=ppt/slides/slide3.xml><?xml version="1.0" encoding="utf-8"?>
-<p:sld xmlns:a="http://schemas.openxmlformats.org/drawingml/2006/main" xmlns:r="http://schemas.openxmlformats.org/officeDocument/2006/relationships" xmlns:p="http://schemas.openxmlformats.org/presentationml/2006/main">
-  <p:cSld>
-    <p:spTree>
-      <p:nvGrpSpPr>
-        <p:cNvPr id="1" name=""/>
-        <p:cNvGrpSpPr/>
-        <p:nvPr/>
-      </p:nvGrpSpPr>
-      <p:grpSpPr>
-        <a:xfrm>
-          <a:off x="0" y="0"/>
-          <a:ext cx="0" cy="0"/>
-          <a:chOff x="0" y="0"/>
-          <a:chExt cx="0" cy="0"/>
-        </a:xfrm>
-      </p:grpSpPr>
-      <p:sp>
-        <p:nvSpPr>
-          <p:cNvPr id="2" name="Title 1">
-            <a:extLst>
-              <a:ext uri="{FF2B5EF4-FFF2-40B4-BE49-F238E27FC236}">
-                <a16:creationId xmlns:a16="http://schemas.microsoft.com/office/drawing/2014/main" id="{4188E499-1E9C-40A2-8FB9-FEFD7BE61B1A}"/>
-              </a:ext>
-            </a:extLst>
-          </p:cNvPr>
-          <p:cNvSpPr>
-            <a:spLocks noGrp="1"/>
-          </p:cNvSpPr>
-          <p:nvPr>
-            <p:ph type="title"/>
-          </p:nvPr>
-        </p:nvSpPr>
-        <p:spPr>
-          <a:xfrm>
-            <a:off x="838200" y="272948"/>
-            <a:ext cx="10515600" cy="1325563"/>
-          </a:xfrm>
-        </p:spPr>
-        <p:txBody>
-          <a:bodyPr/>
-          <a:lstStyle/>
-          <a:p>
-            <a:r>
-              <a:rPr lang="en-US">
-                <a:cs typeface="Calibri Light"/>
-              </a:rPr>
-              <a:t>Method 2: ANN Local Fit</a:t>
-            </a:r>
-          </a:p>
-        </p:txBody>
-      </p:sp>
-      <p:sp>
-        <p:nvSpPr>
-          <p:cNvPr id="3" name="Content Placeholder 2">
-            <a:extLst>
-              <a:ext uri="{FF2B5EF4-FFF2-40B4-BE49-F238E27FC236}">
-                <a16:creationId xmlns:a16="http://schemas.microsoft.com/office/drawing/2014/main" id="{C8BA611D-03D4-415B-891C-557D48FC5124}"/>
-              </a:ext>
-            </a:extLst>
-          </p:cNvPr>
-          <p:cNvSpPr>
-            <a:spLocks noGrp="1"/>
-          </p:cNvSpPr>
-          <p:nvPr>
-            <p:ph idx="1"/>
-          </p:nvPr>
-        </p:nvSpPr>
-        <p:spPr>
-          <a:xfrm>
-            <a:off x="838200" y="1426189"/>
-            <a:ext cx="10515600" cy="4351338"/>
-          </a:xfrm>
-        </p:spPr>
-        <p:txBody>
-          <a:bodyPr vert="horz" lIns="91440" tIns="45720" rIns="91440" bIns="45720" rtlCol="0" anchor="t">
-            <a:normAutofit/>
-          </a:bodyPr>
-          <a:lstStyle/>
-          <a:p>
-            <a:r>
-              <a:rPr lang="en-US">
-                <a:cs typeface="Calibri"/>
-              </a:rPr>
-              <a:t>Similar to method one, except we use an ANN to produce the compton form factors and optimize its weights.  An implementation can be found in the notebook titled "Method2.ipynb"</a:t>
-            </a:r>
-            <a:endParaRPr lang="en-US"/>
-          </a:p>
-        </p:txBody>
-      </p:sp>
-      <p:sp>
-        <p:nvSpPr>
-          <p:cNvPr id="35" name="Rectangle 34">
-            <a:extLst>
-              <a:ext uri="{FF2B5EF4-FFF2-40B4-BE49-F238E27FC236}">
-                <a16:creationId xmlns:a16="http://schemas.microsoft.com/office/drawing/2014/main" id="{FA9706D3-DE21-44E4-B111-70E9BCDACB86}"/>
-              </a:ext>
-            </a:extLst>
-          </p:cNvPr>
-          <p:cNvSpPr/>
-          <p:nvPr/>
-        </p:nvSpPr>
-        <p:spPr>
-          <a:xfrm>
-            <a:off x="6191864" y="4397476"/>
-            <a:ext cx="2107789" cy="1124564"/>
-          </a:xfrm>
-          <a:prstGeom prst="rect">
-            <a:avLst/>
-          </a:prstGeom>
-          <a:ln w="28575"/>
-        </p:spPr>
-        <p:style>
-          <a:lnRef idx="2">
-            <a:schemeClr val="accent1"/>
-          </a:lnRef>
-          <a:fillRef idx="1">
-            <a:schemeClr val="lt1"/>
-          </a:fillRef>
-          <a:effectRef idx="0">
-            <a:schemeClr val="accent1"/>
-          </a:effectRef>
-          <a:fontRef idx="minor">
-            <a:schemeClr val="dk1"/>
-          </a:fontRef>
-        </p:style>
-        <p:txBody>
-          <a:bodyPr rtlCol="0" anchor="ctr"/>
-          <a:lstStyle/>
-          <a:p>
-            <a:pPr algn="ctr"/>
-            <a:endParaRPr lang="en-US"/>
-          </a:p>
-        </p:txBody>
-      </p:sp>
-      <p:sp>
-        <p:nvSpPr>
-          <p:cNvPr id="37" name="TextBox 36">
-            <a:extLst>
-              <a:ext uri="{FF2B5EF4-FFF2-40B4-BE49-F238E27FC236}">
-                <a16:creationId xmlns:a16="http://schemas.microsoft.com/office/drawing/2014/main" id="{0C17EB64-783D-4F7F-AA38-CD1CCA39FC38}"/>
-              </a:ext>
-            </a:extLst>
-          </p:cNvPr>
-          <p:cNvSpPr txBox="1"/>
-          <p:nvPr/>
-        </p:nvSpPr>
-        <p:spPr>
-          <a:xfrm>
-            <a:off x="6311388" y="4768951"/>
-            <a:ext cx="1993491" cy="381622"/>
-          </a:xfrm>
-          <a:prstGeom prst="rect">
-            <a:avLst/>
-          </a:prstGeom>
-          <a:noFill/>
-        </p:spPr>
-        <p:txBody>
-          <a:bodyPr rot="0" spcFirstLastPara="0" vertOverflow="overflow" horzOverflow="overflow" vert="horz" wrap="square" lIns="91440" tIns="45720" rIns="91440" bIns="45720" numCol="1" spcCol="0" rtlCol="0" fromWordArt="0" anchor="t" anchorCtr="0" forceAA="0" compatLnSpc="1">
-            <a:prstTxWarp prst="textNoShape">
-              <a:avLst/>
-            </a:prstTxWarp>
-            <a:spAutoFit/>
-          </a:bodyPr>
-          <a:lstStyle/>
-          <a:p>
-            <a:r>
-              <a:rPr lang="en-US">
-                <a:cs typeface="Calibri"/>
-              </a:rPr>
-              <a:t>TotalUUXS function</a:t>
-            </a:r>
-          </a:p>
-        </p:txBody>
-      </p:sp>
-      <p:sp>
-        <p:nvSpPr>
-          <p:cNvPr id="39" name="Rectangle 38">
-            <a:extLst>
-              <a:ext uri="{FF2B5EF4-FFF2-40B4-BE49-F238E27FC236}">
-                <a16:creationId xmlns:a16="http://schemas.microsoft.com/office/drawing/2014/main" id="{8E10CB25-10A7-4E91-95FD-9918DFB85AB0}"/>
-              </a:ext>
-            </a:extLst>
-          </p:cNvPr>
-          <p:cNvSpPr/>
-          <p:nvPr/>
-        </p:nvSpPr>
-        <p:spPr>
-          <a:xfrm>
-            <a:off x="3150009" y="5190201"/>
-            <a:ext cx="2107789" cy="1124564"/>
-          </a:xfrm>
-          <a:prstGeom prst="rect">
-            <a:avLst/>
-          </a:prstGeom>
-          <a:ln w="28575"/>
-        </p:spPr>
-        <p:style>
-          <a:lnRef idx="2">
-            <a:schemeClr val="accent1"/>
-          </a:lnRef>
-          <a:fillRef idx="1">
-            <a:schemeClr val="lt1"/>
-          </a:fillRef>
-          <a:effectRef idx="0">
-            <a:schemeClr val="accent1"/>
-          </a:effectRef>
-          <a:fontRef idx="minor">
-            <a:schemeClr val="dk1"/>
-          </a:fontRef>
-        </p:style>
-        <p:txBody>
-          <a:bodyPr rtlCol="0" anchor="ctr"/>
-          <a:lstStyle/>
-          <a:p>
-            <a:pPr algn="ctr"/>
-            <a:endParaRPr lang="en-US"/>
-          </a:p>
-        </p:txBody>
-      </p:sp>
-      <p:sp>
-        <p:nvSpPr>
-          <p:cNvPr id="41" name="TextBox 40">
-            <a:extLst>
-              <a:ext uri="{FF2B5EF4-FFF2-40B4-BE49-F238E27FC236}">
-                <a16:creationId xmlns:a16="http://schemas.microsoft.com/office/drawing/2014/main" id="{1B587DA0-416C-4F2D-9144-E4F05B86F5F7}"/>
-              </a:ext>
-            </a:extLst>
-          </p:cNvPr>
-          <p:cNvSpPr txBox="1"/>
-          <p:nvPr/>
-        </p:nvSpPr>
-        <p:spPr>
-          <a:xfrm>
-            <a:off x="3269533" y="5463353"/>
-            <a:ext cx="1993491" cy="646331"/>
-          </a:xfrm>
-          <a:prstGeom prst="rect">
-            <a:avLst/>
-          </a:prstGeom>
-          <a:noFill/>
-        </p:spPr>
-        <p:txBody>
-          <a:bodyPr rot="0" spcFirstLastPara="0" vertOverflow="overflow" horzOverflow="overflow" vert="horz" wrap="square" lIns="91440" tIns="45720" rIns="91440" bIns="45720" numCol="1" spcCol="0" rtlCol="0" fromWordArt="0" anchor="t" anchorCtr="0" forceAA="0" compatLnSpc="1">
-            <a:prstTxWarp prst="textNoShape">
-              <a:avLst/>
-            </a:prstTxWarp>
-            <a:spAutoFit/>
-          </a:bodyPr>
-          <a:lstStyle/>
-          <a:p>
-            <a:r>
-              <a:rPr lang="en-US">
-                <a:cs typeface="Calibri"/>
-              </a:rPr>
-              <a:t>Compton Form Factors</a:t>
-            </a:r>
-            <a:endParaRPr lang="en-US"/>
-          </a:p>
-        </p:txBody>
-      </p:sp>
-      <p:sp>
-        <p:nvSpPr>
-          <p:cNvPr id="43" name="Rectangle 42">
-            <a:extLst>
-              <a:ext uri="{FF2B5EF4-FFF2-40B4-BE49-F238E27FC236}">
-                <a16:creationId xmlns:a16="http://schemas.microsoft.com/office/drawing/2014/main" id="{6BB2A63D-3785-4127-A2CB-B9F343211DEE}"/>
-              </a:ext>
-            </a:extLst>
-          </p:cNvPr>
-          <p:cNvSpPr/>
-          <p:nvPr/>
-        </p:nvSpPr>
-        <p:spPr>
-          <a:xfrm>
-            <a:off x="3156155" y="3918153"/>
-            <a:ext cx="2107789" cy="1124564"/>
-          </a:xfrm>
-          <a:prstGeom prst="rect">
-            <a:avLst/>
-          </a:prstGeom>
-          <a:ln w="28575"/>
-        </p:spPr>
-        <p:style>
-          <a:lnRef idx="2">
-            <a:schemeClr val="accent1"/>
-          </a:lnRef>
-          <a:fillRef idx="1">
-            <a:schemeClr val="lt1"/>
-          </a:fillRef>
-          <a:effectRef idx="0">
-            <a:schemeClr val="accent1"/>
-          </a:effectRef>
-          <a:fontRef idx="minor">
-            <a:schemeClr val="dk1"/>
-          </a:fontRef>
-        </p:style>
-        <p:txBody>
-          <a:bodyPr rtlCol="0" anchor="ctr"/>
-          <a:lstStyle/>
-          <a:p>
-            <a:pPr algn="ctr"/>
-            <a:endParaRPr lang="en-US"/>
-          </a:p>
-        </p:txBody>
-      </p:sp>
-      <p:sp>
-        <p:nvSpPr>
-          <p:cNvPr id="45" name="TextBox 44">
-            <a:extLst>
-              <a:ext uri="{FF2B5EF4-FFF2-40B4-BE49-F238E27FC236}">
-                <a16:creationId xmlns:a16="http://schemas.microsoft.com/office/drawing/2014/main" id="{EBA44D2F-3FEB-45C8-9707-8A4C3976419A}"/>
-              </a:ext>
-            </a:extLst>
-          </p:cNvPr>
-          <p:cNvSpPr txBox="1"/>
-          <p:nvPr/>
-        </p:nvSpPr>
-        <p:spPr>
-          <a:xfrm>
-            <a:off x="3275679" y="4209741"/>
-            <a:ext cx="1993491" cy="646331"/>
-          </a:xfrm>
-          <a:prstGeom prst="rect">
-            <a:avLst/>
-          </a:prstGeom>
-          <a:noFill/>
-        </p:spPr>
-        <p:txBody>
-          <a:bodyPr rot="0" spcFirstLastPara="0" vertOverflow="overflow" horzOverflow="overflow" vert="horz" wrap="square" lIns="91440" tIns="45720" rIns="91440" bIns="45720" numCol="1" spcCol="0" rtlCol="0" fromWordArt="0" anchor="t" anchorCtr="0" forceAA="0" compatLnSpc="1">
-            <a:prstTxWarp prst="textNoShape">
-              <a:avLst/>
-            </a:prstTxWarp>
-            <a:spAutoFit/>
-          </a:bodyPr>
-          <a:lstStyle/>
-          <a:p>
-            <a:r>
-              <a:rPr lang="en-US">
-                <a:cs typeface="Calibri"/>
-              </a:rPr>
-              <a:t>k, QQ, x_b, t, F1, F2, dvcs const, phi</a:t>
-            </a:r>
-          </a:p>
-        </p:txBody>
-      </p:sp>
-      <p:sp>
-        <p:nvSpPr>
-          <p:cNvPr id="47" name="Rectangle 46">
-            <a:extLst>
-              <a:ext uri="{FF2B5EF4-FFF2-40B4-BE49-F238E27FC236}">
-                <a16:creationId xmlns:a16="http://schemas.microsoft.com/office/drawing/2014/main" id="{12F9F20C-9B09-49D0-BF0E-878C53D908B8}"/>
-              </a:ext>
-            </a:extLst>
-          </p:cNvPr>
-          <p:cNvSpPr/>
-          <p:nvPr/>
-        </p:nvSpPr>
-        <p:spPr>
-          <a:xfrm>
-            <a:off x="9676170" y="3985748"/>
-            <a:ext cx="2107789" cy="977081"/>
-          </a:xfrm>
-          <a:prstGeom prst="rect">
-            <a:avLst/>
-          </a:prstGeom>
-          <a:ln w="28575"/>
-        </p:spPr>
-        <p:style>
-          <a:lnRef idx="2">
-            <a:schemeClr val="accent1"/>
-          </a:lnRef>
-          <a:fillRef idx="1">
-            <a:schemeClr val="lt1"/>
-          </a:fillRef>
-          <a:effectRef idx="0">
-            <a:schemeClr val="accent1"/>
-          </a:effectRef>
-          <a:fontRef idx="minor">
-            <a:schemeClr val="dk1"/>
-          </a:fontRef>
-        </p:style>
-        <p:txBody>
-          <a:bodyPr rtlCol="0" anchor="ctr"/>
-          <a:lstStyle/>
-          <a:p>
-            <a:pPr algn="ctr"/>
-            <a:endParaRPr lang="en-US"/>
-          </a:p>
-        </p:txBody>
-      </p:sp>
-      <p:sp>
-        <p:nvSpPr>
-          <p:cNvPr id="49" name="TextBox 48">
-            <a:extLst>
-              <a:ext uri="{FF2B5EF4-FFF2-40B4-BE49-F238E27FC236}">
-                <a16:creationId xmlns:a16="http://schemas.microsoft.com/office/drawing/2014/main" id="{E3EC5222-CE13-4CD3-8697-4AC11942B8D9}"/>
-              </a:ext>
-            </a:extLst>
-          </p:cNvPr>
-          <p:cNvSpPr txBox="1"/>
-          <p:nvPr/>
-        </p:nvSpPr>
-        <p:spPr>
-          <a:xfrm>
-            <a:off x="10158259" y="4295772"/>
-            <a:ext cx="1268362" cy="369332"/>
-          </a:xfrm>
-          <a:prstGeom prst="rect">
-            <a:avLst/>
-          </a:prstGeom>
-          <a:noFill/>
-        </p:spPr>
-        <p:txBody>
-          <a:bodyPr rot="0" spcFirstLastPara="0" vertOverflow="overflow" horzOverflow="overflow" vert="horz" wrap="square" lIns="91440" tIns="45720" rIns="91440" bIns="45720" numCol="1" spcCol="0" rtlCol="0" fromWordArt="0" anchor="t" anchorCtr="0" forceAA="0" compatLnSpc="1">
-            <a:prstTxWarp prst="textNoShape">
-              <a:avLst/>
-            </a:prstTxWarp>
-            <a:spAutoFit/>
-          </a:bodyPr>
-          <a:lstStyle/>
-          <a:p>
-            <a:r>
-              <a:rPr lang="en-US">
-                <a:cs typeface="Calibri"/>
-              </a:rPr>
-              <a:t>Optimizer</a:t>
-            </a:r>
-          </a:p>
-        </p:txBody>
-      </p:sp>
-      <p:sp>
-        <p:nvSpPr>
-          <p:cNvPr id="51" name="Rectangle 50">
-            <a:extLst>
-              <a:ext uri="{FF2B5EF4-FFF2-40B4-BE49-F238E27FC236}">
-                <a16:creationId xmlns:a16="http://schemas.microsoft.com/office/drawing/2014/main" id="{183DF020-8352-4CDC-8D6E-943101A1706F}"/>
-              </a:ext>
-            </a:extLst>
-          </p:cNvPr>
-          <p:cNvSpPr/>
-          <p:nvPr/>
-        </p:nvSpPr>
-        <p:spPr>
-          <a:xfrm>
-            <a:off x="3186880" y="2885764"/>
-            <a:ext cx="2120079" cy="841887"/>
-          </a:xfrm>
-          <a:prstGeom prst="rect">
-            <a:avLst/>
-          </a:prstGeom>
-          <a:ln w="28575"/>
-        </p:spPr>
-        <p:style>
-          <a:lnRef idx="2">
-            <a:schemeClr val="accent1"/>
-          </a:lnRef>
-          <a:fillRef idx="1">
-            <a:schemeClr val="lt1"/>
-          </a:fillRef>
-          <a:effectRef idx="0">
-            <a:schemeClr val="accent1"/>
-          </a:effectRef>
-          <a:fontRef idx="minor">
-            <a:schemeClr val="dk1"/>
-          </a:fontRef>
-        </p:style>
-        <p:txBody>
-          <a:bodyPr rtlCol="0" anchor="ctr"/>
-          <a:lstStyle/>
-          <a:p>
-            <a:pPr algn="ctr"/>
-            <a:endParaRPr lang="en-US"/>
-          </a:p>
-        </p:txBody>
-      </p:sp>
-      <p:sp>
-        <p:nvSpPr>
-          <p:cNvPr id="53" name="TextBox 52">
-            <a:extLst>
-              <a:ext uri="{FF2B5EF4-FFF2-40B4-BE49-F238E27FC236}">
-                <a16:creationId xmlns:a16="http://schemas.microsoft.com/office/drawing/2014/main" id="{F8A46957-E815-4230-ADD6-F795C69F3E6D}"/>
-              </a:ext>
-            </a:extLst>
-          </p:cNvPr>
-          <p:cNvSpPr txBox="1"/>
-          <p:nvPr/>
-        </p:nvSpPr>
-        <p:spPr>
-          <a:xfrm>
-            <a:off x="3699694" y="3122045"/>
-            <a:ext cx="1274507" cy="369332"/>
-          </a:xfrm>
-          <a:prstGeom prst="rect">
-            <a:avLst/>
-          </a:prstGeom>
-          <a:noFill/>
-        </p:spPr>
-        <p:txBody>
-          <a:bodyPr rot="0" spcFirstLastPara="0" vertOverflow="overflow" horzOverflow="overflow" vert="horz" wrap="square" lIns="91440" tIns="45720" rIns="91440" bIns="45720" numCol="1" spcCol="0" rtlCol="0" fromWordArt="0" anchor="t" anchorCtr="0" forceAA="0" compatLnSpc="1">
-            <a:prstTxWarp prst="textNoShape">
-              <a:avLst/>
-            </a:prstTxWarp>
-            <a:spAutoFit/>
-          </a:bodyPr>
-          <a:lstStyle/>
-          <a:p>
-            <a:r>
-              <a:rPr lang="en-US">
-                <a:cs typeface="Calibri"/>
-              </a:rPr>
-              <a:t>F values</a:t>
-            </a:r>
-            <a:endParaRPr lang="en-US"/>
-          </a:p>
-        </p:txBody>
-      </p:sp>
-      <p:cxnSp>
-        <p:nvCxnSpPr>
-          <p:cNvPr id="55" name="Straight Arrow Connector 54">
-            <a:extLst>
-              <a:ext uri="{FF2B5EF4-FFF2-40B4-BE49-F238E27FC236}">
-                <a16:creationId xmlns:a16="http://schemas.microsoft.com/office/drawing/2014/main" id="{D7820ECE-00AA-4703-A7B0-E7B6AF488FB1}"/>
-              </a:ext>
-            </a:extLst>
-          </p:cNvPr>
-          <p:cNvCxnSpPr/>
-          <p:nvPr/>
-        </p:nvCxnSpPr>
-        <p:spPr>
-          <a:xfrm>
-            <a:off x="5322325" y="4437418"/>
-            <a:ext cx="809933" cy="428934"/>
-          </a:xfrm>
-          <a:prstGeom prst="straightConnector1">
-            <a:avLst/>
-          </a:prstGeom>
-          <a:ln>
-            <a:tailEnd type="triangle"/>
-          </a:ln>
-        </p:spPr>
-        <p:style>
-          <a:lnRef idx="3">
-            <a:schemeClr val="dk1"/>
-          </a:lnRef>
-          <a:fillRef idx="0">
-            <a:schemeClr val="dk1"/>
-          </a:fillRef>
-          <a:effectRef idx="2">
-            <a:schemeClr val="dk1"/>
-          </a:effectRef>
-          <a:fontRef idx="minor">
-            <a:schemeClr val="tx1"/>
-          </a:fontRef>
-        </p:style>
-      </p:cxnSp>
-      <p:cxnSp>
-        <p:nvCxnSpPr>
-          <p:cNvPr id="57" name="Straight Arrow Connector 56">
-            <a:extLst>
-              <a:ext uri="{FF2B5EF4-FFF2-40B4-BE49-F238E27FC236}">
-                <a16:creationId xmlns:a16="http://schemas.microsoft.com/office/drawing/2014/main" id="{31C18CE2-31E7-4F16-80E5-1AD41F6502A2}"/>
-              </a:ext>
-            </a:extLst>
-          </p:cNvPr>
-          <p:cNvCxnSpPr>
-            <a:cxnSpLocks/>
-          </p:cNvCxnSpPr>
-          <p:nvPr/>
-        </p:nvCxnSpPr>
-        <p:spPr>
-          <a:xfrm flipV="1">
-            <a:off x="5328470" y="5093722"/>
-            <a:ext cx="791497" cy="701776"/>
-          </a:xfrm>
-          <a:prstGeom prst="straightConnector1">
-            <a:avLst/>
-          </a:prstGeom>
-          <a:ln>
-            <a:tailEnd type="triangle"/>
-          </a:ln>
-        </p:spPr>
-        <p:style>
-          <a:lnRef idx="3">
-            <a:schemeClr val="dk1"/>
-          </a:lnRef>
-          <a:fillRef idx="0">
-            <a:schemeClr val="dk1"/>
-          </a:fillRef>
-          <a:effectRef idx="2">
-            <a:schemeClr val="dk1"/>
-          </a:effectRef>
-          <a:fontRef idx="minor">
-            <a:schemeClr val="tx1"/>
-          </a:fontRef>
-        </p:style>
-      </p:cxnSp>
-      <p:cxnSp>
-        <p:nvCxnSpPr>
-          <p:cNvPr id="59" name="Straight Arrow Connector 58">
-            <a:extLst>
-              <a:ext uri="{FF2B5EF4-FFF2-40B4-BE49-F238E27FC236}">
-                <a16:creationId xmlns:a16="http://schemas.microsoft.com/office/drawing/2014/main" id="{71CC94CB-31EE-4C82-9D7F-94A3ECB7C4C7}"/>
-              </a:ext>
-            </a:extLst>
-          </p:cNvPr>
-          <p:cNvCxnSpPr>
-            <a:cxnSpLocks/>
-          </p:cNvCxnSpPr>
-          <p:nvPr/>
-        </p:nvCxnSpPr>
-        <p:spPr>
-          <a:xfrm flipV="1">
-            <a:off x="8388760" y="4577528"/>
-            <a:ext cx="1197077" cy="714066"/>
-          </a:xfrm>
-          <a:prstGeom prst="straightConnector1">
-            <a:avLst/>
-          </a:prstGeom>
-          <a:ln>
-            <a:tailEnd type="triangle"/>
-          </a:ln>
-        </p:spPr>
-        <p:style>
-          <a:lnRef idx="3">
-            <a:schemeClr val="dk1"/>
-          </a:lnRef>
-          <a:fillRef idx="0">
-            <a:schemeClr val="dk1"/>
-          </a:fillRef>
-          <a:effectRef idx="2">
-            <a:schemeClr val="dk1"/>
-          </a:effectRef>
-          <a:fontRef idx="minor">
-            <a:schemeClr val="tx1"/>
-          </a:fontRef>
-        </p:style>
-      </p:cxnSp>
-      <p:cxnSp>
-        <p:nvCxnSpPr>
-          <p:cNvPr id="61" name="Straight Arrow Connector 60">
-            <a:extLst>
-              <a:ext uri="{FF2B5EF4-FFF2-40B4-BE49-F238E27FC236}">
-                <a16:creationId xmlns:a16="http://schemas.microsoft.com/office/drawing/2014/main" id="{0CD27624-C861-450D-859C-EB78F6C46741}"/>
-              </a:ext>
-            </a:extLst>
-          </p:cNvPr>
-          <p:cNvCxnSpPr>
-            <a:cxnSpLocks/>
-          </p:cNvCxnSpPr>
-          <p:nvPr/>
-        </p:nvCxnSpPr>
-        <p:spPr>
-          <a:xfrm>
-            <a:off x="5396066" y="3405029"/>
-            <a:ext cx="4202061" cy="981998"/>
-          </a:xfrm>
-          <a:prstGeom prst="straightConnector1">
-            <a:avLst/>
-          </a:prstGeom>
-          <a:ln>
-            <a:tailEnd type="triangle"/>
-          </a:ln>
-        </p:spPr>
-        <p:style>
-          <a:lnRef idx="3">
-            <a:schemeClr val="dk1"/>
-          </a:lnRef>
-          <a:fillRef idx="0">
-            <a:schemeClr val="dk1"/>
-          </a:fillRef>
-          <a:effectRef idx="2">
-            <a:schemeClr val="dk1"/>
-          </a:effectRef>
-          <a:fontRef idx="minor">
-            <a:schemeClr val="tx1"/>
-          </a:fontRef>
-        </p:style>
-      </p:cxnSp>
-      <p:sp>
-        <p:nvSpPr>
-          <p:cNvPr id="66" name="Rectangle 65">
-            <a:extLst>
-              <a:ext uri="{FF2B5EF4-FFF2-40B4-BE49-F238E27FC236}">
-                <a16:creationId xmlns:a16="http://schemas.microsoft.com/office/drawing/2014/main" id="{C835C84B-C109-4B99-808C-D053CA52A6F0}"/>
-              </a:ext>
-            </a:extLst>
-          </p:cNvPr>
-          <p:cNvSpPr/>
-          <p:nvPr/>
-        </p:nvSpPr>
-        <p:spPr>
-          <a:xfrm>
-            <a:off x="274073" y="5343828"/>
-            <a:ext cx="1253612" cy="848032"/>
-          </a:xfrm>
-          <a:prstGeom prst="rect">
-            <a:avLst/>
-          </a:prstGeom>
-          <a:ln w="28575"/>
-        </p:spPr>
-        <p:style>
-          <a:lnRef idx="2">
-            <a:schemeClr val="accent1"/>
-          </a:lnRef>
-          <a:fillRef idx="1">
-            <a:schemeClr val="lt1"/>
-          </a:fillRef>
-          <a:effectRef idx="0">
-            <a:schemeClr val="accent1"/>
-          </a:effectRef>
-          <a:fontRef idx="minor">
-            <a:schemeClr val="dk1"/>
-          </a:fontRef>
-        </p:style>
-        <p:txBody>
-          <a:bodyPr rtlCol="0" anchor="ctr"/>
-          <a:lstStyle/>
-          <a:p>
-            <a:pPr algn="ctr"/>
-            <a:endParaRPr lang="en-US"/>
-          </a:p>
-        </p:txBody>
-      </p:sp>
-      <p:sp>
-        <p:nvSpPr>
-          <p:cNvPr id="67" name="TextBox 66">
-            <a:extLst>
-              <a:ext uri="{FF2B5EF4-FFF2-40B4-BE49-F238E27FC236}">
-                <a16:creationId xmlns:a16="http://schemas.microsoft.com/office/drawing/2014/main" id="{430A8FC9-CDEA-4AB9-881B-03806C0A61B4}"/>
-              </a:ext>
-            </a:extLst>
-          </p:cNvPr>
-          <p:cNvSpPr txBox="1"/>
-          <p:nvPr/>
-        </p:nvSpPr>
-        <p:spPr>
-          <a:xfrm>
-            <a:off x="295275" y="5586254"/>
-            <a:ext cx="1237636" cy="369332"/>
-          </a:xfrm>
-          <a:prstGeom prst="rect">
-            <a:avLst/>
-          </a:prstGeom>
-          <a:noFill/>
-        </p:spPr>
-        <p:txBody>
-          <a:bodyPr rot="0" spcFirstLastPara="0" vertOverflow="overflow" horzOverflow="overflow" vert="horz" wrap="square" lIns="91440" tIns="45720" rIns="91440" bIns="45720" numCol="1" spcCol="0" rtlCol="0" fromWordArt="0" anchor="t" anchorCtr="0" forceAA="0" compatLnSpc="1">
-            <a:prstTxWarp prst="textNoShape">
-              <a:avLst/>
-            </a:prstTxWarp>
-            <a:spAutoFit/>
-          </a:bodyPr>
-          <a:lstStyle/>
-          <a:p>
-            <a:r>
-              <a:rPr lang="en-US">
-                <a:cs typeface="Calibri"/>
-              </a:rPr>
-              <a:t>Kinematics</a:t>
-            </a:r>
-            <a:endParaRPr lang="en-US"/>
-          </a:p>
-        </p:txBody>
-      </p:sp>
-      <p:sp>
-        <p:nvSpPr>
-          <p:cNvPr id="68" name="Rectangle 67">
-            <a:extLst>
-              <a:ext uri="{FF2B5EF4-FFF2-40B4-BE49-F238E27FC236}">
-                <a16:creationId xmlns:a16="http://schemas.microsoft.com/office/drawing/2014/main" id="{54AD8527-E337-4704-9C42-7BCCBAC3DF48}"/>
-              </a:ext>
-            </a:extLst>
-          </p:cNvPr>
-          <p:cNvSpPr/>
-          <p:nvPr/>
-        </p:nvSpPr>
-        <p:spPr>
-          <a:xfrm>
-            <a:off x="1902540" y="5331537"/>
-            <a:ext cx="903338" cy="841887"/>
-          </a:xfrm>
-          <a:prstGeom prst="rect">
-            <a:avLst/>
-          </a:prstGeom>
-          <a:ln w="28575"/>
-        </p:spPr>
-        <p:style>
-          <a:lnRef idx="2">
-            <a:schemeClr val="accent1"/>
-          </a:lnRef>
-          <a:fillRef idx="1">
-            <a:schemeClr val="lt1"/>
-          </a:fillRef>
-          <a:effectRef idx="0">
-            <a:schemeClr val="accent1"/>
-          </a:effectRef>
-          <a:fontRef idx="minor">
-            <a:schemeClr val="dk1"/>
-          </a:fontRef>
-        </p:style>
-        <p:txBody>
-          <a:bodyPr rtlCol="0" anchor="ctr"/>
-          <a:lstStyle/>
-          <a:p>
-            <a:pPr algn="ctr"/>
-            <a:endParaRPr lang="en-US"/>
-          </a:p>
-        </p:txBody>
-      </p:sp>
-      <p:sp>
-        <p:nvSpPr>
-          <p:cNvPr id="69" name="TextBox 68">
-            <a:extLst>
-              <a:ext uri="{FF2B5EF4-FFF2-40B4-BE49-F238E27FC236}">
-                <a16:creationId xmlns:a16="http://schemas.microsoft.com/office/drawing/2014/main" id="{37F3F77F-CFBA-4C88-BD66-6B8C415654A3}"/>
-              </a:ext>
-            </a:extLst>
-          </p:cNvPr>
-          <p:cNvSpPr txBox="1"/>
-          <p:nvPr/>
-        </p:nvSpPr>
-        <p:spPr>
-          <a:xfrm>
-            <a:off x="2071225" y="5567817"/>
-            <a:ext cx="678426" cy="369332"/>
-          </a:xfrm>
-          <a:prstGeom prst="rect">
-            <a:avLst/>
-          </a:prstGeom>
-          <a:noFill/>
-        </p:spPr>
-        <p:txBody>
-          <a:bodyPr rot="0" spcFirstLastPara="0" vertOverflow="overflow" horzOverflow="overflow" vert="horz" wrap="square" lIns="91440" tIns="45720" rIns="91440" bIns="45720" numCol="1" spcCol="0" rtlCol="0" fromWordArt="0" anchor="t" anchorCtr="0" forceAA="0" compatLnSpc="1">
-            <a:prstTxWarp prst="textNoShape">
-              <a:avLst/>
-            </a:prstTxWarp>
-            <a:spAutoFit/>
-          </a:bodyPr>
-          <a:lstStyle/>
-          <a:p>
-            <a:r>
-              <a:rPr lang="en-US">
-                <a:cs typeface="Calibri"/>
-              </a:rPr>
-              <a:t>ANN</a:t>
-            </a:r>
-            <a:endParaRPr lang="en-US"/>
-          </a:p>
-        </p:txBody>
-      </p:sp>
-      <mc:AlternateContent xmlns:mc="http://schemas.openxmlformats.org/markup-compatibility/2006">
-        <mc:Choice xmlns:p14="http://schemas.microsoft.com/office/powerpoint/2010/main" Requires="p14">
-          <p:contentPart p14:bwMode="auto" r:id="rId2">
-            <p14:nvContentPartPr>
-              <p14:cNvPr id="70" name="Ink 69">
-                <a:extLst>
-                  <a:ext uri="{FF2B5EF4-FFF2-40B4-BE49-F238E27FC236}">
-                    <a16:creationId xmlns:a16="http://schemas.microsoft.com/office/drawing/2014/main" id="{69F43AD9-9BA5-43CD-8C7F-ADFA7917B968}"/>
-                  </a:ext>
-                </a:extLst>
-              </p14:cNvPr>
-              <p14:cNvContentPartPr/>
-              <p14:nvPr/>
-            </p14:nvContentPartPr>
-            <p14:xfrm>
-              <a:off x="2321899" y="5039079"/>
-              <a:ext cx="8439149" cy="1609725"/>
-            </p14:xfrm>
-          </p:contentPart>
-        </mc:Choice>
-        <mc:Fallback>
-          <p:pic>
-            <p:nvPicPr>
-              <p:cNvPr id="70" name="Ink 69">
-                <a:extLst>
-                  <a:ext uri="{FF2B5EF4-FFF2-40B4-BE49-F238E27FC236}">
-                    <a16:creationId xmlns:a16="http://schemas.microsoft.com/office/drawing/2014/main" id="{69F43AD9-9BA5-43CD-8C7F-ADFA7917B968}"/>
-                  </a:ext>
-                </a:extLst>
-              </p:cNvPr>
-              <p:cNvPicPr/>
-              <p:nvPr/>
-            </p:nvPicPr>
-            <p:blipFill>
-              <a:blip r:embed="rId3"/>
-              <a:stretch>
-                <a:fillRect/>
-              </a:stretch>
-            </p:blipFill>
-            <p:spPr>
-              <a:xfrm>
-                <a:off x="2303897" y="5021113"/>
-                <a:ext cx="8474794" cy="1645297"/>
-              </a:xfrm>
-              <a:prstGeom prst="rect">
-                <a:avLst/>
-              </a:prstGeom>
-            </p:spPr>
-          </p:pic>
-        </mc:Fallback>
-      </mc:AlternateContent>
-      <mc:AlternateContent xmlns:mc="http://schemas.openxmlformats.org/markup-compatibility/2006">
-        <mc:Choice xmlns:p14="http://schemas.microsoft.com/office/powerpoint/2010/main" Requires="p14">
-          <p:contentPart p14:bwMode="auto" r:id="rId4">
-            <p14:nvContentPartPr>
-              <p14:cNvPr id="71" name="Ink 70">
-                <a:extLst>
-                  <a:ext uri="{FF2B5EF4-FFF2-40B4-BE49-F238E27FC236}">
-                    <a16:creationId xmlns:a16="http://schemas.microsoft.com/office/drawing/2014/main" id="{49CE0959-564A-40A5-B2B6-B03D9CA6F4DF}"/>
-                  </a:ext>
-                </a:extLst>
-              </p14:cNvPr>
-              <p14:cNvContentPartPr/>
-              <p14:nvPr/>
-            </p14:nvContentPartPr>
-            <p14:xfrm>
-              <a:off x="2415672" y="6291012"/>
-              <a:ext cx="190500" cy="19050"/>
-            </p14:xfrm>
-          </p:contentPart>
-        </mc:Choice>
-        <mc:Fallback>
-          <p:pic>
-            <p:nvPicPr>
-              <p:cNvPr id="71" name="Ink 70">
-                <a:extLst>
-                  <a:ext uri="{FF2B5EF4-FFF2-40B4-BE49-F238E27FC236}">
-                    <a16:creationId xmlns:a16="http://schemas.microsoft.com/office/drawing/2014/main" id="{49CE0959-564A-40A5-B2B6-B03D9CA6F4DF}"/>
-                  </a:ext>
-                </a:extLst>
-              </p:cNvPr>
-              <p:cNvPicPr/>
-              <p:nvPr/>
-            </p:nvPicPr>
-            <p:blipFill>
-              <a:blip r:embed="rId5"/>
-              <a:stretch>
-                <a:fillRect/>
-              </a:stretch>
-            </p:blipFill>
-            <p:spPr>
-              <a:xfrm>
-                <a:off x="2397390" y="6273694"/>
-                <a:ext cx="226699" cy="53340"/>
-              </a:xfrm>
-              <a:prstGeom prst="rect">
-                <a:avLst/>
-              </a:prstGeom>
-            </p:spPr>
-          </p:pic>
-        </mc:Fallback>
-      </mc:AlternateContent>
-      <p:cxnSp>
-        <p:nvCxnSpPr>
-          <p:cNvPr id="72" name="Straight Arrow Connector 71">
-            <a:extLst>
-              <a:ext uri="{FF2B5EF4-FFF2-40B4-BE49-F238E27FC236}">
-                <a16:creationId xmlns:a16="http://schemas.microsoft.com/office/drawing/2014/main" id="{32A9D579-E558-4976-8A87-44D6209102BC}"/>
-              </a:ext>
-            </a:extLst>
-          </p:cNvPr>
-          <p:cNvCxnSpPr>
-            <a:cxnSpLocks/>
-          </p:cNvCxnSpPr>
-          <p:nvPr/>
-        </p:nvCxnSpPr>
-        <p:spPr>
-          <a:xfrm>
-            <a:off x="1530760" y="5721756"/>
-            <a:ext cx="324466" cy="17209"/>
-          </a:xfrm>
-          <a:prstGeom prst="straightConnector1">
-            <a:avLst/>
-          </a:prstGeom>
-          <a:ln>
-            <a:tailEnd type="triangle"/>
-          </a:ln>
-        </p:spPr>
-        <p:style>
-          <a:lnRef idx="3">
-            <a:schemeClr val="dk1"/>
-          </a:lnRef>
-          <a:fillRef idx="0">
-            <a:schemeClr val="dk1"/>
-          </a:fillRef>
-          <a:effectRef idx="2">
-            <a:schemeClr val="dk1"/>
-          </a:effectRef>
-          <a:fontRef idx="minor">
-            <a:schemeClr val="tx1"/>
-          </a:fontRef>
-        </p:style>
-      </p:cxnSp>
-      <p:cxnSp>
-        <p:nvCxnSpPr>
-          <p:cNvPr id="73" name="Straight Arrow Connector 72">
-            <a:extLst>
-              <a:ext uri="{FF2B5EF4-FFF2-40B4-BE49-F238E27FC236}">
-                <a16:creationId xmlns:a16="http://schemas.microsoft.com/office/drawing/2014/main" id="{9349196D-D6EA-4AD9-B8CE-216A1C3A6AE8}"/>
-              </a:ext>
-            </a:extLst>
-          </p:cNvPr>
-          <p:cNvCxnSpPr>
-            <a:cxnSpLocks/>
-          </p:cNvCxnSpPr>
-          <p:nvPr/>
-        </p:nvCxnSpPr>
-        <p:spPr>
-          <a:xfrm>
-            <a:off x="2821243" y="5777062"/>
-            <a:ext cx="324466" cy="17209"/>
-          </a:xfrm>
-          <a:prstGeom prst="straightConnector1">
-            <a:avLst/>
-          </a:prstGeom>
-          <a:ln>
-            <a:tailEnd type="triangle"/>
-          </a:ln>
-        </p:spPr>
-        <p:style>
-          <a:lnRef idx="3">
-            <a:schemeClr val="dk1"/>
-          </a:lnRef>
-          <a:fillRef idx="0">
-            <a:schemeClr val="dk1"/>
-          </a:fillRef>
-          <a:effectRef idx="2">
-            <a:schemeClr val="dk1"/>
-          </a:effectRef>
-          <a:fontRef idx="minor">
-            <a:schemeClr val="tx1"/>
-          </a:fontRef>
-        </p:style>
-      </p:cxnSp>
-    </p:spTree>
-    <p:extLst>
-      <p:ext uri="{BB962C8B-B14F-4D97-AF65-F5344CB8AC3E}">
-        <p14:creationId xmlns:p14="http://schemas.microsoft.com/office/powerpoint/2010/main" val="4134404061"/>
-      </p:ext>
-    </p:extLst>
-  </p:cSld>
-  <p:clrMapOvr>
-    <a:masterClrMapping/>
-  </p:clrMapOvr>
-</p:sld>
-</file>
-
-<file path=ppt/slides/slide4.xml><?xml version="1.0" encoding="utf-8"?>
-<p:sld xmlns:a="http://schemas.openxmlformats.org/drawingml/2006/main" xmlns:r="http://schemas.openxmlformats.org/officeDocument/2006/relationships" xmlns:p="http://schemas.openxmlformats.org/presentationml/2006/main">
-  <p:cSld>
-    <p:spTree>
-      <p:nvGrpSpPr>
-        <p:cNvPr id="1" name=""/>
-        <p:cNvGrpSpPr/>
-        <p:nvPr/>
-      </p:nvGrpSpPr>
-      <p:grpSpPr>
-        <a:xfrm>
-          <a:off x="0" y="0"/>
-          <a:ext cx="0" cy="0"/>
-          <a:chOff x="0" y="0"/>
-          <a:chExt cx="0" cy="0"/>
-        </a:xfrm>
-      </p:grpSpPr>
-      <p:sp>
-        <p:nvSpPr>
-          <p:cNvPr id="2" name="Title 1">
-            <a:extLst>
-              <a:ext uri="{FF2B5EF4-FFF2-40B4-BE49-F238E27FC236}">
-                <a16:creationId xmlns:a16="http://schemas.microsoft.com/office/drawing/2014/main" id="{4374F731-95A1-40D9-9810-BEB23492F98E}"/>
-              </a:ext>
-            </a:extLst>
-          </p:cNvPr>
-          <p:cNvSpPr>
-            <a:spLocks noGrp="1"/>
-          </p:cNvSpPr>
-          <p:nvPr>
-            <p:ph type="title"/>
-          </p:nvPr>
-        </p:nvSpPr>
-        <p:spPr/>
-        <p:txBody>
-          <a:bodyPr/>
-          <a:lstStyle/>
-          <a:p>
-            <a:r>
-              <a:rPr lang="en-US">
-                <a:cs typeface="Calibri Light"/>
-              </a:rPr>
-              <a:t>Method 3: Prof. Keller's Method</a:t>
-            </a:r>
-            <a:endParaRPr lang="en-US"/>
-          </a:p>
-        </p:txBody>
-      </p:sp>
-      <p:sp>
-        <p:nvSpPr>
-          <p:cNvPr id="3" name="Content Placeholder 2">
-            <a:extLst>
-              <a:ext uri="{FF2B5EF4-FFF2-40B4-BE49-F238E27FC236}">
-                <a16:creationId xmlns:a16="http://schemas.microsoft.com/office/drawing/2014/main" id="{ACF21BEC-8FF7-42E9-AC47-4E7C1DF32221}"/>
-              </a:ext>
-            </a:extLst>
-          </p:cNvPr>
-          <p:cNvSpPr>
-            <a:spLocks noGrp="1"/>
-          </p:cNvSpPr>
-          <p:nvPr>
-            <p:ph idx="1"/>
-          </p:nvPr>
-        </p:nvSpPr>
-        <p:spPr>
-          <a:xfrm>
-            <a:off x="776748" y="1407754"/>
-            <a:ext cx="10515600" cy="4351338"/>
-          </a:xfrm>
-        </p:spPr>
-        <p:txBody>
-          <a:bodyPr vert="horz" lIns="91440" tIns="45720" rIns="91440" bIns="45720" rtlCol="0" anchor="t">
-            <a:normAutofit/>
-          </a:bodyPr>
-          <a:lstStyle/>
-          <a:p>
-            <a:r>
-              <a:rPr lang="en-US">
-                <a:cs typeface="Calibri"/>
-              </a:rPr>
-              <a:t>A novel local fitting method.  The steps of the process can be found in the powerpoint titled "NewMethod."  An implementation can be found in the notebook "Method3.ipynb"</a:t>
-            </a:r>
-            <a:endParaRPr lang="en-US"/>
-          </a:p>
-        </p:txBody>
-      </p:sp>
-      <p:sp>
-        <p:nvSpPr>
-          <p:cNvPr id="13" name="Rectangle 12">
-            <a:extLst>
-              <a:ext uri="{FF2B5EF4-FFF2-40B4-BE49-F238E27FC236}">
-                <a16:creationId xmlns:a16="http://schemas.microsoft.com/office/drawing/2014/main" id="{7630BFB9-D053-4BD0-9988-5057FB43C435}"/>
-              </a:ext>
-            </a:extLst>
-          </p:cNvPr>
-          <p:cNvSpPr/>
-          <p:nvPr/>
-        </p:nvSpPr>
-        <p:spPr>
-          <a:xfrm>
-            <a:off x="3119284" y="2928782"/>
-            <a:ext cx="2113934" cy="737420"/>
-          </a:xfrm>
-          <a:prstGeom prst="rect">
-            <a:avLst/>
-          </a:prstGeom>
-          <a:ln w="28575"/>
-        </p:spPr>
-        <p:style>
-          <a:lnRef idx="2">
-            <a:schemeClr val="accent1"/>
-          </a:lnRef>
-          <a:fillRef idx="1">
-            <a:schemeClr val="lt1"/>
-          </a:fillRef>
-          <a:effectRef idx="0">
-            <a:schemeClr val="accent1"/>
-          </a:effectRef>
-          <a:fontRef idx="minor">
-            <a:schemeClr val="dk1"/>
-          </a:fontRef>
-        </p:style>
-        <p:txBody>
-          <a:bodyPr rtlCol="0" anchor="ctr"/>
-          <a:lstStyle/>
-          <a:p>
-            <a:pPr algn="ctr"/>
-            <a:endParaRPr lang="en-US"/>
-          </a:p>
-        </p:txBody>
-      </p:sp>
-      <p:sp>
-        <p:nvSpPr>
-          <p:cNvPr id="15" name="TextBox 14">
-            <a:extLst>
-              <a:ext uri="{FF2B5EF4-FFF2-40B4-BE49-F238E27FC236}">
-                <a16:creationId xmlns:a16="http://schemas.microsoft.com/office/drawing/2014/main" id="{8FFDB360-103D-495B-9292-4B5D9F2AD07D}"/>
-              </a:ext>
-            </a:extLst>
-          </p:cNvPr>
-          <p:cNvSpPr txBox="1"/>
-          <p:nvPr/>
-        </p:nvSpPr>
-        <p:spPr>
-          <a:xfrm>
-            <a:off x="3244953" y="2931548"/>
-            <a:ext cx="1827572" cy="646331"/>
-          </a:xfrm>
-          <a:prstGeom prst="rect">
-            <a:avLst/>
-          </a:prstGeom>
-          <a:noFill/>
-        </p:spPr>
-        <p:txBody>
-          <a:bodyPr rot="0" spcFirstLastPara="0" vertOverflow="overflow" horzOverflow="overflow" vert="horz" wrap="square" lIns="91440" tIns="45720" rIns="91440" bIns="45720" numCol="1" spcCol="0" rtlCol="0" fromWordArt="0" anchor="t" anchorCtr="0" forceAA="0" compatLnSpc="1">
-            <a:prstTxWarp prst="textNoShape">
-              <a:avLst/>
-            </a:prstTxWarp>
-            <a:spAutoFit/>
-          </a:bodyPr>
-          <a:lstStyle/>
-          <a:p>
-            <a:r>
-              <a:rPr lang="en-US">
-                <a:cs typeface="Calibri"/>
-              </a:rPr>
-              <a:t>Method 1 (or 2) repeated n times</a:t>
-            </a:r>
-          </a:p>
-        </p:txBody>
-      </p:sp>
-      <p:sp>
-        <p:nvSpPr>
-          <p:cNvPr id="21" name="Rectangle 20">
-            <a:extLst>
-              <a:ext uri="{FF2B5EF4-FFF2-40B4-BE49-F238E27FC236}">
-                <a16:creationId xmlns:a16="http://schemas.microsoft.com/office/drawing/2014/main" id="{70A1E116-400F-488C-B390-DA7E3BBF2FB7}"/>
-              </a:ext>
-            </a:extLst>
-          </p:cNvPr>
-          <p:cNvSpPr/>
-          <p:nvPr/>
-        </p:nvSpPr>
-        <p:spPr>
-          <a:xfrm>
-            <a:off x="188042" y="2750571"/>
-            <a:ext cx="2132369" cy="1075403"/>
-          </a:xfrm>
-          <a:prstGeom prst="rect">
-            <a:avLst/>
-          </a:prstGeom>
-          <a:ln w="28575"/>
-        </p:spPr>
-        <p:style>
-          <a:lnRef idx="2">
-            <a:schemeClr val="accent1"/>
-          </a:lnRef>
-          <a:fillRef idx="1">
-            <a:schemeClr val="lt1"/>
-          </a:fillRef>
-          <a:effectRef idx="0">
-            <a:schemeClr val="accent1"/>
-          </a:effectRef>
-          <a:fontRef idx="minor">
-            <a:schemeClr val="dk1"/>
-          </a:fontRef>
-        </p:style>
-        <p:txBody>
-          <a:bodyPr rtlCol="0" anchor="ctr"/>
-          <a:lstStyle/>
-          <a:p>
-            <a:pPr algn="ctr"/>
-            <a:endParaRPr lang="en-US"/>
-          </a:p>
-        </p:txBody>
-      </p:sp>
-      <p:sp>
-        <p:nvSpPr>
-          <p:cNvPr id="23" name="TextBox 22">
-            <a:extLst>
-              <a:ext uri="{FF2B5EF4-FFF2-40B4-BE49-F238E27FC236}">
-                <a16:creationId xmlns:a16="http://schemas.microsoft.com/office/drawing/2014/main" id="{B1233561-8595-4AED-995A-669AA6DC728B}"/>
-              </a:ext>
-            </a:extLst>
-          </p:cNvPr>
-          <p:cNvSpPr txBox="1"/>
-          <p:nvPr/>
-        </p:nvSpPr>
-        <p:spPr>
-          <a:xfrm>
-            <a:off x="270695" y="2814788"/>
-            <a:ext cx="1975054" cy="954107"/>
-          </a:xfrm>
-          <a:prstGeom prst="rect">
-            <a:avLst/>
-          </a:prstGeom>
-          <a:noFill/>
-        </p:spPr>
-        <p:txBody>
-          <a:bodyPr rot="0" spcFirstLastPara="0" vertOverflow="overflow" horzOverflow="overflow" vert="horz" wrap="square" lIns="91440" tIns="45720" rIns="91440" bIns="45720" numCol="1" spcCol="0" rtlCol="0" fromWordArt="0" anchor="t" anchorCtr="0" forceAA="0" compatLnSpc="1">
-            <a:prstTxWarp prst="textNoShape">
-              <a:avLst/>
-            </a:prstTxWarp>
-            <a:spAutoFit/>
-          </a:bodyPr>
-          <a:lstStyle/>
-          <a:p>
-            <a:r>
-              <a:rPr lang="en-US" sz="1400">
-                <a:cs typeface="Calibri"/>
-              </a:rPr>
-              <a:t>F values (randomly generated using F as mean and errF as std for n sets)</a:t>
-            </a:r>
-            <a:endParaRPr lang="en-US" sz="1400"/>
-          </a:p>
-        </p:txBody>
-      </p:sp>
-      <p:cxnSp>
-        <p:nvCxnSpPr>
-          <p:cNvPr id="25" name="Straight Arrow Connector 24">
-            <a:extLst>
-              <a:ext uri="{FF2B5EF4-FFF2-40B4-BE49-F238E27FC236}">
-                <a16:creationId xmlns:a16="http://schemas.microsoft.com/office/drawing/2014/main" id="{E269CBEF-EEDE-4A84-91FE-D0A9D2401671}"/>
-              </a:ext>
-            </a:extLst>
-          </p:cNvPr>
-          <p:cNvCxnSpPr/>
-          <p:nvPr/>
-        </p:nvCxnSpPr>
-        <p:spPr>
-          <a:xfrm flipV="1">
-            <a:off x="2421808" y="3244031"/>
-            <a:ext cx="637869" cy="7372"/>
-          </a:xfrm>
-          <a:prstGeom prst="straightConnector1">
-            <a:avLst/>
-          </a:prstGeom>
-          <a:ln>
-            <a:tailEnd type="triangle"/>
-          </a:ln>
-        </p:spPr>
-        <p:style>
-          <a:lnRef idx="3">
-            <a:schemeClr val="dk1"/>
-          </a:lnRef>
-          <a:fillRef idx="0">
-            <a:schemeClr val="dk1"/>
-          </a:fillRef>
-          <a:effectRef idx="2">
-            <a:schemeClr val="dk1"/>
-          </a:effectRef>
-          <a:fontRef idx="minor">
-            <a:schemeClr val="tx1"/>
-          </a:fontRef>
-        </p:style>
-      </p:cxnSp>
-      <p:cxnSp>
-        <p:nvCxnSpPr>
-          <p:cNvPr id="29" name="Straight Arrow Connector 28">
-            <a:extLst>
-              <a:ext uri="{FF2B5EF4-FFF2-40B4-BE49-F238E27FC236}">
-                <a16:creationId xmlns:a16="http://schemas.microsoft.com/office/drawing/2014/main" id="{F69C3A2E-3DC3-41C7-89FB-9BBCB88268C6}"/>
-              </a:ext>
-            </a:extLst>
-          </p:cNvPr>
-          <p:cNvCxnSpPr>
-            <a:cxnSpLocks/>
-          </p:cNvCxnSpPr>
-          <p:nvPr/>
-        </p:nvCxnSpPr>
-        <p:spPr>
-          <a:xfrm flipV="1">
-            <a:off x="8155244" y="4319432"/>
-            <a:ext cx="680884" cy="591163"/>
-          </a:xfrm>
-          <a:prstGeom prst="straightConnector1">
-            <a:avLst/>
-          </a:prstGeom>
-          <a:ln>
-            <a:tailEnd type="triangle"/>
-          </a:ln>
-        </p:spPr>
-        <p:style>
-          <a:lnRef idx="3">
-            <a:schemeClr val="dk1"/>
-          </a:lnRef>
-          <a:fillRef idx="0">
-            <a:schemeClr val="dk1"/>
-          </a:fillRef>
-          <a:effectRef idx="2">
-            <a:schemeClr val="dk1"/>
-          </a:effectRef>
-          <a:fontRef idx="minor">
-            <a:schemeClr val="tx1"/>
-          </a:fontRef>
-        </p:style>
-      </p:cxnSp>
-      <p:cxnSp>
-        <p:nvCxnSpPr>
-          <p:cNvPr id="31" name="Straight Arrow Connector 30">
-            <a:extLst>
-              <a:ext uri="{FF2B5EF4-FFF2-40B4-BE49-F238E27FC236}">
-                <a16:creationId xmlns:a16="http://schemas.microsoft.com/office/drawing/2014/main" id="{9FAE17B6-471F-48F1-B060-E317080AF0C8}"/>
-              </a:ext>
-            </a:extLst>
-          </p:cNvPr>
-          <p:cNvCxnSpPr>
-            <a:cxnSpLocks/>
-          </p:cNvCxnSpPr>
-          <p:nvPr/>
-        </p:nvCxnSpPr>
-        <p:spPr>
-          <a:xfrm flipV="1">
-            <a:off x="5365341" y="3323915"/>
-            <a:ext cx="644012" cy="7372"/>
-          </a:xfrm>
-          <a:prstGeom prst="straightConnector1">
-            <a:avLst/>
-          </a:prstGeom>
-          <a:ln>
-            <a:tailEnd type="triangle"/>
-          </a:ln>
-        </p:spPr>
-        <p:style>
-          <a:lnRef idx="3">
-            <a:schemeClr val="dk1"/>
-          </a:lnRef>
-          <a:fillRef idx="0">
-            <a:schemeClr val="dk1"/>
-          </a:fillRef>
-          <a:effectRef idx="2">
-            <a:schemeClr val="dk1"/>
-          </a:effectRef>
-          <a:fontRef idx="minor">
-            <a:schemeClr val="tx1"/>
-          </a:fontRef>
-        </p:style>
-      </p:cxnSp>
-      <p:sp>
-        <p:nvSpPr>
-          <p:cNvPr id="33" name="Rectangle 32">
-            <a:extLst>
-              <a:ext uri="{FF2B5EF4-FFF2-40B4-BE49-F238E27FC236}">
-                <a16:creationId xmlns:a16="http://schemas.microsoft.com/office/drawing/2014/main" id="{B4E6C1BB-DA8A-40E6-BEFD-260BE0B0E17D}"/>
-              </a:ext>
-            </a:extLst>
-          </p:cNvPr>
-          <p:cNvSpPr/>
-          <p:nvPr/>
-        </p:nvSpPr>
-        <p:spPr>
-          <a:xfrm>
-            <a:off x="6124267" y="4299152"/>
-            <a:ext cx="1991030" cy="921772"/>
-          </a:xfrm>
-          <a:prstGeom prst="rect">
-            <a:avLst/>
-          </a:prstGeom>
-          <a:ln w="28575"/>
-        </p:spPr>
-        <p:style>
-          <a:lnRef idx="2">
-            <a:schemeClr val="accent1"/>
-          </a:lnRef>
-          <a:fillRef idx="1">
-            <a:schemeClr val="lt1"/>
-          </a:fillRef>
-          <a:effectRef idx="0">
-            <a:schemeClr val="accent1"/>
-          </a:effectRef>
-          <a:fontRef idx="minor">
-            <a:schemeClr val="dk1"/>
-          </a:fontRef>
-        </p:style>
-        <p:txBody>
-          <a:bodyPr rtlCol="0" anchor="ctr"/>
-          <a:lstStyle/>
-          <a:p>
-            <a:pPr algn="ctr"/>
-            <a:endParaRPr lang="en-US"/>
-          </a:p>
-        </p:txBody>
-      </p:sp>
-      <p:sp>
-        <p:nvSpPr>
-          <p:cNvPr id="35" name="TextBox 34">
-            <a:extLst>
-              <a:ext uri="{FF2B5EF4-FFF2-40B4-BE49-F238E27FC236}">
-                <a16:creationId xmlns:a16="http://schemas.microsoft.com/office/drawing/2014/main" id="{E65DDF29-ED11-4AFB-8700-7EEA943A44E7}"/>
-              </a:ext>
-            </a:extLst>
-          </p:cNvPr>
-          <p:cNvSpPr txBox="1"/>
-          <p:nvPr/>
-        </p:nvSpPr>
-        <p:spPr>
-          <a:xfrm>
-            <a:off x="6219211" y="4363369"/>
-            <a:ext cx="1802990" cy="849432"/>
-          </a:xfrm>
-          <a:prstGeom prst="rect">
-            <a:avLst/>
-          </a:prstGeom>
-          <a:noFill/>
-        </p:spPr>
-        <p:txBody>
-          <a:bodyPr rot="0" spcFirstLastPara="0" vertOverflow="overflow" horzOverflow="overflow" vert="horz" wrap="square" lIns="91440" tIns="45720" rIns="91440" bIns="45720" numCol="1" spcCol="0" rtlCol="0" fromWordArt="0" anchor="t" anchorCtr="0" forceAA="0" compatLnSpc="1">
-            <a:prstTxWarp prst="textNoShape">
-              <a:avLst/>
-            </a:prstTxWarp>
-            <a:spAutoFit/>
-          </a:bodyPr>
-          <a:lstStyle/>
-          <a:p>
-            <a:r>
-              <a:rPr lang="en-US" sz="1600">
-                <a:cs typeface="Calibri"/>
-              </a:rPr>
-              <a:t>Kinematics varied slightly within step size</a:t>
-            </a:r>
-            <a:endParaRPr lang="en-US" sz="1600"/>
-          </a:p>
-        </p:txBody>
-      </p:sp>
-      <p:sp>
-        <p:nvSpPr>
-          <p:cNvPr id="37" name="Rectangle 36">
-            <a:extLst>
-              <a:ext uri="{FF2B5EF4-FFF2-40B4-BE49-F238E27FC236}">
-                <a16:creationId xmlns:a16="http://schemas.microsoft.com/office/drawing/2014/main" id="{AC4EFF59-5B56-4297-85B5-38EDDBB07623}"/>
-              </a:ext>
-            </a:extLst>
-          </p:cNvPr>
-          <p:cNvSpPr/>
-          <p:nvPr/>
-        </p:nvSpPr>
-        <p:spPr>
-          <a:xfrm>
-            <a:off x="9178410" y="5110312"/>
-            <a:ext cx="903338" cy="841887"/>
-          </a:xfrm>
-          <a:prstGeom prst="rect">
-            <a:avLst/>
-          </a:prstGeom>
-          <a:ln w="28575"/>
-        </p:spPr>
-        <p:style>
-          <a:lnRef idx="2">
-            <a:schemeClr val="accent1"/>
-          </a:lnRef>
-          <a:fillRef idx="1">
-            <a:schemeClr val="lt1"/>
-          </a:fillRef>
-          <a:effectRef idx="0">
-            <a:schemeClr val="accent1"/>
-          </a:effectRef>
-          <a:fontRef idx="minor">
-            <a:schemeClr val="dk1"/>
-          </a:fontRef>
-        </p:style>
-        <p:txBody>
-          <a:bodyPr rtlCol="0" anchor="ctr"/>
-          <a:lstStyle/>
-          <a:p>
-            <a:pPr algn="ctr"/>
-            <a:endParaRPr lang="en-US"/>
-          </a:p>
-        </p:txBody>
-      </p:sp>
-      <p:sp>
-        <p:nvSpPr>
-          <p:cNvPr id="39" name="TextBox 38">
-            <a:extLst>
-              <a:ext uri="{FF2B5EF4-FFF2-40B4-BE49-F238E27FC236}">
-                <a16:creationId xmlns:a16="http://schemas.microsoft.com/office/drawing/2014/main" id="{61A051B2-69F7-4651-9301-871F5E76FC37}"/>
-              </a:ext>
-            </a:extLst>
-          </p:cNvPr>
-          <p:cNvSpPr txBox="1"/>
-          <p:nvPr/>
-        </p:nvSpPr>
-        <p:spPr>
-          <a:xfrm>
-            <a:off x="9334805" y="5309721"/>
-            <a:ext cx="678426" cy="369332"/>
-          </a:xfrm>
-          <a:prstGeom prst="rect">
-            <a:avLst/>
-          </a:prstGeom>
-          <a:noFill/>
-        </p:spPr>
-        <p:txBody>
-          <a:bodyPr rot="0" spcFirstLastPara="0" vertOverflow="overflow" horzOverflow="overflow" vert="horz" wrap="square" lIns="91440" tIns="45720" rIns="91440" bIns="45720" numCol="1" spcCol="0" rtlCol="0" fromWordArt="0" anchor="t" anchorCtr="0" forceAA="0" compatLnSpc="1">
-            <a:prstTxWarp prst="textNoShape">
-              <a:avLst/>
-            </a:prstTxWarp>
-            <a:spAutoFit/>
-          </a:bodyPr>
-          <a:lstStyle/>
-          <a:p>
-            <a:r>
-              <a:rPr lang="en-US">
-                <a:cs typeface="Calibri"/>
-              </a:rPr>
-              <a:t>ANN</a:t>
-            </a:r>
-            <a:endParaRPr lang="en-US"/>
-          </a:p>
-        </p:txBody>
-      </p:sp>
-      <p:cxnSp>
-        <p:nvCxnSpPr>
-          <p:cNvPr id="45" name="Straight Arrow Connector 44">
-            <a:extLst>
-              <a:ext uri="{FF2B5EF4-FFF2-40B4-BE49-F238E27FC236}">
-                <a16:creationId xmlns:a16="http://schemas.microsoft.com/office/drawing/2014/main" id="{E01AC44E-55C5-474D-A3E4-EB8F34EA203D}"/>
-              </a:ext>
-            </a:extLst>
-          </p:cNvPr>
-          <p:cNvCxnSpPr>
-            <a:cxnSpLocks/>
-          </p:cNvCxnSpPr>
-          <p:nvPr/>
-        </p:nvCxnSpPr>
-        <p:spPr>
-          <a:xfrm>
-            <a:off x="10293760" y="4062563"/>
-            <a:ext cx="324466" cy="17209"/>
-          </a:xfrm>
-          <a:prstGeom prst="straightConnector1">
-            <a:avLst/>
-          </a:prstGeom>
-          <a:ln>
-            <a:tailEnd type="triangle"/>
-          </a:ln>
-        </p:spPr>
-        <p:style>
-          <a:lnRef idx="3">
-            <a:schemeClr val="dk1"/>
-          </a:lnRef>
-          <a:fillRef idx="0">
-            <a:schemeClr val="dk1"/>
-          </a:fillRef>
-          <a:effectRef idx="2">
-            <a:schemeClr val="dk1"/>
-          </a:effectRef>
-          <a:fontRef idx="minor">
-            <a:schemeClr val="tx1"/>
-          </a:fontRef>
-        </p:style>
-      </p:cxnSp>
-      <p:sp>
-        <p:nvSpPr>
-          <p:cNvPr id="48" name="Rectangle 47">
-            <a:extLst>
-              <a:ext uri="{FF2B5EF4-FFF2-40B4-BE49-F238E27FC236}">
-                <a16:creationId xmlns:a16="http://schemas.microsoft.com/office/drawing/2014/main" id="{39EBE75A-5CC2-4CF7-BD4E-B4F1016E963B}"/>
-              </a:ext>
-            </a:extLst>
-          </p:cNvPr>
-          <p:cNvSpPr/>
-          <p:nvPr/>
-        </p:nvSpPr>
-        <p:spPr>
-          <a:xfrm>
-            <a:off x="6124266" y="2922636"/>
-            <a:ext cx="1984886" cy="1272049"/>
-          </a:xfrm>
-          <a:prstGeom prst="rect">
-            <a:avLst/>
-          </a:prstGeom>
-          <a:ln w="28575"/>
-        </p:spPr>
-        <p:style>
-          <a:lnRef idx="2">
-            <a:schemeClr val="accent1"/>
-          </a:lnRef>
-          <a:fillRef idx="1">
-            <a:schemeClr val="lt1"/>
-          </a:fillRef>
-          <a:effectRef idx="0">
-            <a:schemeClr val="accent1"/>
-          </a:effectRef>
-          <a:fontRef idx="minor">
-            <a:schemeClr val="dk1"/>
-          </a:fontRef>
-        </p:style>
-        <p:txBody>
-          <a:bodyPr rtlCol="0" anchor="ctr"/>
-          <a:lstStyle/>
-          <a:p>
-            <a:pPr algn="ctr"/>
-            <a:endParaRPr lang="en-US"/>
-          </a:p>
-        </p:txBody>
-      </p:sp>
-      <p:sp>
-        <p:nvSpPr>
-          <p:cNvPr id="49" name="TextBox 48">
-            <a:extLst>
-              <a:ext uri="{FF2B5EF4-FFF2-40B4-BE49-F238E27FC236}">
-                <a16:creationId xmlns:a16="http://schemas.microsoft.com/office/drawing/2014/main" id="{83D7A800-CE44-41C5-963D-2B2F672EA2D0}"/>
-              </a:ext>
-            </a:extLst>
-          </p:cNvPr>
-          <p:cNvSpPr txBox="1"/>
-          <p:nvPr/>
-        </p:nvSpPr>
-        <p:spPr>
-          <a:xfrm>
-            <a:off x="6127032" y="3005290"/>
-            <a:ext cx="1993491" cy="1200329"/>
-          </a:xfrm>
-          <a:prstGeom prst="rect">
-            <a:avLst/>
-          </a:prstGeom>
-          <a:noFill/>
-        </p:spPr>
-        <p:txBody>
-          <a:bodyPr rot="0" spcFirstLastPara="0" vertOverflow="overflow" horzOverflow="overflow" vert="horz" wrap="square" lIns="91440" tIns="45720" rIns="91440" bIns="45720" numCol="1" spcCol="0" rtlCol="0" fromWordArt="0" anchor="t" anchorCtr="0" forceAA="0" compatLnSpc="1">
-            <a:prstTxWarp prst="textNoShape">
-              <a:avLst/>
-            </a:prstTxWarp>
-            <a:spAutoFit/>
-          </a:bodyPr>
-          <a:lstStyle/>
-          <a:p>
-            <a:r>
-              <a:rPr lang="en-US">
-                <a:cs typeface="Calibri"/>
-              </a:rPr>
-              <a:t>Randomly generated CFFs using mean and std from previous step</a:t>
-            </a:r>
-          </a:p>
-        </p:txBody>
-      </p:sp>
-      <p:sp>
-        <p:nvSpPr>
-          <p:cNvPr id="51" name="Rectangle 50">
-            <a:extLst>
-              <a:ext uri="{FF2B5EF4-FFF2-40B4-BE49-F238E27FC236}">
-                <a16:creationId xmlns:a16="http://schemas.microsoft.com/office/drawing/2014/main" id="{EEF02C0F-06D0-4E45-B562-0E9D8DA43026}"/>
-              </a:ext>
-            </a:extLst>
-          </p:cNvPr>
-          <p:cNvSpPr/>
-          <p:nvPr/>
-        </p:nvSpPr>
-        <p:spPr>
-          <a:xfrm>
-            <a:off x="8957186" y="3660058"/>
-            <a:ext cx="1284338" cy="823451"/>
-          </a:xfrm>
-          <a:prstGeom prst="rect">
-            <a:avLst/>
-          </a:prstGeom>
-          <a:ln w="28575"/>
-        </p:spPr>
-        <p:style>
-          <a:lnRef idx="2">
-            <a:schemeClr val="accent1"/>
-          </a:lnRef>
-          <a:fillRef idx="1">
-            <a:schemeClr val="lt1"/>
-          </a:fillRef>
-          <a:effectRef idx="0">
-            <a:schemeClr val="accent1"/>
-          </a:effectRef>
-          <a:fontRef idx="minor">
-            <a:schemeClr val="dk1"/>
-          </a:fontRef>
-        </p:style>
-        <p:txBody>
-          <a:bodyPr rtlCol="0" anchor="ctr"/>
-          <a:lstStyle/>
-          <a:p>
-            <a:pPr algn="ctr"/>
-            <a:endParaRPr lang="en-US"/>
-          </a:p>
-        </p:txBody>
-      </p:sp>
-      <p:sp>
-        <p:nvSpPr>
-          <p:cNvPr id="53" name="TextBox 52">
-            <a:extLst>
-              <a:ext uri="{FF2B5EF4-FFF2-40B4-BE49-F238E27FC236}">
-                <a16:creationId xmlns:a16="http://schemas.microsoft.com/office/drawing/2014/main" id="{38BC8154-0EBB-4C46-87D7-334E43928E98}"/>
-              </a:ext>
-            </a:extLst>
-          </p:cNvPr>
-          <p:cNvSpPr txBox="1"/>
-          <p:nvPr/>
-        </p:nvSpPr>
-        <p:spPr>
-          <a:xfrm>
-            <a:off x="9076710" y="3724275"/>
-            <a:ext cx="1182330" cy="664299"/>
-          </a:xfrm>
-          <a:prstGeom prst="rect">
-            <a:avLst/>
-          </a:prstGeom>
-          <a:noFill/>
-        </p:spPr>
-        <p:txBody>
-          <a:bodyPr rot="0" spcFirstLastPara="0" vertOverflow="overflow" horzOverflow="overflow" vert="horz" wrap="square" lIns="91440" tIns="45720" rIns="91440" bIns="45720" numCol="1" spcCol="0" rtlCol="0" fromWordArt="0" anchor="t" anchorCtr="0" forceAA="0" compatLnSpc="1">
-            <a:prstTxWarp prst="textNoShape">
-              <a:avLst/>
-            </a:prstTxWarp>
-            <a:spAutoFit/>
-          </a:bodyPr>
-          <a:lstStyle/>
-          <a:p>
-            <a:r>
-              <a:rPr lang="en-US">
-                <a:cs typeface="Calibri"/>
-              </a:rPr>
-              <a:t>TotalUUXS function</a:t>
-            </a:r>
-          </a:p>
-        </p:txBody>
-      </p:sp>
-      <p:cxnSp>
-        <p:nvCxnSpPr>
-          <p:cNvPr id="54" name="Straight Arrow Connector 53">
-            <a:extLst>
-              <a:ext uri="{FF2B5EF4-FFF2-40B4-BE49-F238E27FC236}">
-                <a16:creationId xmlns:a16="http://schemas.microsoft.com/office/drawing/2014/main" id="{9E4EAA7E-06FB-42FB-A657-0B2185DA01B8}"/>
-              </a:ext>
-            </a:extLst>
-          </p:cNvPr>
-          <p:cNvCxnSpPr>
-            <a:cxnSpLocks/>
-          </p:cNvCxnSpPr>
-          <p:nvPr/>
-        </p:nvCxnSpPr>
-        <p:spPr>
-          <a:xfrm>
-            <a:off x="8136808" y="3497205"/>
-            <a:ext cx="699318" cy="435080"/>
-          </a:xfrm>
-          <a:prstGeom prst="straightConnector1">
-            <a:avLst/>
-          </a:prstGeom>
-          <a:ln>
-            <a:tailEnd type="triangle"/>
-          </a:ln>
-        </p:spPr>
-        <p:style>
-          <a:lnRef idx="3">
-            <a:schemeClr val="dk1"/>
-          </a:lnRef>
-          <a:fillRef idx="0">
-            <a:schemeClr val="dk1"/>
-          </a:fillRef>
-          <a:effectRef idx="2">
-            <a:schemeClr val="dk1"/>
-          </a:effectRef>
-          <a:fontRef idx="minor">
-            <a:schemeClr val="tx1"/>
-          </a:fontRef>
-        </p:style>
-      </p:cxnSp>
-      <p:sp>
-        <p:nvSpPr>
-          <p:cNvPr id="56" name="Rectangle 55">
-            <a:extLst>
-              <a:ext uri="{FF2B5EF4-FFF2-40B4-BE49-F238E27FC236}">
-                <a16:creationId xmlns:a16="http://schemas.microsoft.com/office/drawing/2014/main" id="{9DC2B732-3189-437E-9DFC-A83C0E108611}"/>
-              </a:ext>
-            </a:extLst>
-          </p:cNvPr>
-          <p:cNvSpPr/>
-          <p:nvPr/>
-        </p:nvSpPr>
-        <p:spPr>
-          <a:xfrm>
-            <a:off x="10622524" y="3672345"/>
-            <a:ext cx="989370" cy="731275"/>
-          </a:xfrm>
-          <a:prstGeom prst="rect">
-            <a:avLst/>
-          </a:prstGeom>
-          <a:ln w="28575"/>
-        </p:spPr>
-        <p:style>
-          <a:lnRef idx="2">
-            <a:schemeClr val="accent1"/>
-          </a:lnRef>
-          <a:fillRef idx="1">
-            <a:schemeClr val="lt1"/>
-          </a:fillRef>
-          <a:effectRef idx="0">
-            <a:schemeClr val="accent1"/>
-          </a:effectRef>
-          <a:fontRef idx="minor">
-            <a:schemeClr val="dk1"/>
-          </a:fontRef>
-        </p:style>
-        <p:txBody>
-          <a:bodyPr rtlCol="0" anchor="ctr"/>
-          <a:lstStyle/>
-          <a:p>
-            <a:pPr algn="ctr"/>
-            <a:endParaRPr lang="en-US"/>
-          </a:p>
-        </p:txBody>
-      </p:sp>
-      <p:sp>
-        <p:nvSpPr>
-          <p:cNvPr id="58" name="TextBox 57">
-            <a:extLst>
-              <a:ext uri="{FF2B5EF4-FFF2-40B4-BE49-F238E27FC236}">
-                <a16:creationId xmlns:a16="http://schemas.microsoft.com/office/drawing/2014/main" id="{6608D758-207C-4DEC-81E4-A66B40873F63}"/>
-              </a:ext>
-            </a:extLst>
-          </p:cNvPr>
-          <p:cNvSpPr txBox="1"/>
-          <p:nvPr/>
-        </p:nvSpPr>
-        <p:spPr>
-          <a:xfrm>
-            <a:off x="10686741" y="3884044"/>
-            <a:ext cx="795185" cy="307777"/>
-          </a:xfrm>
-          <a:prstGeom prst="rect">
-            <a:avLst/>
-          </a:prstGeom>
-          <a:noFill/>
-        </p:spPr>
-        <p:txBody>
-          <a:bodyPr rot="0" spcFirstLastPara="0" vertOverflow="overflow" horzOverflow="overflow" vert="horz" wrap="square" lIns="91440" tIns="45720" rIns="91440" bIns="45720" numCol="1" spcCol="0" rtlCol="0" fromWordArt="0" anchor="t" anchorCtr="0" forceAA="0" compatLnSpc="1">
-            <a:prstTxWarp prst="textNoShape">
-              <a:avLst/>
-            </a:prstTxWarp>
-            <a:spAutoFit/>
-          </a:bodyPr>
-          <a:lstStyle/>
-          <a:p>
-            <a:r>
-              <a:rPr lang="en-US" sz="1400">
-                <a:cs typeface="Calibri"/>
-              </a:rPr>
-              <a:t>F values</a:t>
-            </a:r>
-          </a:p>
-        </p:txBody>
-      </p:sp>
-      <p:cxnSp>
-        <p:nvCxnSpPr>
-          <p:cNvPr id="60" name="Straight Arrow Connector 59">
-            <a:extLst>
-              <a:ext uri="{FF2B5EF4-FFF2-40B4-BE49-F238E27FC236}">
-                <a16:creationId xmlns:a16="http://schemas.microsoft.com/office/drawing/2014/main" id="{DA2F8D64-D00D-4569-90D0-2AA1175A4066}"/>
-              </a:ext>
-            </a:extLst>
-          </p:cNvPr>
-          <p:cNvCxnSpPr>
-            <a:cxnSpLocks/>
-          </p:cNvCxnSpPr>
-          <p:nvPr/>
-        </p:nvCxnSpPr>
-        <p:spPr>
-          <a:xfrm flipH="1">
-            <a:off x="9690304" y="4505011"/>
-            <a:ext cx="1316294" cy="582564"/>
-          </a:xfrm>
-          <a:prstGeom prst="straightConnector1">
-            <a:avLst/>
-          </a:prstGeom>
-          <a:ln>
-            <a:tailEnd type="triangle"/>
-          </a:ln>
-        </p:spPr>
-        <p:style>
-          <a:lnRef idx="3">
-            <a:schemeClr val="dk1"/>
-          </a:lnRef>
-          <a:fillRef idx="0">
-            <a:schemeClr val="dk1"/>
-          </a:fillRef>
-          <a:effectRef idx="2">
-            <a:schemeClr val="dk1"/>
-          </a:effectRef>
-          <a:fontRef idx="minor">
-            <a:schemeClr val="tx1"/>
-          </a:fontRef>
-        </p:style>
-      </p:cxnSp>
-      <p:cxnSp>
-        <p:nvCxnSpPr>
-          <p:cNvPr id="61" name="Straight Arrow Connector 60">
-            <a:extLst>
-              <a:ext uri="{FF2B5EF4-FFF2-40B4-BE49-F238E27FC236}">
-                <a16:creationId xmlns:a16="http://schemas.microsoft.com/office/drawing/2014/main" id="{F4E32373-4033-40CC-82D3-2023E2530E77}"/>
-              </a:ext>
-            </a:extLst>
-          </p:cNvPr>
-          <p:cNvCxnSpPr>
-            <a:cxnSpLocks/>
-          </p:cNvCxnSpPr>
-          <p:nvPr/>
-        </p:nvCxnSpPr>
-        <p:spPr>
-          <a:xfrm>
-            <a:off x="8142954" y="4996627"/>
-            <a:ext cx="957415" cy="416642"/>
-          </a:xfrm>
-          <a:prstGeom prst="straightConnector1">
-            <a:avLst/>
-          </a:prstGeom>
-          <a:ln>
-            <a:tailEnd type="triangle"/>
-          </a:ln>
-        </p:spPr>
-        <p:style>
-          <a:lnRef idx="3">
-            <a:schemeClr val="dk1"/>
-          </a:lnRef>
-          <a:fillRef idx="0">
-            <a:schemeClr val="dk1"/>
-          </a:fillRef>
-          <a:effectRef idx="2">
-            <a:schemeClr val="dk1"/>
-          </a:effectRef>
-          <a:fontRef idx="minor">
-            <a:schemeClr val="tx1"/>
-          </a:fontRef>
-        </p:style>
-      </p:cxnSp>
-      <p:sp>
-        <p:nvSpPr>
-          <p:cNvPr id="63" name="Rectangle 62">
-            <a:extLst>
-              <a:ext uri="{FF2B5EF4-FFF2-40B4-BE49-F238E27FC236}">
-                <a16:creationId xmlns:a16="http://schemas.microsoft.com/office/drawing/2014/main" id="{2A78A85D-D103-4CEF-AE07-5B1E53FC4A24}"/>
-              </a:ext>
-            </a:extLst>
-          </p:cNvPr>
-          <p:cNvSpPr/>
-          <p:nvPr/>
-        </p:nvSpPr>
-        <p:spPr>
-          <a:xfrm>
-            <a:off x="6677331" y="5669522"/>
-            <a:ext cx="2107789" cy="977081"/>
-          </a:xfrm>
-          <a:prstGeom prst="rect">
-            <a:avLst/>
-          </a:prstGeom>
-          <a:ln w="28575"/>
-        </p:spPr>
-        <p:style>
-          <a:lnRef idx="2">
-            <a:schemeClr val="accent1"/>
-          </a:lnRef>
-          <a:fillRef idx="1">
-            <a:schemeClr val="lt1"/>
-          </a:fillRef>
-          <a:effectRef idx="0">
-            <a:schemeClr val="accent1"/>
-          </a:effectRef>
-          <a:fontRef idx="minor">
-            <a:schemeClr val="dk1"/>
-          </a:fontRef>
-        </p:style>
-        <p:txBody>
-          <a:bodyPr rtlCol="0" anchor="ctr"/>
-          <a:lstStyle/>
-          <a:p>
-            <a:pPr algn="ctr"/>
-            <a:endParaRPr lang="en-US"/>
-          </a:p>
-        </p:txBody>
-      </p:sp>
-      <p:sp>
-        <p:nvSpPr>
-          <p:cNvPr id="65" name="TextBox 64">
-            <a:extLst>
-              <a:ext uri="{FF2B5EF4-FFF2-40B4-BE49-F238E27FC236}">
-                <a16:creationId xmlns:a16="http://schemas.microsoft.com/office/drawing/2014/main" id="{17E6912D-049D-4AF2-8319-587A38A20DAF}"/>
-              </a:ext>
-            </a:extLst>
-          </p:cNvPr>
-          <p:cNvSpPr txBox="1"/>
-          <p:nvPr/>
-        </p:nvSpPr>
-        <p:spPr>
-          <a:xfrm>
-            <a:off x="7159420" y="5979546"/>
-            <a:ext cx="1268362" cy="369332"/>
-          </a:xfrm>
-          <a:prstGeom prst="rect">
-            <a:avLst/>
-          </a:prstGeom>
-          <a:noFill/>
-        </p:spPr>
-        <p:txBody>
-          <a:bodyPr rot="0" spcFirstLastPara="0" vertOverflow="overflow" horzOverflow="overflow" vert="horz" wrap="square" lIns="91440" tIns="45720" rIns="91440" bIns="45720" numCol="1" spcCol="0" rtlCol="0" fromWordArt="0" anchor="t" anchorCtr="0" forceAA="0" compatLnSpc="1">
-            <a:prstTxWarp prst="textNoShape">
-              <a:avLst/>
-            </a:prstTxWarp>
-            <a:spAutoFit/>
-          </a:bodyPr>
-          <a:lstStyle/>
-          <a:p>
-            <a:r>
-              <a:rPr lang="en-US">
-                <a:cs typeface="Calibri"/>
-              </a:rPr>
-              <a:t>Optimizer</a:t>
-            </a:r>
-          </a:p>
-        </p:txBody>
-      </p:sp>
-      <p:cxnSp>
-        <p:nvCxnSpPr>
-          <p:cNvPr id="66" name="Straight Arrow Connector 65">
-            <a:extLst>
-              <a:ext uri="{FF2B5EF4-FFF2-40B4-BE49-F238E27FC236}">
-                <a16:creationId xmlns:a16="http://schemas.microsoft.com/office/drawing/2014/main" id="{A57ACA1C-51A8-4CD1-88E3-75E50126A328}"/>
-              </a:ext>
-            </a:extLst>
-          </p:cNvPr>
-          <p:cNvCxnSpPr>
-            <a:cxnSpLocks/>
-          </p:cNvCxnSpPr>
-          <p:nvPr/>
-        </p:nvCxnSpPr>
-        <p:spPr>
-          <a:xfrm>
-            <a:off x="8149098" y="3669269"/>
-            <a:ext cx="207706" cy="1922209"/>
-          </a:xfrm>
-          <a:prstGeom prst="straightConnector1">
-            <a:avLst/>
-          </a:prstGeom>
-          <a:ln>
-            <a:tailEnd type="triangle"/>
-          </a:ln>
-        </p:spPr>
-        <p:style>
-          <a:lnRef idx="3">
-            <a:schemeClr val="dk1"/>
-          </a:lnRef>
-          <a:fillRef idx="0">
-            <a:schemeClr val="dk1"/>
-          </a:fillRef>
-          <a:effectRef idx="2">
-            <a:schemeClr val="dk1"/>
-          </a:effectRef>
-          <a:fontRef idx="minor">
-            <a:schemeClr val="tx1"/>
-          </a:fontRef>
-        </p:style>
-      </p:cxnSp>
-      <p:cxnSp>
-        <p:nvCxnSpPr>
-          <p:cNvPr id="67" name="Straight Arrow Connector 66">
-            <a:extLst>
-              <a:ext uri="{FF2B5EF4-FFF2-40B4-BE49-F238E27FC236}">
-                <a16:creationId xmlns:a16="http://schemas.microsoft.com/office/drawing/2014/main" id="{963E4FD5-684C-4B63-8CA0-BEB55B9B25EE}"/>
-              </a:ext>
-            </a:extLst>
-          </p:cNvPr>
-          <p:cNvCxnSpPr>
-            <a:cxnSpLocks/>
-          </p:cNvCxnSpPr>
-          <p:nvPr/>
-        </p:nvCxnSpPr>
-        <p:spPr>
-          <a:xfrm flipH="1">
-            <a:off x="8829980" y="5678736"/>
-            <a:ext cx="308488" cy="293742"/>
-          </a:xfrm>
-          <a:prstGeom prst="straightConnector1">
-            <a:avLst/>
-          </a:prstGeom>
-          <a:ln>
-            <a:tailEnd type="triangle"/>
-          </a:ln>
-        </p:spPr>
-        <p:style>
-          <a:lnRef idx="3">
-            <a:schemeClr val="dk1"/>
-          </a:lnRef>
-          <a:fillRef idx="0">
-            <a:schemeClr val="dk1"/>
-          </a:fillRef>
-          <a:effectRef idx="2">
-            <a:schemeClr val="dk1"/>
-          </a:effectRef>
-          <a:fontRef idx="minor">
-            <a:schemeClr val="tx1"/>
-          </a:fontRef>
-        </p:style>
-      </p:cxnSp>
-      <p:cxnSp>
-        <p:nvCxnSpPr>
-          <p:cNvPr id="68" name="Straight Arrow Connector 67">
-            <a:extLst>
-              <a:ext uri="{FF2B5EF4-FFF2-40B4-BE49-F238E27FC236}">
-                <a16:creationId xmlns:a16="http://schemas.microsoft.com/office/drawing/2014/main" id="{85F62912-A1FF-4C1A-84BD-EE82AA18BECF}"/>
-              </a:ext>
-            </a:extLst>
-          </p:cNvPr>
-          <p:cNvCxnSpPr>
-            <a:cxnSpLocks/>
-          </p:cNvCxnSpPr>
-          <p:nvPr/>
-        </p:nvCxnSpPr>
-        <p:spPr>
-          <a:xfrm flipV="1">
-            <a:off x="8812775" y="6015494"/>
-            <a:ext cx="656301" cy="400660"/>
-          </a:xfrm>
-          <a:prstGeom prst="straightConnector1">
-            <a:avLst/>
-          </a:prstGeom>
-          <a:ln>
-            <a:tailEnd type="triangle"/>
-          </a:ln>
-        </p:spPr>
-        <p:style>
-          <a:lnRef idx="3">
-            <a:schemeClr val="dk1"/>
-          </a:lnRef>
-          <a:fillRef idx="0">
-            <a:schemeClr val="dk1"/>
-          </a:fillRef>
-          <a:effectRef idx="2">
-            <a:schemeClr val="dk1"/>
-          </a:effectRef>
-          <a:fontRef idx="minor">
-            <a:schemeClr val="tx1"/>
-          </a:fontRef>
-        </p:style>
-      </p:cxnSp>
-      <p:sp>
-        <p:nvSpPr>
-          <p:cNvPr id="69" name="Rectangle 68">
-            <a:extLst>
-              <a:ext uri="{FF2B5EF4-FFF2-40B4-BE49-F238E27FC236}">
-                <a16:creationId xmlns:a16="http://schemas.microsoft.com/office/drawing/2014/main" id="{7B56831F-92DE-4C3A-9F64-22ADFF8E06C1}"/>
-              </a:ext>
-            </a:extLst>
-          </p:cNvPr>
-          <p:cNvSpPr/>
-          <p:nvPr/>
-        </p:nvSpPr>
-        <p:spPr>
-          <a:xfrm>
-            <a:off x="427702" y="5122602"/>
-            <a:ext cx="1948014" cy="553064"/>
-          </a:xfrm>
-          <a:prstGeom prst="rect">
-            <a:avLst/>
-          </a:prstGeom>
-          <a:ln w="28575"/>
-        </p:spPr>
-        <p:style>
-          <a:lnRef idx="2">
-            <a:schemeClr val="accent1"/>
-          </a:lnRef>
-          <a:fillRef idx="1">
-            <a:schemeClr val="lt1"/>
-          </a:fillRef>
-          <a:effectRef idx="0">
-            <a:schemeClr val="accent1"/>
-          </a:effectRef>
-          <a:fontRef idx="minor">
-            <a:schemeClr val="dk1"/>
-          </a:fontRef>
-        </p:style>
-        <p:txBody>
-          <a:bodyPr rtlCol="0" anchor="ctr"/>
-          <a:lstStyle/>
-          <a:p>
-            <a:pPr algn="ctr"/>
-            <a:endParaRPr lang="en-US"/>
-          </a:p>
-        </p:txBody>
-      </p:sp>
-      <p:sp>
-        <p:nvSpPr>
-          <p:cNvPr id="70" name="TextBox 69">
-            <a:extLst>
-              <a:ext uri="{FF2B5EF4-FFF2-40B4-BE49-F238E27FC236}">
-                <a16:creationId xmlns:a16="http://schemas.microsoft.com/office/drawing/2014/main" id="{364E0DCF-1D86-46A7-A062-908B9FE68130}"/>
-              </a:ext>
-            </a:extLst>
-          </p:cNvPr>
-          <p:cNvSpPr txBox="1"/>
-          <p:nvPr/>
-        </p:nvSpPr>
-        <p:spPr>
-          <a:xfrm>
-            <a:off x="571807" y="5229836"/>
-            <a:ext cx="1802990" cy="338554"/>
-          </a:xfrm>
-          <a:prstGeom prst="rect">
-            <a:avLst/>
-          </a:prstGeom>
-          <a:noFill/>
-        </p:spPr>
-        <p:txBody>
-          <a:bodyPr rot="0" spcFirstLastPara="0" vertOverflow="overflow" horzOverflow="overflow" vert="horz" wrap="square" lIns="91440" tIns="45720" rIns="91440" bIns="45720" numCol="1" spcCol="0" rtlCol="0" fromWordArt="0" anchor="t" anchorCtr="0" forceAA="0" compatLnSpc="1">
-            <a:prstTxWarp prst="textNoShape">
-              <a:avLst/>
-            </a:prstTxWarp>
-            <a:spAutoFit/>
-          </a:bodyPr>
-          <a:lstStyle/>
-          <a:p>
-            <a:r>
-              <a:rPr lang="en-US" sz="1600">
-                <a:cs typeface="Calibri"/>
-              </a:rPr>
-              <a:t>Initial kinematics </a:t>
-            </a:r>
-          </a:p>
-        </p:txBody>
-      </p:sp>
-      <p:sp>
-        <p:nvSpPr>
-          <p:cNvPr id="71" name="Rectangle 70">
-            <a:extLst>
-              <a:ext uri="{FF2B5EF4-FFF2-40B4-BE49-F238E27FC236}">
-                <a16:creationId xmlns:a16="http://schemas.microsoft.com/office/drawing/2014/main" id="{7E970D61-4D24-4FB9-8E33-FA25934AAA92}"/>
-              </a:ext>
-            </a:extLst>
-          </p:cNvPr>
-          <p:cNvSpPr/>
-          <p:nvPr/>
-        </p:nvSpPr>
-        <p:spPr>
-          <a:xfrm>
-            <a:off x="3322072" y="4372891"/>
-            <a:ext cx="1972596" cy="841887"/>
-          </a:xfrm>
-          <a:prstGeom prst="rect">
-            <a:avLst/>
-          </a:prstGeom>
-          <a:ln w="28575"/>
-        </p:spPr>
-        <p:style>
-          <a:lnRef idx="2">
-            <a:schemeClr val="accent1"/>
-          </a:lnRef>
-          <a:fillRef idx="1">
-            <a:schemeClr val="lt1"/>
-          </a:fillRef>
-          <a:effectRef idx="0">
-            <a:schemeClr val="accent1"/>
-          </a:effectRef>
-          <a:fontRef idx="minor">
-            <a:schemeClr val="dk1"/>
-          </a:fontRef>
-        </p:style>
-        <p:txBody>
-          <a:bodyPr rtlCol="0" anchor="ctr"/>
-          <a:lstStyle/>
-          <a:p>
-            <a:pPr algn="ctr"/>
-            <a:endParaRPr lang="en-US"/>
-          </a:p>
-        </p:txBody>
-      </p:sp>
-      <p:sp>
-        <p:nvSpPr>
-          <p:cNvPr id="72" name="TextBox 71">
-            <a:extLst>
-              <a:ext uri="{FF2B5EF4-FFF2-40B4-BE49-F238E27FC236}">
-                <a16:creationId xmlns:a16="http://schemas.microsoft.com/office/drawing/2014/main" id="{136B0651-C3F4-4C50-8A5B-03FAD9C82E6F}"/>
-              </a:ext>
-            </a:extLst>
-          </p:cNvPr>
-          <p:cNvSpPr txBox="1"/>
-          <p:nvPr/>
-        </p:nvSpPr>
-        <p:spPr>
-          <a:xfrm>
-            <a:off x="3656676" y="4473978"/>
-            <a:ext cx="1477296" cy="646331"/>
-          </a:xfrm>
-          <a:prstGeom prst="rect">
-            <a:avLst/>
-          </a:prstGeom>
-          <a:noFill/>
-        </p:spPr>
-        <p:txBody>
-          <a:bodyPr rot="0" spcFirstLastPara="0" vertOverflow="overflow" horzOverflow="overflow" vert="horz" wrap="square" lIns="91440" tIns="45720" rIns="91440" bIns="45720" numCol="1" spcCol="0" rtlCol="0" fromWordArt="0" anchor="t" anchorCtr="0" forceAA="0" compatLnSpc="1">
-            <a:prstTxWarp prst="textNoShape">
-              <a:avLst/>
-            </a:prstTxWarp>
-            <a:spAutoFit/>
-          </a:bodyPr>
-          <a:lstStyle/>
-          <a:p>
-            <a:r>
-              <a:rPr lang="en-US">
-                <a:cs typeface="Calibri"/>
-              </a:rPr>
-              <a:t>ANN post-training</a:t>
-            </a:r>
-            <a:endParaRPr lang="en-US"/>
-          </a:p>
-        </p:txBody>
-      </p:sp>
-      <p:sp>
-        <p:nvSpPr>
-          <p:cNvPr id="73" name="Rectangle 72">
-            <a:extLst>
-              <a:ext uri="{FF2B5EF4-FFF2-40B4-BE49-F238E27FC236}">
-                <a16:creationId xmlns:a16="http://schemas.microsoft.com/office/drawing/2014/main" id="{CA458D53-9204-410E-AF63-45F7ED301B50}"/>
-              </a:ext>
-            </a:extLst>
-          </p:cNvPr>
-          <p:cNvSpPr/>
-          <p:nvPr/>
-        </p:nvSpPr>
-        <p:spPr>
-          <a:xfrm>
-            <a:off x="2934925" y="5829293"/>
-            <a:ext cx="1972596" cy="841887"/>
-          </a:xfrm>
-          <a:prstGeom prst="rect">
-            <a:avLst/>
-          </a:prstGeom>
-          <a:ln w="28575"/>
-        </p:spPr>
-        <p:style>
-          <a:lnRef idx="2">
-            <a:schemeClr val="accent1"/>
-          </a:lnRef>
-          <a:fillRef idx="1">
-            <a:schemeClr val="lt1"/>
-          </a:fillRef>
-          <a:effectRef idx="0">
-            <a:schemeClr val="accent1"/>
-          </a:effectRef>
-          <a:fontRef idx="minor">
-            <a:schemeClr val="dk1"/>
-          </a:fontRef>
-        </p:style>
-        <p:txBody>
-          <a:bodyPr rtlCol="0" anchor="ctr"/>
-          <a:lstStyle/>
-          <a:p>
-            <a:pPr algn="ctr"/>
-            <a:endParaRPr lang="en-US"/>
-          </a:p>
-        </p:txBody>
-      </p:sp>
-      <p:sp>
-        <p:nvSpPr>
-          <p:cNvPr id="74" name="TextBox 73">
-            <a:extLst>
-              <a:ext uri="{FF2B5EF4-FFF2-40B4-BE49-F238E27FC236}">
-                <a16:creationId xmlns:a16="http://schemas.microsoft.com/office/drawing/2014/main" id="{E1DB8813-654D-450A-997C-3B025F84FF77}"/>
-              </a:ext>
-            </a:extLst>
-          </p:cNvPr>
-          <p:cNvSpPr txBox="1"/>
-          <p:nvPr/>
-        </p:nvSpPr>
-        <p:spPr>
-          <a:xfrm>
-            <a:off x="3269530" y="5930380"/>
-            <a:ext cx="1477296" cy="646331"/>
-          </a:xfrm>
-          <a:prstGeom prst="rect">
-            <a:avLst/>
-          </a:prstGeom>
-          <a:noFill/>
-        </p:spPr>
-        <p:txBody>
-          <a:bodyPr rot="0" spcFirstLastPara="0" vertOverflow="overflow" horzOverflow="overflow" vert="horz" wrap="square" lIns="91440" tIns="45720" rIns="91440" bIns="45720" numCol="1" spcCol="0" rtlCol="0" fromWordArt="0" anchor="t" anchorCtr="0" forceAA="0" compatLnSpc="1">
-            <a:prstTxWarp prst="textNoShape">
-              <a:avLst/>
-            </a:prstTxWarp>
-            <a:spAutoFit/>
-          </a:bodyPr>
-          <a:lstStyle/>
-          <a:p>
-            <a:r>
-              <a:rPr lang="en-US">
-                <a:cs typeface="Calibri"/>
-              </a:rPr>
-              <a:t>CFF distributions</a:t>
-            </a:r>
-            <a:endParaRPr lang="en-US"/>
-          </a:p>
-        </p:txBody>
-      </p:sp>
-      <p:cxnSp>
-        <p:nvCxnSpPr>
-          <p:cNvPr id="75" name="Straight Arrow Connector 74">
-            <a:extLst>
-              <a:ext uri="{FF2B5EF4-FFF2-40B4-BE49-F238E27FC236}">
-                <a16:creationId xmlns:a16="http://schemas.microsoft.com/office/drawing/2014/main" id="{983F3808-1CFE-438D-A2DD-E34C3AE5B471}"/>
-              </a:ext>
-            </a:extLst>
-          </p:cNvPr>
-          <p:cNvCxnSpPr>
-            <a:cxnSpLocks/>
-          </p:cNvCxnSpPr>
-          <p:nvPr/>
-        </p:nvCxnSpPr>
-        <p:spPr>
-          <a:xfrm flipV="1">
-            <a:off x="2446388" y="4854062"/>
-            <a:ext cx="797643" cy="443679"/>
-          </a:xfrm>
-          <a:prstGeom prst="straightConnector1">
-            <a:avLst/>
-          </a:prstGeom>
-          <a:ln>
-            <a:tailEnd type="triangle"/>
-          </a:ln>
-        </p:spPr>
-        <p:style>
-          <a:lnRef idx="3">
-            <a:schemeClr val="dk1"/>
-          </a:lnRef>
-          <a:fillRef idx="0">
-            <a:schemeClr val="dk1"/>
-          </a:fillRef>
-          <a:effectRef idx="2">
-            <a:schemeClr val="dk1"/>
-          </a:effectRef>
-          <a:fontRef idx="minor">
-            <a:schemeClr val="tx1"/>
-          </a:fontRef>
-        </p:style>
-      </p:cxnSp>
-      <p:cxnSp>
-        <p:nvCxnSpPr>
-          <p:cNvPr id="76" name="Straight Arrow Connector 75">
-            <a:extLst>
-              <a:ext uri="{FF2B5EF4-FFF2-40B4-BE49-F238E27FC236}">
-                <a16:creationId xmlns:a16="http://schemas.microsoft.com/office/drawing/2014/main" id="{38382D54-A38A-421B-AD70-F82CD3ED8203}"/>
-              </a:ext>
-            </a:extLst>
-          </p:cNvPr>
-          <p:cNvCxnSpPr>
-            <a:cxnSpLocks/>
-          </p:cNvCxnSpPr>
-          <p:nvPr/>
-        </p:nvCxnSpPr>
-        <p:spPr>
-          <a:xfrm>
-            <a:off x="1364839" y="3902788"/>
-            <a:ext cx="1885337" cy="816080"/>
-          </a:xfrm>
-          <a:prstGeom prst="straightConnector1">
-            <a:avLst/>
-          </a:prstGeom>
-          <a:ln>
-            <a:tailEnd type="triangle"/>
-          </a:ln>
-        </p:spPr>
-        <p:style>
-          <a:lnRef idx="3">
-            <a:schemeClr val="dk1"/>
-          </a:lnRef>
-          <a:fillRef idx="0">
-            <a:schemeClr val="dk1"/>
-          </a:fillRef>
-          <a:effectRef idx="2">
-            <a:schemeClr val="dk1"/>
-          </a:effectRef>
-          <a:fontRef idx="minor">
-            <a:schemeClr val="tx1"/>
-          </a:fontRef>
-        </p:style>
-      </p:cxnSp>
-      <p:cxnSp>
-        <p:nvCxnSpPr>
-          <p:cNvPr id="77" name="Straight Arrow Connector 76">
-            <a:extLst>
-              <a:ext uri="{FF2B5EF4-FFF2-40B4-BE49-F238E27FC236}">
-                <a16:creationId xmlns:a16="http://schemas.microsoft.com/office/drawing/2014/main" id="{E9206618-B48D-4CB6-A926-D36BD1F9DBAD}"/>
-              </a:ext>
-            </a:extLst>
-          </p:cNvPr>
-          <p:cNvCxnSpPr>
-            <a:cxnSpLocks/>
-          </p:cNvCxnSpPr>
-          <p:nvPr/>
-        </p:nvCxnSpPr>
-        <p:spPr>
-          <a:xfrm flipH="1">
-            <a:off x="4128934" y="5316174"/>
-            <a:ext cx="222452" cy="441226"/>
-          </a:xfrm>
-          <a:prstGeom prst="straightConnector1">
-            <a:avLst/>
-          </a:prstGeom>
-          <a:ln>
-            <a:tailEnd type="triangle"/>
-          </a:ln>
-        </p:spPr>
-        <p:style>
-          <a:lnRef idx="3">
-            <a:schemeClr val="dk1"/>
-          </a:lnRef>
-          <a:fillRef idx="0">
-            <a:schemeClr val="dk1"/>
-          </a:fillRef>
-          <a:effectRef idx="2">
-            <a:schemeClr val="dk1"/>
-          </a:effectRef>
-          <a:fontRef idx="minor">
-            <a:schemeClr val="tx1"/>
-          </a:fontRef>
-        </p:style>
-      </p:cxnSp>
-    </p:spTree>
-    <p:extLst>
-      <p:ext uri="{BB962C8B-B14F-4D97-AF65-F5344CB8AC3E}">
-        <p14:creationId xmlns:p14="http://schemas.microsoft.com/office/powerpoint/2010/main" val="16767864"/>
-      </p:ext>
-    </p:extLst>
-  </p:cSld>
-  <p:clrMapOvr>
-    <a:masterClrMapping/>
-  </p:clrMapOvr>
-</p:sld>
-</file>
-
-<file path=ppt/slides/slide5.xml><?xml version="1.0" encoding="utf-8"?>
+<file path=ppt/slides/slide10.xml><?xml version="1.0" encoding="utf-8"?>
 <p:sld xmlns:a="http://schemas.openxmlformats.org/drawingml/2006/main" xmlns:r="http://schemas.openxmlformats.org/officeDocument/2006/relationships" xmlns:p="http://schemas.openxmlformats.org/presentationml/2006/main">
   <p:cSld>
     <p:spTree>
@@ -7921,7 +4509,7 @@
 </p:sld>
 </file>
 
-<file path=ppt/slides/slide6.xml><?xml version="1.0" encoding="utf-8"?>
+<file path=ppt/slides/slide11.xml><?xml version="1.0" encoding="utf-8"?>
 <p:sld xmlns:a="http://schemas.openxmlformats.org/drawingml/2006/main" xmlns:r="http://schemas.openxmlformats.org/officeDocument/2006/relationships" xmlns:p="http://schemas.openxmlformats.org/presentationml/2006/main">
   <p:cSld>
     <p:spTree>
@@ -8935,8 +5523,8 @@
           </a:fontRef>
         </p:style>
       </p:cxnSp>
-      <mc:AlternateContent xmlns:mc="http://schemas.openxmlformats.org/markup-compatibility/2006">
-        <mc:Choice xmlns:p14="http://schemas.microsoft.com/office/powerpoint/2010/main" Requires="p14">
+      <mc:AlternateContent xmlns:mc="http://schemas.openxmlformats.org/markup-compatibility/2006" xmlns:p14="http://schemas.microsoft.com/office/powerpoint/2010/main">
+        <mc:Choice Requires="p14">
           <p:contentPart p14:bwMode="auto" r:id="rId2">
             <p14:nvContentPartPr>
               <p14:cNvPr id="43" name="Ink 42">
@@ -8955,7 +5543,7 @@
             </p14:xfrm>
           </p:contentPart>
         </mc:Choice>
-        <mc:Fallback>
+        <mc:Fallback xmlns="">
           <p:pic>
             <p:nvPicPr>
               <p:cNvPr id="43" name="Ink 42">
@@ -8986,8 +5574,8 @@
           </p:pic>
         </mc:Fallback>
       </mc:AlternateContent>
-      <mc:AlternateContent xmlns:mc="http://schemas.openxmlformats.org/markup-compatibility/2006">
-        <mc:Choice xmlns:p14="http://schemas.microsoft.com/office/powerpoint/2010/main" Requires="p14">
+      <mc:AlternateContent xmlns:mc="http://schemas.openxmlformats.org/markup-compatibility/2006" xmlns:p14="http://schemas.microsoft.com/office/powerpoint/2010/main">
+        <mc:Choice Requires="p14">
           <p:contentPart p14:bwMode="auto" r:id="rId4">
             <p14:nvContentPartPr>
               <p14:cNvPr id="44" name="Ink 43">
@@ -9006,7 +5594,7 @@
             </p14:xfrm>
           </p:contentPart>
         </mc:Choice>
-        <mc:Fallback>
+        <mc:Fallback xmlns="">
           <p:pic>
             <p:nvPicPr>
               <p:cNvPr id="44" name="Ink 43">
@@ -9303,7 +5891,7 @@
 </p:sld>
 </file>
 
-<file path=ppt/slides/slide7.xml><?xml version="1.0" encoding="utf-8"?>
+<file path=ppt/slides/slide12.xml><?xml version="1.0" encoding="utf-8"?>
 <p:sld xmlns:a="http://schemas.openxmlformats.org/drawingml/2006/main" xmlns:r="http://schemas.openxmlformats.org/officeDocument/2006/relationships" xmlns:p="http://schemas.openxmlformats.org/presentationml/2006/main">
   <p:cSld>
     <p:bg>
@@ -9707,7 +6295,7 @@
 </p:sld>
 </file>
 
-<file path=ppt/slides/slide8.xml><?xml version="1.0" encoding="utf-8"?>
+<file path=ppt/slides/slide13.xml><?xml version="1.0" encoding="utf-8"?>
 <p:sld xmlns:a="http://schemas.openxmlformats.org/drawingml/2006/main" xmlns:r="http://schemas.openxmlformats.org/officeDocument/2006/relationships" xmlns:p="http://schemas.openxmlformats.org/presentationml/2006/main">
   <p:cSld>
     <p:bg>
@@ -10419,6 +7007,4512 @@
 </p:sld>
 </file>
 
+<file path=ppt/slides/slide2.xml><?xml version="1.0" encoding="utf-8"?>
+<p:sld xmlns:a="http://schemas.openxmlformats.org/drawingml/2006/main" xmlns:r="http://schemas.openxmlformats.org/officeDocument/2006/relationships" xmlns:p="http://schemas.openxmlformats.org/presentationml/2006/main">
+  <p:cSld>
+    <p:spTree>
+      <p:nvGrpSpPr>
+        <p:cNvPr id="1" name=""/>
+        <p:cNvGrpSpPr/>
+        <p:nvPr/>
+      </p:nvGrpSpPr>
+      <p:grpSpPr>
+        <a:xfrm>
+          <a:off x="0" y="0"/>
+          <a:ext cx="0" cy="0"/>
+          <a:chOff x="0" y="0"/>
+          <a:chExt cx="0" cy="0"/>
+        </a:xfrm>
+      </p:grpSpPr>
+      <p:sp>
+        <p:nvSpPr>
+          <p:cNvPr id="2" name="Title 1">
+            <a:extLst>
+              <a:ext uri="{FF2B5EF4-FFF2-40B4-BE49-F238E27FC236}">
+                <a16:creationId xmlns:a16="http://schemas.microsoft.com/office/drawing/2014/main" id="{37504AE1-7B36-9343-B5FA-B85D880B4DC4}"/>
+              </a:ext>
+            </a:extLst>
+          </p:cNvPr>
+          <p:cNvSpPr>
+            <a:spLocks noGrp="1"/>
+          </p:cNvSpPr>
+          <p:nvPr>
+            <p:ph type="title"/>
+          </p:nvPr>
+        </p:nvSpPr>
+        <p:spPr/>
+        <p:txBody>
+          <a:bodyPr/>
+          <a:lstStyle/>
+          <a:p>
+            <a:r>
+              <a:rPr lang="en-US" dirty="0"/>
+              <a:t>Terms</a:t>
+            </a:r>
+          </a:p>
+        </p:txBody>
+      </p:sp>
+      <p:sp>
+        <p:nvSpPr>
+          <p:cNvPr id="3" name="Content Placeholder 2">
+            <a:extLst>
+              <a:ext uri="{FF2B5EF4-FFF2-40B4-BE49-F238E27FC236}">
+                <a16:creationId xmlns:a16="http://schemas.microsoft.com/office/drawing/2014/main" id="{AD4AEFF1-289E-5C4B-9EF3-BDA3148EF444}"/>
+              </a:ext>
+            </a:extLst>
+          </p:cNvPr>
+          <p:cNvSpPr>
+            <a:spLocks noGrp="1"/>
+          </p:cNvSpPr>
+          <p:nvPr>
+            <p:ph idx="1"/>
+          </p:nvPr>
+        </p:nvSpPr>
+        <p:spPr/>
+        <p:txBody>
+          <a:bodyPr/>
+          <a:lstStyle/>
+          <a:p>
+            <a:r>
+              <a:rPr lang="en-US" dirty="0"/>
+              <a:t>Kinematics: The variables k, QQ, </a:t>
+            </a:r>
+            <a:r>
+              <a:rPr lang="en-US" dirty="0" err="1"/>
+              <a:t>x_b</a:t>
+            </a:r>
+            <a:r>
+              <a:rPr lang="en-US" dirty="0"/>
+              <a:t>, and t</a:t>
+            </a:r>
+          </a:p>
+          <a:p>
+            <a:r>
+              <a:rPr lang="en-US" dirty="0"/>
+              <a:t>Kinematic set: a data set containing all relevant information for specific values of the kinematics i.e. k=1, QQ=.3, </a:t>
+            </a:r>
+            <a:r>
+              <a:rPr lang="en-US" dirty="0" err="1"/>
+              <a:t>x_b</a:t>
+            </a:r>
+            <a:r>
+              <a:rPr lang="en-US" dirty="0"/>
+              <a:t>=.5, t=2.25.  A kinematic set corresponds to a a single set of Compton form factors. In the data, this is denoted by the “#Set” column.</a:t>
+            </a:r>
+          </a:p>
+          <a:p>
+            <a:r>
+              <a:rPr lang="en-US" dirty="0"/>
+              <a:t>Compton form factors: the values which we are trying to obtain</a:t>
+            </a:r>
+          </a:p>
+          <a:p>
+            <a:r>
+              <a:rPr lang="en-US" dirty="0"/>
+              <a:t>Replicas: The equivalent of monte-</a:t>
+            </a:r>
+            <a:r>
+              <a:rPr lang="en-US" dirty="0" err="1"/>
+              <a:t>carlo</a:t>
+            </a:r>
+            <a:r>
+              <a:rPr lang="en-US" dirty="0"/>
+              <a:t> sampled experimental data.  We take the experimental results and smear them by experimental error to produce many copies or “replicas.”</a:t>
+            </a:r>
+          </a:p>
+        </p:txBody>
+      </p:sp>
+    </p:spTree>
+    <p:extLst>
+      <p:ext uri="{BB962C8B-B14F-4D97-AF65-F5344CB8AC3E}">
+        <p14:creationId xmlns:p14="http://schemas.microsoft.com/office/powerpoint/2010/main" val="4044216699"/>
+      </p:ext>
+    </p:extLst>
+  </p:cSld>
+  <p:clrMapOvr>
+    <a:masterClrMapping/>
+  </p:clrMapOvr>
+</p:sld>
+</file>
+
+<file path=ppt/slides/slide3.xml><?xml version="1.0" encoding="utf-8"?>
+<p:sld xmlns:a="http://schemas.openxmlformats.org/drawingml/2006/main" xmlns:r="http://schemas.openxmlformats.org/officeDocument/2006/relationships" xmlns:p="http://schemas.openxmlformats.org/presentationml/2006/main">
+  <p:cSld>
+    <p:spTree>
+      <p:nvGrpSpPr>
+        <p:cNvPr id="1" name=""/>
+        <p:cNvGrpSpPr/>
+        <p:nvPr/>
+      </p:nvGrpSpPr>
+      <p:grpSpPr>
+        <a:xfrm>
+          <a:off x="0" y="0"/>
+          <a:ext cx="0" cy="0"/>
+          <a:chOff x="0" y="0"/>
+          <a:chExt cx="0" cy="0"/>
+        </a:xfrm>
+      </p:grpSpPr>
+      <p:sp>
+        <p:nvSpPr>
+          <p:cNvPr id="2" name="Title 1">
+            <a:extLst>
+              <a:ext uri="{FF2B5EF4-FFF2-40B4-BE49-F238E27FC236}">
+                <a16:creationId xmlns:a16="http://schemas.microsoft.com/office/drawing/2014/main" id="{9D35268F-6BCE-934A-812F-A19A3754968F}"/>
+              </a:ext>
+            </a:extLst>
+          </p:cNvPr>
+          <p:cNvSpPr>
+            <a:spLocks noGrp="1"/>
+          </p:cNvSpPr>
+          <p:nvPr>
+            <p:ph type="title"/>
+          </p:nvPr>
+        </p:nvSpPr>
+        <p:spPr>
+          <a:xfrm>
+            <a:off x="838200" y="347196"/>
+            <a:ext cx="10515600" cy="1325563"/>
+          </a:xfrm>
+        </p:spPr>
+        <p:txBody>
+          <a:bodyPr/>
+          <a:lstStyle/>
+          <a:p>
+            <a:r>
+              <a:rPr lang="en-US" dirty="0"/>
+              <a:t>Project overview</a:t>
+            </a:r>
+          </a:p>
+        </p:txBody>
+      </p:sp>
+      <p:sp>
+        <p:nvSpPr>
+          <p:cNvPr id="3" name="Content Placeholder 2">
+            <a:extLst>
+              <a:ext uri="{FF2B5EF4-FFF2-40B4-BE49-F238E27FC236}">
+                <a16:creationId xmlns:a16="http://schemas.microsoft.com/office/drawing/2014/main" id="{2E9F66FC-9C84-EF4E-9F0A-65EEDCBCE1D2}"/>
+              </a:ext>
+            </a:extLst>
+          </p:cNvPr>
+          <p:cNvSpPr>
+            <a:spLocks noGrp="1"/>
+          </p:cNvSpPr>
+          <p:nvPr>
+            <p:ph idx="1"/>
+          </p:nvPr>
+        </p:nvSpPr>
+        <p:spPr>
+          <a:xfrm>
+            <a:off x="838200" y="1843555"/>
+            <a:ext cx="10515600" cy="4351338"/>
+          </a:xfrm>
+        </p:spPr>
+        <p:txBody>
+          <a:bodyPr>
+            <a:normAutofit fontScale="92500" lnSpcReduction="10000"/>
+          </a:bodyPr>
+          <a:lstStyle/>
+          <a:p>
+            <a:r>
+              <a:rPr lang="en-US" dirty="0"/>
+              <a:t>Our goal is to discover the Compton Form Factors or “CFFs” and to predict them for any kinematic set, while properly estimating error.</a:t>
+            </a:r>
+          </a:p>
+          <a:p>
+            <a:r>
+              <a:rPr lang="en-US" dirty="0"/>
+              <a:t>There are two essential ingredients for finding these CFFs: the </a:t>
+            </a:r>
+            <a:r>
+              <a:rPr lang="en-US" dirty="0" err="1"/>
+              <a:t>TotalUUXS</a:t>
+            </a:r>
+            <a:r>
+              <a:rPr lang="en-US" dirty="0"/>
+              <a:t> function and the data (pseudo-data at this stage).</a:t>
+            </a:r>
+          </a:p>
+          <a:p>
+            <a:r>
+              <a:rPr lang="en-US" dirty="0"/>
+              <a:t>We cannot directly measure the CFFs, so they must be discovered indirectly through what information we can observe.</a:t>
+            </a:r>
+          </a:p>
+          <a:p>
+            <a:r>
+              <a:rPr lang="en-US" dirty="0"/>
+              <a:t>What we can observe directly are the four “kinematics” – k, QQ, </a:t>
+            </a:r>
+            <a:r>
+              <a:rPr lang="en-US" dirty="0" err="1"/>
+              <a:t>x_b</a:t>
+            </a:r>
+            <a:r>
+              <a:rPr lang="en-US" dirty="0"/>
+              <a:t>, and t and the cross section value “F”</a:t>
+            </a:r>
+          </a:p>
+          <a:p>
+            <a:r>
+              <a:rPr lang="en-US" dirty="0"/>
+              <a:t>F is a function of the kinematics, the Compton form factors, phi, and a few other variables – F1, F2, and </a:t>
+            </a:r>
+            <a:r>
+              <a:rPr lang="en-US" dirty="0" err="1"/>
+              <a:t>dvcs</a:t>
+            </a:r>
+            <a:r>
+              <a:rPr lang="en-US" dirty="0"/>
+              <a:t> constant.  The </a:t>
+            </a:r>
+            <a:r>
+              <a:rPr lang="en-US" dirty="0" err="1"/>
+              <a:t>TotalUUXS</a:t>
+            </a:r>
+            <a:r>
+              <a:rPr lang="en-US" dirty="0"/>
+              <a:t> function takes these variables as input and outputs the F.</a:t>
+            </a:r>
+          </a:p>
+        </p:txBody>
+      </p:sp>
+    </p:spTree>
+    <p:extLst>
+      <p:ext uri="{BB962C8B-B14F-4D97-AF65-F5344CB8AC3E}">
+        <p14:creationId xmlns:p14="http://schemas.microsoft.com/office/powerpoint/2010/main" val="4006787041"/>
+      </p:ext>
+    </p:extLst>
+  </p:cSld>
+  <p:clrMapOvr>
+    <a:masterClrMapping/>
+  </p:clrMapOvr>
+</p:sld>
+</file>
+
+<file path=ppt/slides/slide4.xml><?xml version="1.0" encoding="utf-8"?>
+<p:sld xmlns:a="http://schemas.openxmlformats.org/drawingml/2006/main" xmlns:r="http://schemas.openxmlformats.org/officeDocument/2006/relationships" xmlns:p="http://schemas.openxmlformats.org/presentationml/2006/main">
+  <p:cSld>
+    <p:spTree>
+      <p:nvGrpSpPr>
+        <p:cNvPr id="1" name=""/>
+        <p:cNvGrpSpPr/>
+        <p:nvPr/>
+      </p:nvGrpSpPr>
+      <p:grpSpPr>
+        <a:xfrm>
+          <a:off x="0" y="0"/>
+          <a:ext cx="0" cy="0"/>
+          <a:chOff x="0" y="0"/>
+          <a:chExt cx="0" cy="0"/>
+        </a:xfrm>
+      </p:grpSpPr>
+      <p:sp>
+        <p:nvSpPr>
+          <p:cNvPr id="2" name="Title 1">
+            <a:extLst>
+              <a:ext uri="{FF2B5EF4-FFF2-40B4-BE49-F238E27FC236}">
+                <a16:creationId xmlns:a16="http://schemas.microsoft.com/office/drawing/2014/main" id="{19F4C900-5953-3D4F-B49F-A20CE4099E6D}"/>
+              </a:ext>
+            </a:extLst>
+          </p:cNvPr>
+          <p:cNvSpPr>
+            <a:spLocks noGrp="1"/>
+          </p:cNvSpPr>
+          <p:nvPr>
+            <p:ph type="title"/>
+          </p:nvPr>
+        </p:nvSpPr>
+        <p:spPr/>
+        <p:txBody>
+          <a:bodyPr/>
+          <a:lstStyle/>
+          <a:p>
+            <a:r>
+              <a:rPr lang="en-US" dirty="0" err="1"/>
+              <a:t>TotalUUXS</a:t>
+            </a:r>
+            <a:r>
+              <a:rPr lang="en-US" dirty="0"/>
+              <a:t> function</a:t>
+            </a:r>
+          </a:p>
+        </p:txBody>
+      </p:sp>
+      <p:sp>
+        <p:nvSpPr>
+          <p:cNvPr id="3" name="Content Placeholder 2">
+            <a:extLst>
+              <a:ext uri="{FF2B5EF4-FFF2-40B4-BE49-F238E27FC236}">
+                <a16:creationId xmlns:a16="http://schemas.microsoft.com/office/drawing/2014/main" id="{E28C158C-B62E-E249-B98E-C948EAEB692A}"/>
+              </a:ext>
+            </a:extLst>
+          </p:cNvPr>
+          <p:cNvSpPr>
+            <a:spLocks noGrp="1"/>
+          </p:cNvSpPr>
+          <p:nvPr>
+            <p:ph idx="1"/>
+          </p:nvPr>
+        </p:nvSpPr>
+        <p:spPr>
+          <a:xfrm>
+            <a:off x="701566" y="1574837"/>
+            <a:ext cx="10515600" cy="4351338"/>
+          </a:xfrm>
+        </p:spPr>
+        <p:txBody>
+          <a:bodyPr/>
+          <a:lstStyle/>
+          <a:p>
+            <a:r>
+              <a:rPr lang="en-US" dirty="0"/>
+              <a:t>This function can be found here </a:t>
+            </a:r>
+            <a:r>
+              <a:rPr lang="en-US" dirty="0">
+                <a:hlinkClick r:id="rId2"/>
+              </a:rPr>
+              <a:t>https://github.com/extraction-tools/ANN/blob/master/Nick/Methods/BHDVCStf.py</a:t>
+            </a:r>
+            <a:endParaRPr lang="en-US" dirty="0"/>
+          </a:p>
+          <a:p>
+            <a:pPr marL="0" indent="0">
+              <a:buNone/>
+            </a:pPr>
+            <a:endParaRPr lang="en-US" dirty="0"/>
+          </a:p>
+        </p:txBody>
+      </p:sp>
+      <p:sp>
+        <p:nvSpPr>
+          <p:cNvPr id="4" name="Rectangle 3">
+            <a:extLst>
+              <a:ext uri="{FF2B5EF4-FFF2-40B4-BE49-F238E27FC236}">
+                <a16:creationId xmlns:a16="http://schemas.microsoft.com/office/drawing/2014/main" id="{D9132793-2ADD-AF44-A465-FAD194C69674}"/>
+              </a:ext>
+            </a:extLst>
+          </p:cNvPr>
+          <p:cNvSpPr/>
+          <p:nvPr/>
+        </p:nvSpPr>
+        <p:spPr>
+          <a:xfrm>
+            <a:off x="1132066" y="2870014"/>
+            <a:ext cx="2107789" cy="1384061"/>
+          </a:xfrm>
+          <a:prstGeom prst="rect">
+            <a:avLst/>
+          </a:prstGeom>
+          <a:ln w="28575"/>
+        </p:spPr>
+        <p:style>
+          <a:lnRef idx="2">
+            <a:schemeClr val="accent1"/>
+          </a:lnRef>
+          <a:fillRef idx="1">
+            <a:schemeClr val="lt1"/>
+          </a:fillRef>
+          <a:effectRef idx="0">
+            <a:schemeClr val="accent1"/>
+          </a:effectRef>
+          <a:fontRef idx="minor">
+            <a:schemeClr val="dk1"/>
+          </a:fontRef>
+        </p:style>
+        <p:txBody>
+          <a:bodyPr rtlCol="0" anchor="ctr"/>
+          <a:lstStyle/>
+          <a:p>
+            <a:pPr algn="ctr"/>
+            <a:endParaRPr lang="en-US"/>
+          </a:p>
+        </p:txBody>
+      </p:sp>
+      <p:sp>
+        <p:nvSpPr>
+          <p:cNvPr id="5" name="TextBox 4">
+            <a:extLst>
+              <a:ext uri="{FF2B5EF4-FFF2-40B4-BE49-F238E27FC236}">
+                <a16:creationId xmlns:a16="http://schemas.microsoft.com/office/drawing/2014/main" id="{ADD2FB52-AE45-B541-AEBD-B6C5A4700FF8}"/>
+              </a:ext>
+            </a:extLst>
+          </p:cNvPr>
+          <p:cNvSpPr txBox="1"/>
+          <p:nvPr/>
+        </p:nvSpPr>
+        <p:spPr>
+          <a:xfrm>
+            <a:off x="1246364" y="3109131"/>
+            <a:ext cx="1993491" cy="923330"/>
+          </a:xfrm>
+          <a:prstGeom prst="rect">
+            <a:avLst/>
+          </a:prstGeom>
+          <a:noFill/>
+        </p:spPr>
+        <p:txBody>
+          <a:bodyPr rot="0" spcFirstLastPara="0" vertOverflow="overflow" horzOverflow="overflow" vert="horz" wrap="square" lIns="91440" tIns="45720" rIns="91440" bIns="45720" numCol="1" spcCol="0" rtlCol="0" fromWordArt="0" anchor="t" anchorCtr="0" forceAA="0" compatLnSpc="1">
+            <a:prstTxWarp prst="textNoShape">
+              <a:avLst/>
+            </a:prstTxWarp>
+            <a:spAutoFit/>
+          </a:bodyPr>
+          <a:lstStyle/>
+          <a:p>
+            <a:r>
+              <a:rPr lang="en-US" dirty="0">
+                <a:cs typeface="Calibri"/>
+              </a:rPr>
+              <a:t>phi, k, QQ, </a:t>
+            </a:r>
+            <a:r>
+              <a:rPr lang="en-US" dirty="0" err="1">
+                <a:cs typeface="Calibri"/>
+              </a:rPr>
+              <a:t>x_b</a:t>
+            </a:r>
+            <a:r>
+              <a:rPr lang="en-US" dirty="0">
+                <a:cs typeface="Calibri"/>
+              </a:rPr>
+              <a:t>, t, F1, F2, </a:t>
+            </a:r>
+            <a:r>
+              <a:rPr lang="en-US" dirty="0" err="1">
+                <a:cs typeface="Calibri"/>
+              </a:rPr>
+              <a:t>dvcs</a:t>
+            </a:r>
+            <a:r>
+              <a:rPr lang="en-US" dirty="0">
+                <a:cs typeface="Calibri"/>
+              </a:rPr>
+              <a:t> </a:t>
+            </a:r>
+            <a:r>
+              <a:rPr lang="en-US" dirty="0" err="1">
+                <a:cs typeface="Calibri"/>
+              </a:rPr>
+              <a:t>const</a:t>
+            </a:r>
+            <a:r>
+              <a:rPr lang="en-US" dirty="0">
+                <a:cs typeface="Calibri"/>
+              </a:rPr>
+              <a:t>, </a:t>
+            </a:r>
+            <a:r>
+              <a:rPr lang="en-US" dirty="0" err="1">
+                <a:cs typeface="Calibri"/>
+              </a:rPr>
+              <a:t>ReH</a:t>
+            </a:r>
+            <a:r>
+              <a:rPr lang="en-US" dirty="0">
+                <a:cs typeface="Calibri"/>
+              </a:rPr>
+              <a:t>, </a:t>
+            </a:r>
+            <a:r>
+              <a:rPr lang="en-US" dirty="0" err="1">
+                <a:cs typeface="Calibri"/>
+              </a:rPr>
+              <a:t>ReE</a:t>
+            </a:r>
+            <a:r>
+              <a:rPr lang="en-US" dirty="0">
+                <a:cs typeface="Calibri"/>
+              </a:rPr>
+              <a:t>, </a:t>
+            </a:r>
+            <a:r>
+              <a:rPr lang="en-US" dirty="0" err="1">
+                <a:cs typeface="Calibri"/>
+              </a:rPr>
+              <a:t>ReHtilde</a:t>
+            </a:r>
+            <a:endParaRPr lang="en-US" dirty="0">
+              <a:cs typeface="Calibri"/>
+            </a:endParaRPr>
+          </a:p>
+        </p:txBody>
+      </p:sp>
+      <p:cxnSp>
+        <p:nvCxnSpPr>
+          <p:cNvPr id="6" name="Straight Arrow Connector 5">
+            <a:extLst>
+              <a:ext uri="{FF2B5EF4-FFF2-40B4-BE49-F238E27FC236}">
+                <a16:creationId xmlns:a16="http://schemas.microsoft.com/office/drawing/2014/main" id="{528AB3D1-F0CB-A847-982A-86971BC8B2F2}"/>
+              </a:ext>
+            </a:extLst>
+          </p:cNvPr>
+          <p:cNvCxnSpPr>
+            <a:cxnSpLocks/>
+          </p:cNvCxnSpPr>
+          <p:nvPr/>
+        </p:nvCxnSpPr>
+        <p:spPr>
+          <a:xfrm>
+            <a:off x="3239855" y="3570904"/>
+            <a:ext cx="1027345" cy="0"/>
+          </a:xfrm>
+          <a:prstGeom prst="straightConnector1">
+            <a:avLst/>
+          </a:prstGeom>
+          <a:ln>
+            <a:tailEnd type="triangle"/>
+          </a:ln>
+        </p:spPr>
+        <p:style>
+          <a:lnRef idx="3">
+            <a:schemeClr val="dk1"/>
+          </a:lnRef>
+          <a:fillRef idx="0">
+            <a:schemeClr val="dk1"/>
+          </a:fillRef>
+          <a:effectRef idx="2">
+            <a:schemeClr val="dk1"/>
+          </a:effectRef>
+          <a:fontRef idx="minor">
+            <a:schemeClr val="tx1"/>
+          </a:fontRef>
+        </p:style>
+      </p:cxnSp>
+      <p:sp>
+        <p:nvSpPr>
+          <p:cNvPr id="9" name="Rectangle 8">
+            <a:extLst>
+              <a:ext uri="{FF2B5EF4-FFF2-40B4-BE49-F238E27FC236}">
+                <a16:creationId xmlns:a16="http://schemas.microsoft.com/office/drawing/2014/main" id="{AB0F8CD3-1930-9A44-832F-E9E45B0EC55B}"/>
+              </a:ext>
+            </a:extLst>
+          </p:cNvPr>
+          <p:cNvSpPr/>
+          <p:nvPr/>
+        </p:nvSpPr>
+        <p:spPr>
+          <a:xfrm>
+            <a:off x="4267200" y="3008622"/>
+            <a:ext cx="2107789" cy="1124564"/>
+          </a:xfrm>
+          <a:prstGeom prst="rect">
+            <a:avLst/>
+          </a:prstGeom>
+          <a:ln w="28575"/>
+        </p:spPr>
+        <p:style>
+          <a:lnRef idx="2">
+            <a:schemeClr val="accent1"/>
+          </a:lnRef>
+          <a:fillRef idx="1">
+            <a:schemeClr val="lt1"/>
+          </a:fillRef>
+          <a:effectRef idx="0">
+            <a:schemeClr val="accent1"/>
+          </a:effectRef>
+          <a:fontRef idx="minor">
+            <a:schemeClr val="dk1"/>
+          </a:fontRef>
+        </p:style>
+        <p:txBody>
+          <a:bodyPr rtlCol="0" anchor="ctr"/>
+          <a:lstStyle/>
+          <a:p>
+            <a:pPr algn="ctr"/>
+            <a:endParaRPr lang="en-US"/>
+          </a:p>
+        </p:txBody>
+      </p:sp>
+      <p:sp>
+        <p:nvSpPr>
+          <p:cNvPr id="10" name="TextBox 9">
+            <a:extLst>
+              <a:ext uri="{FF2B5EF4-FFF2-40B4-BE49-F238E27FC236}">
+                <a16:creationId xmlns:a16="http://schemas.microsoft.com/office/drawing/2014/main" id="{EB305F9B-5714-BB43-A4CE-9CF7204C233C}"/>
+              </a:ext>
+            </a:extLst>
+          </p:cNvPr>
+          <p:cNvSpPr txBox="1"/>
+          <p:nvPr/>
+        </p:nvSpPr>
+        <p:spPr>
+          <a:xfrm>
+            <a:off x="4386724" y="3380097"/>
+            <a:ext cx="1993491" cy="381622"/>
+          </a:xfrm>
+          <a:prstGeom prst="rect">
+            <a:avLst/>
+          </a:prstGeom>
+          <a:noFill/>
+        </p:spPr>
+        <p:txBody>
+          <a:bodyPr rot="0" spcFirstLastPara="0" vertOverflow="overflow" horzOverflow="overflow" vert="horz" wrap="square" lIns="91440" tIns="45720" rIns="91440" bIns="45720" numCol="1" spcCol="0" rtlCol="0" fromWordArt="0" anchor="t" anchorCtr="0" forceAA="0" compatLnSpc="1">
+            <a:prstTxWarp prst="textNoShape">
+              <a:avLst/>
+            </a:prstTxWarp>
+            <a:spAutoFit/>
+          </a:bodyPr>
+          <a:lstStyle/>
+          <a:p>
+            <a:r>
+              <a:rPr lang="en-US">
+                <a:cs typeface="Calibri"/>
+              </a:rPr>
+              <a:t>TotalUUXS function</a:t>
+            </a:r>
+          </a:p>
+        </p:txBody>
+      </p:sp>
+      <p:cxnSp>
+        <p:nvCxnSpPr>
+          <p:cNvPr id="11" name="Straight Arrow Connector 10">
+            <a:extLst>
+              <a:ext uri="{FF2B5EF4-FFF2-40B4-BE49-F238E27FC236}">
+                <a16:creationId xmlns:a16="http://schemas.microsoft.com/office/drawing/2014/main" id="{771E12D7-CA63-CE4E-B8A3-C86B5EA22235}"/>
+              </a:ext>
+            </a:extLst>
+          </p:cNvPr>
+          <p:cNvCxnSpPr>
+            <a:cxnSpLocks/>
+          </p:cNvCxnSpPr>
+          <p:nvPr/>
+        </p:nvCxnSpPr>
+        <p:spPr>
+          <a:xfrm>
+            <a:off x="6374989" y="3597180"/>
+            <a:ext cx="1027345" cy="0"/>
+          </a:xfrm>
+          <a:prstGeom prst="straightConnector1">
+            <a:avLst/>
+          </a:prstGeom>
+          <a:ln>
+            <a:tailEnd type="triangle"/>
+          </a:ln>
+        </p:spPr>
+        <p:style>
+          <a:lnRef idx="3">
+            <a:schemeClr val="dk1"/>
+          </a:lnRef>
+          <a:fillRef idx="0">
+            <a:schemeClr val="dk1"/>
+          </a:fillRef>
+          <a:effectRef idx="2">
+            <a:schemeClr val="dk1"/>
+          </a:effectRef>
+          <a:fontRef idx="minor">
+            <a:schemeClr val="tx1"/>
+          </a:fontRef>
+        </p:style>
+      </p:cxnSp>
+      <p:sp>
+        <p:nvSpPr>
+          <p:cNvPr id="12" name="Rectangle 11">
+            <a:extLst>
+              <a:ext uri="{FF2B5EF4-FFF2-40B4-BE49-F238E27FC236}">
+                <a16:creationId xmlns:a16="http://schemas.microsoft.com/office/drawing/2014/main" id="{C14314A6-9D59-AC43-B122-F49865658835}"/>
+              </a:ext>
+            </a:extLst>
+          </p:cNvPr>
+          <p:cNvSpPr/>
+          <p:nvPr/>
+        </p:nvSpPr>
+        <p:spPr>
+          <a:xfrm>
+            <a:off x="7402334" y="3046987"/>
+            <a:ext cx="1342273" cy="995282"/>
+          </a:xfrm>
+          <a:prstGeom prst="rect">
+            <a:avLst/>
+          </a:prstGeom>
+          <a:ln w="28575"/>
+        </p:spPr>
+        <p:style>
+          <a:lnRef idx="2">
+            <a:schemeClr val="accent1"/>
+          </a:lnRef>
+          <a:fillRef idx="1">
+            <a:schemeClr val="lt1"/>
+          </a:fillRef>
+          <a:effectRef idx="0">
+            <a:schemeClr val="accent1"/>
+          </a:effectRef>
+          <a:fontRef idx="minor">
+            <a:schemeClr val="dk1"/>
+          </a:fontRef>
+        </p:style>
+        <p:txBody>
+          <a:bodyPr rtlCol="0" anchor="ctr"/>
+          <a:lstStyle/>
+          <a:p>
+            <a:pPr algn="ctr"/>
+            <a:endParaRPr lang="en-US"/>
+          </a:p>
+        </p:txBody>
+      </p:sp>
+      <p:sp>
+        <p:nvSpPr>
+          <p:cNvPr id="13" name="TextBox 12">
+            <a:extLst>
+              <a:ext uri="{FF2B5EF4-FFF2-40B4-BE49-F238E27FC236}">
+                <a16:creationId xmlns:a16="http://schemas.microsoft.com/office/drawing/2014/main" id="{500CE5B8-7714-3740-B664-B21BAB1172F0}"/>
+              </a:ext>
+            </a:extLst>
+          </p:cNvPr>
+          <p:cNvSpPr txBox="1"/>
+          <p:nvPr/>
+        </p:nvSpPr>
+        <p:spPr>
+          <a:xfrm>
+            <a:off x="7753086" y="3368884"/>
+            <a:ext cx="841396" cy="381622"/>
+          </a:xfrm>
+          <a:prstGeom prst="rect">
+            <a:avLst/>
+          </a:prstGeom>
+          <a:noFill/>
+        </p:spPr>
+        <p:txBody>
+          <a:bodyPr rot="0" spcFirstLastPara="0" vertOverflow="overflow" horzOverflow="overflow" vert="horz" wrap="square" lIns="91440" tIns="45720" rIns="91440" bIns="45720" numCol="1" spcCol="0" rtlCol="0" fromWordArt="0" anchor="t" anchorCtr="0" forceAA="0" compatLnSpc="1">
+            <a:prstTxWarp prst="textNoShape">
+              <a:avLst/>
+            </a:prstTxWarp>
+            <a:spAutoFit/>
+          </a:bodyPr>
+          <a:lstStyle/>
+          <a:p>
+            <a:r>
+              <a:rPr lang="en-US" dirty="0">
+                <a:cs typeface="Calibri"/>
+              </a:rPr>
+              <a:t>Fs</a:t>
+            </a:r>
+          </a:p>
+        </p:txBody>
+      </p:sp>
+      <p:pic>
+        <p:nvPicPr>
+          <p:cNvPr id="14" name="Picture 13">
+            <a:extLst>
+              <a:ext uri="{FF2B5EF4-FFF2-40B4-BE49-F238E27FC236}">
+                <a16:creationId xmlns:a16="http://schemas.microsoft.com/office/drawing/2014/main" id="{8B22EAB4-204F-D34D-B91A-4AB26077154E}"/>
+              </a:ext>
+            </a:extLst>
+          </p:cNvPr>
+          <p:cNvPicPr>
+            <a:picLocks noChangeAspect="1"/>
+          </p:cNvPicPr>
+          <p:nvPr/>
+        </p:nvPicPr>
+        <p:blipFill>
+          <a:blip r:embed="rId3"/>
+          <a:stretch>
+            <a:fillRect/>
+          </a:stretch>
+        </p:blipFill>
+        <p:spPr>
+          <a:xfrm>
+            <a:off x="4323662" y="4295160"/>
+            <a:ext cx="6104327" cy="2388650"/>
+          </a:xfrm>
+          <a:prstGeom prst="rect">
+            <a:avLst/>
+          </a:prstGeom>
+        </p:spPr>
+      </p:pic>
+    </p:spTree>
+    <p:extLst>
+      <p:ext uri="{BB962C8B-B14F-4D97-AF65-F5344CB8AC3E}">
+        <p14:creationId xmlns:p14="http://schemas.microsoft.com/office/powerpoint/2010/main" val="4286475597"/>
+      </p:ext>
+    </p:extLst>
+  </p:cSld>
+  <p:clrMapOvr>
+    <a:masterClrMapping/>
+  </p:clrMapOvr>
+</p:sld>
+</file>
+
+<file path=ppt/slides/slide5.xml><?xml version="1.0" encoding="utf-8"?>
+<p:sld xmlns:a="http://schemas.openxmlformats.org/drawingml/2006/main" xmlns:r="http://schemas.openxmlformats.org/officeDocument/2006/relationships" xmlns:p="http://schemas.openxmlformats.org/presentationml/2006/main">
+  <p:cSld>
+    <p:spTree>
+      <p:nvGrpSpPr>
+        <p:cNvPr id="1" name=""/>
+        <p:cNvGrpSpPr/>
+        <p:nvPr/>
+      </p:nvGrpSpPr>
+      <p:grpSpPr>
+        <a:xfrm>
+          <a:off x="0" y="0"/>
+          <a:ext cx="0" cy="0"/>
+          <a:chOff x="0" y="0"/>
+          <a:chExt cx="0" cy="0"/>
+        </a:xfrm>
+      </p:grpSpPr>
+      <p:sp>
+        <p:nvSpPr>
+          <p:cNvPr id="2" name="Title 1">
+            <a:extLst>
+              <a:ext uri="{FF2B5EF4-FFF2-40B4-BE49-F238E27FC236}">
+                <a16:creationId xmlns:a16="http://schemas.microsoft.com/office/drawing/2014/main" id="{F0C4FEFE-85F4-CE40-9B85-849448083A7D}"/>
+              </a:ext>
+            </a:extLst>
+          </p:cNvPr>
+          <p:cNvSpPr>
+            <a:spLocks noGrp="1"/>
+          </p:cNvSpPr>
+          <p:nvPr>
+            <p:ph type="title"/>
+          </p:nvPr>
+        </p:nvSpPr>
+        <p:spPr/>
+        <p:txBody>
+          <a:bodyPr/>
+          <a:lstStyle/>
+          <a:p>
+            <a:r>
+              <a:rPr lang="en-US" dirty="0"/>
+              <a:t>Data</a:t>
+            </a:r>
+          </a:p>
+        </p:txBody>
+      </p:sp>
+      <p:sp>
+        <p:nvSpPr>
+          <p:cNvPr id="3" name="Content Placeholder 2">
+            <a:extLst>
+              <a:ext uri="{FF2B5EF4-FFF2-40B4-BE49-F238E27FC236}">
+                <a16:creationId xmlns:a16="http://schemas.microsoft.com/office/drawing/2014/main" id="{A776B2E7-2ED2-874D-9B5B-29CA64274207}"/>
+              </a:ext>
+            </a:extLst>
+          </p:cNvPr>
+          <p:cNvSpPr>
+            <a:spLocks noGrp="1"/>
+          </p:cNvSpPr>
+          <p:nvPr>
+            <p:ph idx="1"/>
+          </p:nvPr>
+        </p:nvSpPr>
+        <p:spPr/>
+        <p:txBody>
+          <a:bodyPr>
+            <a:normAutofit lnSpcReduction="10000"/>
+          </a:bodyPr>
+          <a:lstStyle/>
+          <a:p>
+            <a:r>
+              <a:rPr lang="en-US" dirty="0"/>
+              <a:t>The data we use has been generated and is not true, experimental data.</a:t>
+            </a:r>
+          </a:p>
+          <a:p>
+            <a:r>
+              <a:rPr lang="en-US" dirty="0"/>
+              <a:t>To generate this data, we choose several kinematic sets in a range similar to that for which we have experimental data. F1 and F2 are calculated as functions of t, the </a:t>
+            </a:r>
+            <a:r>
+              <a:rPr lang="en-US" dirty="0" err="1"/>
+              <a:t>dvcs</a:t>
+            </a:r>
+            <a:r>
+              <a:rPr lang="en-US" dirty="0"/>
+              <a:t> constant is added, and a range of phi is chosen.  The CFFs are produced as an arbitrary function of the kinematics.  Then, the </a:t>
+            </a:r>
+            <a:r>
+              <a:rPr lang="en-US" dirty="0" err="1"/>
+              <a:t>TotalUUXS</a:t>
+            </a:r>
+            <a:r>
+              <a:rPr lang="en-US" dirty="0"/>
+              <a:t> function is used to generate F values.  The error in F is chosen arbitrarily.  In the case of the sample data, it is simply 5% of the F value. </a:t>
+            </a:r>
+          </a:p>
+          <a:p>
+            <a:r>
+              <a:rPr lang="en-US" dirty="0"/>
+              <a:t>Our objective is to discover the relationship between the kinematics and CFFs</a:t>
+            </a:r>
+          </a:p>
+        </p:txBody>
+      </p:sp>
+    </p:spTree>
+    <p:extLst>
+      <p:ext uri="{BB962C8B-B14F-4D97-AF65-F5344CB8AC3E}">
+        <p14:creationId xmlns:p14="http://schemas.microsoft.com/office/powerpoint/2010/main" val="2322903782"/>
+      </p:ext>
+    </p:extLst>
+  </p:cSld>
+  <p:clrMapOvr>
+    <a:masterClrMapping/>
+  </p:clrMapOvr>
+</p:sld>
+</file>
+
+<file path=ppt/slides/slide6.xml><?xml version="1.0" encoding="utf-8"?>
+<p:sld xmlns:a="http://schemas.openxmlformats.org/drawingml/2006/main" xmlns:r="http://schemas.openxmlformats.org/officeDocument/2006/relationships" xmlns:p="http://schemas.openxmlformats.org/presentationml/2006/main">
+  <p:cSld>
+    <p:spTree>
+      <p:nvGrpSpPr>
+        <p:cNvPr id="1" name=""/>
+        <p:cNvGrpSpPr/>
+        <p:nvPr/>
+      </p:nvGrpSpPr>
+      <p:grpSpPr>
+        <a:xfrm>
+          <a:off x="0" y="0"/>
+          <a:ext cx="0" cy="0"/>
+          <a:chOff x="0" y="0"/>
+          <a:chExt cx="0" cy="0"/>
+        </a:xfrm>
+      </p:grpSpPr>
+      <p:sp>
+        <p:nvSpPr>
+          <p:cNvPr id="2" name="Title 1">
+            <a:extLst>
+              <a:ext uri="{FF2B5EF4-FFF2-40B4-BE49-F238E27FC236}">
+                <a16:creationId xmlns:a16="http://schemas.microsoft.com/office/drawing/2014/main" id="{D30A35E4-5088-4C4B-93A5-833EE517D854}"/>
+              </a:ext>
+            </a:extLst>
+          </p:cNvPr>
+          <p:cNvSpPr>
+            <a:spLocks noGrp="1"/>
+          </p:cNvSpPr>
+          <p:nvPr>
+            <p:ph type="title"/>
+          </p:nvPr>
+        </p:nvSpPr>
+        <p:spPr/>
+        <p:txBody>
+          <a:bodyPr/>
+          <a:lstStyle/>
+          <a:p>
+            <a:r>
+              <a:rPr lang="en-US" dirty="0"/>
+              <a:t>Objective</a:t>
+            </a:r>
+          </a:p>
+        </p:txBody>
+      </p:sp>
+      <p:sp>
+        <p:nvSpPr>
+          <p:cNvPr id="3" name="Content Placeholder 2">
+            <a:extLst>
+              <a:ext uri="{FF2B5EF4-FFF2-40B4-BE49-F238E27FC236}">
+                <a16:creationId xmlns:a16="http://schemas.microsoft.com/office/drawing/2014/main" id="{25E6F535-1406-5D4D-954F-06C016CA0A4E}"/>
+              </a:ext>
+            </a:extLst>
+          </p:cNvPr>
+          <p:cNvSpPr>
+            <a:spLocks noGrp="1"/>
+          </p:cNvSpPr>
+          <p:nvPr>
+            <p:ph idx="1"/>
+          </p:nvPr>
+        </p:nvSpPr>
+        <p:spPr>
+          <a:xfrm>
+            <a:off x="838200" y="1825625"/>
+            <a:ext cx="10515600" cy="4351338"/>
+          </a:xfrm>
+        </p:spPr>
+        <p:txBody>
+          <a:bodyPr>
+            <a:normAutofit fontScale="85000" lnSpcReduction="20000"/>
+          </a:bodyPr>
+          <a:lstStyle/>
+          <a:p>
+            <a:r>
+              <a:rPr lang="en-US" dirty="0"/>
+              <a:t>Our objective is to accurately predict the CFFs as a function of the kinematics, while realistically representing uncertainty.</a:t>
+            </a:r>
+          </a:p>
+          <a:p>
+            <a:r>
+              <a:rPr lang="en-US" dirty="0"/>
+              <a:t>This can be accomplished two ways – either a local fit or a global fit. </a:t>
+            </a:r>
+          </a:p>
+          <a:p>
+            <a:r>
+              <a:rPr lang="en-US" dirty="0"/>
+              <a:t>A local fit optimizes the Compton form factors for a specific kinematic set.  It cannot, however, tell us the relationship between the kinematics and the Compton form factors.  Methods 1 and 2 in these slide are examples of local fits.</a:t>
+            </a:r>
+          </a:p>
+          <a:p>
+            <a:r>
+              <a:rPr lang="en-US" dirty="0"/>
+              <a:t>A global fit predicts the Compton form factors as a function of the kinematics.  Because we cannot observe the Compton form factors, a local fit needs to be performed first, and then a model can be trained on the results of that fit (Method 4). Alternatively, a model can output Compton form factors but compute the loss with F (Method 5).</a:t>
+            </a:r>
+          </a:p>
+          <a:p>
+            <a:r>
+              <a:rPr lang="en-US" dirty="0"/>
+              <a:t>Everything described here needs to be repeated on multiple replica sets so that uncertainty can be properly estimated.</a:t>
+            </a:r>
+          </a:p>
+          <a:p>
+            <a:endParaRPr lang="en-US" dirty="0"/>
+          </a:p>
+        </p:txBody>
+      </p:sp>
+    </p:spTree>
+    <p:extLst>
+      <p:ext uri="{BB962C8B-B14F-4D97-AF65-F5344CB8AC3E}">
+        <p14:creationId xmlns:p14="http://schemas.microsoft.com/office/powerpoint/2010/main" val="346787197"/>
+      </p:ext>
+    </p:extLst>
+  </p:cSld>
+  <p:clrMapOvr>
+    <a:masterClrMapping/>
+  </p:clrMapOvr>
+</p:sld>
+</file>
+
+<file path=ppt/slides/slide7.xml><?xml version="1.0" encoding="utf-8"?>
+<p:sld xmlns:a="http://schemas.openxmlformats.org/drawingml/2006/main" xmlns:r="http://schemas.openxmlformats.org/officeDocument/2006/relationships" xmlns:p="http://schemas.openxmlformats.org/presentationml/2006/main">
+  <p:cSld>
+    <p:spTree>
+      <p:nvGrpSpPr>
+        <p:cNvPr id="1" name=""/>
+        <p:cNvGrpSpPr/>
+        <p:nvPr/>
+      </p:nvGrpSpPr>
+      <p:grpSpPr>
+        <a:xfrm>
+          <a:off x="0" y="0"/>
+          <a:ext cx="0" cy="0"/>
+          <a:chOff x="0" y="0"/>
+          <a:chExt cx="0" cy="0"/>
+        </a:xfrm>
+      </p:grpSpPr>
+      <p:sp>
+        <p:nvSpPr>
+          <p:cNvPr id="2" name="Title 1">
+            <a:extLst>
+              <a:ext uri="{FF2B5EF4-FFF2-40B4-BE49-F238E27FC236}">
+                <a16:creationId xmlns:a16="http://schemas.microsoft.com/office/drawing/2014/main" id="{00298C30-0BA9-4FAE-8BE8-687183FD791E}"/>
+              </a:ext>
+            </a:extLst>
+          </p:cNvPr>
+          <p:cNvSpPr>
+            <a:spLocks noGrp="1"/>
+          </p:cNvSpPr>
+          <p:nvPr>
+            <p:ph type="title"/>
+          </p:nvPr>
+        </p:nvSpPr>
+        <p:spPr/>
+        <p:txBody>
+          <a:bodyPr/>
+          <a:lstStyle/>
+          <a:p>
+            <a:r>
+              <a:rPr lang="en-US">
+                <a:cs typeface="Calibri Light"/>
+              </a:rPr>
+              <a:t>Method 1: Default SciPy Optimizer</a:t>
+            </a:r>
+            <a:endParaRPr lang="en-US"/>
+          </a:p>
+        </p:txBody>
+      </p:sp>
+      <p:sp>
+        <p:nvSpPr>
+          <p:cNvPr id="3" name="Content Placeholder 2">
+            <a:extLst>
+              <a:ext uri="{FF2B5EF4-FFF2-40B4-BE49-F238E27FC236}">
+                <a16:creationId xmlns:a16="http://schemas.microsoft.com/office/drawing/2014/main" id="{0851E795-9C8D-42D3-9DB0-D8166127FC50}"/>
+              </a:ext>
+            </a:extLst>
+          </p:cNvPr>
+          <p:cNvSpPr>
+            <a:spLocks noGrp="1"/>
+          </p:cNvSpPr>
+          <p:nvPr>
+            <p:ph idx="1"/>
+          </p:nvPr>
+        </p:nvSpPr>
+        <p:spPr>
+          <a:xfrm>
+            <a:off x="838200" y="1456916"/>
+            <a:ext cx="10515600" cy="4351338"/>
+          </a:xfrm>
+        </p:spPr>
+        <p:txBody>
+          <a:bodyPr vert="horz" lIns="91440" tIns="45720" rIns="91440" bIns="45720" rtlCol="0" anchor="t">
+            <a:normAutofit/>
+          </a:bodyPr>
+          <a:lstStyle/>
+          <a:p>
+            <a:r>
+              <a:rPr lang="en-US">
+                <a:cs typeface="Calibri"/>
+              </a:rPr>
+              <a:t>Fit three CFFs directly with an optimizer. Everything here is from a single kinematic set.  The implementation can be found in a notebook called "Method1.ipynb"</a:t>
+            </a:r>
+            <a:endParaRPr lang="en-US"/>
+          </a:p>
+        </p:txBody>
+      </p:sp>
+      <p:sp>
+        <p:nvSpPr>
+          <p:cNvPr id="4" name="Rectangle 3">
+            <a:extLst>
+              <a:ext uri="{FF2B5EF4-FFF2-40B4-BE49-F238E27FC236}">
+                <a16:creationId xmlns:a16="http://schemas.microsoft.com/office/drawing/2014/main" id="{F2216985-3EA3-4A8B-BFB0-98DEACE2EFA3}"/>
+              </a:ext>
+            </a:extLst>
+          </p:cNvPr>
+          <p:cNvSpPr/>
+          <p:nvPr/>
+        </p:nvSpPr>
+        <p:spPr>
+          <a:xfrm>
+            <a:off x="5061154" y="4508089"/>
+            <a:ext cx="2107789" cy="1124564"/>
+          </a:xfrm>
+          <a:prstGeom prst="rect">
+            <a:avLst/>
+          </a:prstGeom>
+          <a:ln w="28575"/>
+        </p:spPr>
+        <p:style>
+          <a:lnRef idx="2">
+            <a:schemeClr val="accent1"/>
+          </a:lnRef>
+          <a:fillRef idx="1">
+            <a:schemeClr val="lt1"/>
+          </a:fillRef>
+          <a:effectRef idx="0">
+            <a:schemeClr val="accent1"/>
+          </a:effectRef>
+          <a:fontRef idx="minor">
+            <a:schemeClr val="dk1"/>
+          </a:fontRef>
+        </p:style>
+        <p:txBody>
+          <a:bodyPr rtlCol="0" anchor="ctr"/>
+          <a:lstStyle/>
+          <a:p>
+            <a:pPr algn="ctr"/>
+            <a:endParaRPr lang="en-US"/>
+          </a:p>
+        </p:txBody>
+      </p:sp>
+      <p:sp>
+        <p:nvSpPr>
+          <p:cNvPr id="5" name="TextBox 4">
+            <a:extLst>
+              <a:ext uri="{FF2B5EF4-FFF2-40B4-BE49-F238E27FC236}">
+                <a16:creationId xmlns:a16="http://schemas.microsoft.com/office/drawing/2014/main" id="{4E7F7E80-EEED-4D98-A5A6-5A92C4DD583A}"/>
+              </a:ext>
+            </a:extLst>
+          </p:cNvPr>
+          <p:cNvSpPr txBox="1"/>
+          <p:nvPr/>
+        </p:nvSpPr>
+        <p:spPr>
+          <a:xfrm>
+            <a:off x="5180678" y="4879564"/>
+            <a:ext cx="1993491" cy="381622"/>
+          </a:xfrm>
+          <a:prstGeom prst="rect">
+            <a:avLst/>
+          </a:prstGeom>
+          <a:noFill/>
+        </p:spPr>
+        <p:txBody>
+          <a:bodyPr rot="0" spcFirstLastPara="0" vertOverflow="overflow" horzOverflow="overflow" vert="horz" wrap="square" lIns="91440" tIns="45720" rIns="91440" bIns="45720" numCol="1" spcCol="0" rtlCol="0" fromWordArt="0" anchor="t" anchorCtr="0" forceAA="0" compatLnSpc="1">
+            <a:prstTxWarp prst="textNoShape">
+              <a:avLst/>
+            </a:prstTxWarp>
+            <a:spAutoFit/>
+          </a:bodyPr>
+          <a:lstStyle/>
+          <a:p>
+            <a:r>
+              <a:rPr lang="en-US">
+                <a:cs typeface="Calibri"/>
+              </a:rPr>
+              <a:t>TotalUUXS function</a:t>
+            </a:r>
+          </a:p>
+        </p:txBody>
+      </p:sp>
+      <p:sp>
+        <p:nvSpPr>
+          <p:cNvPr id="6" name="Rectangle 5">
+            <a:extLst>
+              <a:ext uri="{FF2B5EF4-FFF2-40B4-BE49-F238E27FC236}">
+                <a16:creationId xmlns:a16="http://schemas.microsoft.com/office/drawing/2014/main" id="{6BBB87DE-E68A-46CF-9684-A3D78C3C1F2F}"/>
+              </a:ext>
+            </a:extLst>
+          </p:cNvPr>
+          <p:cNvSpPr/>
+          <p:nvPr/>
+        </p:nvSpPr>
+        <p:spPr>
+          <a:xfrm>
+            <a:off x="2019299" y="5300814"/>
+            <a:ext cx="2107789" cy="1124564"/>
+          </a:xfrm>
+          <a:prstGeom prst="rect">
+            <a:avLst/>
+          </a:prstGeom>
+          <a:ln w="28575"/>
+        </p:spPr>
+        <p:style>
+          <a:lnRef idx="2">
+            <a:schemeClr val="accent1"/>
+          </a:lnRef>
+          <a:fillRef idx="1">
+            <a:schemeClr val="lt1"/>
+          </a:fillRef>
+          <a:effectRef idx="0">
+            <a:schemeClr val="accent1"/>
+          </a:effectRef>
+          <a:fontRef idx="minor">
+            <a:schemeClr val="dk1"/>
+          </a:fontRef>
+        </p:style>
+        <p:txBody>
+          <a:bodyPr rtlCol="0" anchor="ctr"/>
+          <a:lstStyle/>
+          <a:p>
+            <a:pPr algn="ctr"/>
+            <a:endParaRPr lang="en-US"/>
+          </a:p>
+        </p:txBody>
+      </p:sp>
+      <p:sp>
+        <p:nvSpPr>
+          <p:cNvPr id="7" name="TextBox 6">
+            <a:extLst>
+              <a:ext uri="{FF2B5EF4-FFF2-40B4-BE49-F238E27FC236}">
+                <a16:creationId xmlns:a16="http://schemas.microsoft.com/office/drawing/2014/main" id="{38F81BBA-403D-42CC-AEF0-B8C8F1A66819}"/>
+              </a:ext>
+            </a:extLst>
+          </p:cNvPr>
+          <p:cNvSpPr txBox="1"/>
+          <p:nvPr/>
+        </p:nvSpPr>
+        <p:spPr>
+          <a:xfrm>
+            <a:off x="2138823" y="5573966"/>
+            <a:ext cx="1993491" cy="646331"/>
+          </a:xfrm>
+          <a:prstGeom prst="rect">
+            <a:avLst/>
+          </a:prstGeom>
+          <a:noFill/>
+        </p:spPr>
+        <p:txBody>
+          <a:bodyPr rot="0" spcFirstLastPara="0" vertOverflow="overflow" horzOverflow="overflow" vert="horz" wrap="square" lIns="91440" tIns="45720" rIns="91440" bIns="45720" numCol="1" spcCol="0" rtlCol="0" fromWordArt="0" anchor="t" anchorCtr="0" forceAA="0" compatLnSpc="1">
+            <a:prstTxWarp prst="textNoShape">
+              <a:avLst/>
+            </a:prstTxWarp>
+            <a:spAutoFit/>
+          </a:bodyPr>
+          <a:lstStyle/>
+          <a:p>
+            <a:r>
+              <a:rPr lang="en-US">
+                <a:cs typeface="Calibri"/>
+              </a:rPr>
+              <a:t>Compton Form Factors</a:t>
+            </a:r>
+            <a:endParaRPr lang="en-US"/>
+          </a:p>
+        </p:txBody>
+      </p:sp>
+      <p:sp>
+        <p:nvSpPr>
+          <p:cNvPr id="8" name="Rectangle 7">
+            <a:extLst>
+              <a:ext uri="{FF2B5EF4-FFF2-40B4-BE49-F238E27FC236}">
+                <a16:creationId xmlns:a16="http://schemas.microsoft.com/office/drawing/2014/main" id="{92336618-E939-4C3B-9EBA-B6C193E12F41}"/>
+              </a:ext>
+            </a:extLst>
+          </p:cNvPr>
+          <p:cNvSpPr/>
+          <p:nvPr/>
+        </p:nvSpPr>
+        <p:spPr>
+          <a:xfrm>
+            <a:off x="2025445" y="4028766"/>
+            <a:ext cx="2107789" cy="1124564"/>
+          </a:xfrm>
+          <a:prstGeom prst="rect">
+            <a:avLst/>
+          </a:prstGeom>
+          <a:ln w="28575"/>
+        </p:spPr>
+        <p:style>
+          <a:lnRef idx="2">
+            <a:schemeClr val="accent1"/>
+          </a:lnRef>
+          <a:fillRef idx="1">
+            <a:schemeClr val="lt1"/>
+          </a:fillRef>
+          <a:effectRef idx="0">
+            <a:schemeClr val="accent1"/>
+          </a:effectRef>
+          <a:fontRef idx="minor">
+            <a:schemeClr val="dk1"/>
+          </a:fontRef>
+        </p:style>
+        <p:txBody>
+          <a:bodyPr rtlCol="0" anchor="ctr"/>
+          <a:lstStyle/>
+          <a:p>
+            <a:pPr algn="ctr"/>
+            <a:endParaRPr lang="en-US"/>
+          </a:p>
+        </p:txBody>
+      </p:sp>
+      <p:sp>
+        <p:nvSpPr>
+          <p:cNvPr id="9" name="TextBox 8">
+            <a:extLst>
+              <a:ext uri="{FF2B5EF4-FFF2-40B4-BE49-F238E27FC236}">
+                <a16:creationId xmlns:a16="http://schemas.microsoft.com/office/drawing/2014/main" id="{7262E233-F208-466C-82AA-13001518C07E}"/>
+              </a:ext>
+            </a:extLst>
+          </p:cNvPr>
+          <p:cNvSpPr txBox="1"/>
+          <p:nvPr/>
+        </p:nvSpPr>
+        <p:spPr>
+          <a:xfrm>
+            <a:off x="2144969" y="4320354"/>
+            <a:ext cx="1993491" cy="646331"/>
+          </a:xfrm>
+          <a:prstGeom prst="rect">
+            <a:avLst/>
+          </a:prstGeom>
+          <a:noFill/>
+        </p:spPr>
+        <p:txBody>
+          <a:bodyPr rot="0" spcFirstLastPara="0" vertOverflow="overflow" horzOverflow="overflow" vert="horz" wrap="square" lIns="91440" tIns="45720" rIns="91440" bIns="45720" numCol="1" spcCol="0" rtlCol="0" fromWordArt="0" anchor="t" anchorCtr="0" forceAA="0" compatLnSpc="1">
+            <a:prstTxWarp prst="textNoShape">
+              <a:avLst/>
+            </a:prstTxWarp>
+            <a:spAutoFit/>
+          </a:bodyPr>
+          <a:lstStyle/>
+          <a:p>
+            <a:r>
+              <a:rPr lang="en-US" dirty="0">
+                <a:cs typeface="Calibri"/>
+              </a:rPr>
+              <a:t>k, QQ, </a:t>
+            </a:r>
+            <a:r>
+              <a:rPr lang="en-US" dirty="0" err="1">
+                <a:cs typeface="Calibri"/>
+              </a:rPr>
+              <a:t>x_b</a:t>
+            </a:r>
+            <a:r>
+              <a:rPr lang="en-US" dirty="0">
+                <a:cs typeface="Calibri"/>
+              </a:rPr>
+              <a:t>, t, F1, F2, </a:t>
+            </a:r>
+            <a:r>
+              <a:rPr lang="en-US" dirty="0" err="1">
+                <a:cs typeface="Calibri"/>
+              </a:rPr>
+              <a:t>dvcs</a:t>
+            </a:r>
+            <a:r>
+              <a:rPr lang="en-US" dirty="0">
+                <a:cs typeface="Calibri"/>
+              </a:rPr>
+              <a:t> </a:t>
+            </a:r>
+            <a:r>
+              <a:rPr lang="en-US" dirty="0" err="1">
+                <a:cs typeface="Calibri"/>
+              </a:rPr>
+              <a:t>const</a:t>
+            </a:r>
+            <a:r>
+              <a:rPr lang="en-US" dirty="0">
+                <a:cs typeface="Calibri"/>
+              </a:rPr>
+              <a:t>, phi</a:t>
+            </a:r>
+          </a:p>
+        </p:txBody>
+      </p:sp>
+      <p:sp>
+        <p:nvSpPr>
+          <p:cNvPr id="10" name="Rectangle 9">
+            <a:extLst>
+              <a:ext uri="{FF2B5EF4-FFF2-40B4-BE49-F238E27FC236}">
+                <a16:creationId xmlns:a16="http://schemas.microsoft.com/office/drawing/2014/main" id="{49575B47-227F-4F13-998D-F156B107A28C}"/>
+              </a:ext>
+            </a:extLst>
+          </p:cNvPr>
+          <p:cNvSpPr/>
+          <p:nvPr/>
+        </p:nvSpPr>
+        <p:spPr>
+          <a:xfrm>
+            <a:off x="8545460" y="4096361"/>
+            <a:ext cx="2107789" cy="977081"/>
+          </a:xfrm>
+          <a:prstGeom prst="rect">
+            <a:avLst/>
+          </a:prstGeom>
+          <a:ln w="28575"/>
+        </p:spPr>
+        <p:style>
+          <a:lnRef idx="2">
+            <a:schemeClr val="accent1"/>
+          </a:lnRef>
+          <a:fillRef idx="1">
+            <a:schemeClr val="lt1"/>
+          </a:fillRef>
+          <a:effectRef idx="0">
+            <a:schemeClr val="accent1"/>
+          </a:effectRef>
+          <a:fontRef idx="minor">
+            <a:schemeClr val="dk1"/>
+          </a:fontRef>
+        </p:style>
+        <p:txBody>
+          <a:bodyPr rtlCol="0" anchor="ctr"/>
+          <a:lstStyle/>
+          <a:p>
+            <a:pPr algn="ctr"/>
+            <a:endParaRPr lang="en-US"/>
+          </a:p>
+        </p:txBody>
+      </p:sp>
+      <p:sp>
+        <p:nvSpPr>
+          <p:cNvPr id="11" name="TextBox 10">
+            <a:extLst>
+              <a:ext uri="{FF2B5EF4-FFF2-40B4-BE49-F238E27FC236}">
+                <a16:creationId xmlns:a16="http://schemas.microsoft.com/office/drawing/2014/main" id="{5911B108-6AFB-4923-AC7B-32E6E59CBBD0}"/>
+              </a:ext>
+            </a:extLst>
+          </p:cNvPr>
+          <p:cNvSpPr txBox="1"/>
+          <p:nvPr/>
+        </p:nvSpPr>
+        <p:spPr>
+          <a:xfrm>
+            <a:off x="9027549" y="4406385"/>
+            <a:ext cx="1268362" cy="369332"/>
+          </a:xfrm>
+          <a:prstGeom prst="rect">
+            <a:avLst/>
+          </a:prstGeom>
+          <a:noFill/>
+        </p:spPr>
+        <p:txBody>
+          <a:bodyPr rot="0" spcFirstLastPara="0" vertOverflow="overflow" horzOverflow="overflow" vert="horz" wrap="square" lIns="91440" tIns="45720" rIns="91440" bIns="45720" numCol="1" spcCol="0" rtlCol="0" fromWordArt="0" anchor="t" anchorCtr="0" forceAA="0" compatLnSpc="1">
+            <a:prstTxWarp prst="textNoShape">
+              <a:avLst/>
+            </a:prstTxWarp>
+            <a:spAutoFit/>
+          </a:bodyPr>
+          <a:lstStyle/>
+          <a:p>
+            <a:r>
+              <a:rPr lang="en-US">
+                <a:cs typeface="Calibri"/>
+              </a:rPr>
+              <a:t>Optimizer</a:t>
+            </a:r>
+          </a:p>
+        </p:txBody>
+      </p:sp>
+      <p:sp>
+        <p:nvSpPr>
+          <p:cNvPr id="12" name="Rectangle 11">
+            <a:extLst>
+              <a:ext uri="{FF2B5EF4-FFF2-40B4-BE49-F238E27FC236}">
+                <a16:creationId xmlns:a16="http://schemas.microsoft.com/office/drawing/2014/main" id="{153B8666-8B52-4089-B5D4-BA96673051E4}"/>
+              </a:ext>
+            </a:extLst>
+          </p:cNvPr>
+          <p:cNvSpPr/>
+          <p:nvPr/>
+        </p:nvSpPr>
+        <p:spPr>
+          <a:xfrm>
+            <a:off x="2056170" y="2996377"/>
+            <a:ext cx="2120079" cy="841887"/>
+          </a:xfrm>
+          <a:prstGeom prst="rect">
+            <a:avLst/>
+          </a:prstGeom>
+          <a:ln w="28575"/>
+        </p:spPr>
+        <p:style>
+          <a:lnRef idx="2">
+            <a:schemeClr val="accent1"/>
+          </a:lnRef>
+          <a:fillRef idx="1">
+            <a:schemeClr val="lt1"/>
+          </a:fillRef>
+          <a:effectRef idx="0">
+            <a:schemeClr val="accent1"/>
+          </a:effectRef>
+          <a:fontRef idx="minor">
+            <a:schemeClr val="dk1"/>
+          </a:fontRef>
+        </p:style>
+        <p:txBody>
+          <a:bodyPr rtlCol="0" anchor="ctr"/>
+          <a:lstStyle/>
+          <a:p>
+            <a:pPr algn="ctr"/>
+            <a:endParaRPr lang="en-US"/>
+          </a:p>
+        </p:txBody>
+      </p:sp>
+      <p:sp>
+        <p:nvSpPr>
+          <p:cNvPr id="13" name="TextBox 12">
+            <a:extLst>
+              <a:ext uri="{FF2B5EF4-FFF2-40B4-BE49-F238E27FC236}">
+                <a16:creationId xmlns:a16="http://schemas.microsoft.com/office/drawing/2014/main" id="{95482501-B546-4A76-81D2-E07AF57A72F5}"/>
+              </a:ext>
+            </a:extLst>
+          </p:cNvPr>
+          <p:cNvSpPr txBox="1"/>
+          <p:nvPr/>
+        </p:nvSpPr>
+        <p:spPr>
+          <a:xfrm>
+            <a:off x="2568984" y="3232658"/>
+            <a:ext cx="1274507" cy="369332"/>
+          </a:xfrm>
+          <a:prstGeom prst="rect">
+            <a:avLst/>
+          </a:prstGeom>
+          <a:noFill/>
+        </p:spPr>
+        <p:txBody>
+          <a:bodyPr rot="0" spcFirstLastPara="0" vertOverflow="overflow" horzOverflow="overflow" vert="horz" wrap="square" lIns="91440" tIns="45720" rIns="91440" bIns="45720" numCol="1" spcCol="0" rtlCol="0" fromWordArt="0" anchor="t" anchorCtr="0" forceAA="0" compatLnSpc="1">
+            <a:prstTxWarp prst="textNoShape">
+              <a:avLst/>
+            </a:prstTxWarp>
+            <a:spAutoFit/>
+          </a:bodyPr>
+          <a:lstStyle/>
+          <a:p>
+            <a:r>
+              <a:rPr lang="en-US">
+                <a:cs typeface="Calibri"/>
+              </a:rPr>
+              <a:t>F values</a:t>
+            </a:r>
+            <a:endParaRPr lang="en-US"/>
+          </a:p>
+        </p:txBody>
+      </p:sp>
+      <p:cxnSp>
+        <p:nvCxnSpPr>
+          <p:cNvPr id="14" name="Straight Arrow Connector 13">
+            <a:extLst>
+              <a:ext uri="{FF2B5EF4-FFF2-40B4-BE49-F238E27FC236}">
+                <a16:creationId xmlns:a16="http://schemas.microsoft.com/office/drawing/2014/main" id="{AB94442E-F353-42A2-BABC-C3FE714ED59C}"/>
+              </a:ext>
+            </a:extLst>
+          </p:cNvPr>
+          <p:cNvCxnSpPr/>
+          <p:nvPr/>
+        </p:nvCxnSpPr>
+        <p:spPr>
+          <a:xfrm>
+            <a:off x="4191615" y="4548031"/>
+            <a:ext cx="809933" cy="428934"/>
+          </a:xfrm>
+          <a:prstGeom prst="straightConnector1">
+            <a:avLst/>
+          </a:prstGeom>
+          <a:ln>
+            <a:tailEnd type="triangle"/>
+          </a:ln>
+        </p:spPr>
+        <p:style>
+          <a:lnRef idx="3">
+            <a:schemeClr val="dk1"/>
+          </a:lnRef>
+          <a:fillRef idx="0">
+            <a:schemeClr val="dk1"/>
+          </a:fillRef>
+          <a:effectRef idx="2">
+            <a:schemeClr val="dk1"/>
+          </a:effectRef>
+          <a:fontRef idx="minor">
+            <a:schemeClr val="tx1"/>
+          </a:fontRef>
+        </p:style>
+      </p:cxnSp>
+      <p:cxnSp>
+        <p:nvCxnSpPr>
+          <p:cNvPr id="15" name="Straight Arrow Connector 14">
+            <a:extLst>
+              <a:ext uri="{FF2B5EF4-FFF2-40B4-BE49-F238E27FC236}">
+                <a16:creationId xmlns:a16="http://schemas.microsoft.com/office/drawing/2014/main" id="{72FFF46B-14E6-4322-B647-F8EEE26D74BF}"/>
+              </a:ext>
+            </a:extLst>
+          </p:cNvPr>
+          <p:cNvCxnSpPr>
+            <a:cxnSpLocks/>
+          </p:cNvCxnSpPr>
+          <p:nvPr/>
+        </p:nvCxnSpPr>
+        <p:spPr>
+          <a:xfrm flipV="1">
+            <a:off x="4197760" y="5204335"/>
+            <a:ext cx="791497" cy="701776"/>
+          </a:xfrm>
+          <a:prstGeom prst="straightConnector1">
+            <a:avLst/>
+          </a:prstGeom>
+          <a:ln>
+            <a:tailEnd type="triangle"/>
+          </a:ln>
+        </p:spPr>
+        <p:style>
+          <a:lnRef idx="3">
+            <a:schemeClr val="dk1"/>
+          </a:lnRef>
+          <a:fillRef idx="0">
+            <a:schemeClr val="dk1"/>
+          </a:fillRef>
+          <a:effectRef idx="2">
+            <a:schemeClr val="dk1"/>
+          </a:effectRef>
+          <a:fontRef idx="minor">
+            <a:schemeClr val="tx1"/>
+          </a:fontRef>
+        </p:style>
+      </p:cxnSp>
+      <p:cxnSp>
+        <p:nvCxnSpPr>
+          <p:cNvPr id="16" name="Straight Arrow Connector 15">
+            <a:extLst>
+              <a:ext uri="{FF2B5EF4-FFF2-40B4-BE49-F238E27FC236}">
+                <a16:creationId xmlns:a16="http://schemas.microsoft.com/office/drawing/2014/main" id="{1D588EDE-D409-46A1-A9B7-BD411EF3E565}"/>
+              </a:ext>
+            </a:extLst>
+          </p:cNvPr>
+          <p:cNvCxnSpPr>
+            <a:cxnSpLocks/>
+          </p:cNvCxnSpPr>
+          <p:nvPr/>
+        </p:nvCxnSpPr>
+        <p:spPr>
+          <a:xfrm flipV="1">
+            <a:off x="7258050" y="4688141"/>
+            <a:ext cx="1197077" cy="714066"/>
+          </a:xfrm>
+          <a:prstGeom prst="straightConnector1">
+            <a:avLst/>
+          </a:prstGeom>
+          <a:ln>
+            <a:tailEnd type="triangle"/>
+          </a:ln>
+        </p:spPr>
+        <p:style>
+          <a:lnRef idx="3">
+            <a:schemeClr val="dk1"/>
+          </a:lnRef>
+          <a:fillRef idx="0">
+            <a:schemeClr val="dk1"/>
+          </a:fillRef>
+          <a:effectRef idx="2">
+            <a:schemeClr val="dk1"/>
+          </a:effectRef>
+          <a:fontRef idx="minor">
+            <a:schemeClr val="tx1"/>
+          </a:fontRef>
+        </p:style>
+      </p:cxnSp>
+      <p:cxnSp>
+        <p:nvCxnSpPr>
+          <p:cNvPr id="17" name="Straight Arrow Connector 16">
+            <a:extLst>
+              <a:ext uri="{FF2B5EF4-FFF2-40B4-BE49-F238E27FC236}">
+                <a16:creationId xmlns:a16="http://schemas.microsoft.com/office/drawing/2014/main" id="{C9EBB06E-3377-4FC9-A4C4-B9FF9CD25E34}"/>
+              </a:ext>
+            </a:extLst>
+          </p:cNvPr>
+          <p:cNvCxnSpPr>
+            <a:cxnSpLocks/>
+          </p:cNvCxnSpPr>
+          <p:nvPr/>
+        </p:nvCxnSpPr>
+        <p:spPr>
+          <a:xfrm>
+            <a:off x="4265356" y="3515642"/>
+            <a:ext cx="4202061" cy="981998"/>
+          </a:xfrm>
+          <a:prstGeom prst="straightConnector1">
+            <a:avLst/>
+          </a:prstGeom>
+          <a:ln>
+            <a:tailEnd type="triangle"/>
+          </a:ln>
+        </p:spPr>
+        <p:style>
+          <a:lnRef idx="3">
+            <a:schemeClr val="dk1"/>
+          </a:lnRef>
+          <a:fillRef idx="0">
+            <a:schemeClr val="dk1"/>
+          </a:fillRef>
+          <a:effectRef idx="2">
+            <a:schemeClr val="dk1"/>
+          </a:effectRef>
+          <a:fontRef idx="minor">
+            <a:schemeClr val="tx1"/>
+          </a:fontRef>
+        </p:style>
+      </p:cxnSp>
+      <mc:AlternateContent xmlns:mc="http://schemas.openxmlformats.org/markup-compatibility/2006" xmlns:p14="http://schemas.microsoft.com/office/powerpoint/2010/main">
+        <mc:Choice Requires="p14">
+          <p:contentPart p14:bwMode="auto" r:id="rId2">
+            <p14:nvContentPartPr>
+              <p14:cNvPr id="23" name="Ink 22">
+                <a:extLst>
+                  <a:ext uri="{FF2B5EF4-FFF2-40B4-BE49-F238E27FC236}">
+                    <a16:creationId xmlns:a16="http://schemas.microsoft.com/office/drawing/2014/main" id="{D9ADD24A-1A4C-4A8E-AB46-C1D3298C6814}"/>
+                  </a:ext>
+                </a:extLst>
+              </p14:cNvPr>
+              <p14:cNvContentPartPr/>
+              <p14:nvPr/>
+            </p14:nvContentPartPr>
+            <p14:xfrm>
+              <a:off x="4299723" y="5179362"/>
+              <a:ext cx="5286375" cy="1095375"/>
+            </p14:xfrm>
+          </p:contentPart>
+        </mc:Choice>
+        <mc:Fallback xmlns="">
+          <p:pic>
+            <p:nvPicPr>
+              <p:cNvPr id="23" name="Ink 22">
+                <a:extLst>
+                  <a:ext uri="{FF2B5EF4-FFF2-40B4-BE49-F238E27FC236}">
+                    <a16:creationId xmlns:a16="http://schemas.microsoft.com/office/drawing/2014/main" id="{D9ADD24A-1A4C-4A8E-AB46-C1D3298C6814}"/>
+                  </a:ext>
+                </a:extLst>
+              </p:cNvPr>
+              <p:cNvPicPr/>
+              <p:nvPr/>
+            </p:nvPicPr>
+            <p:blipFill>
+              <a:blip r:embed="rId3"/>
+              <a:stretch>
+                <a:fillRect/>
+              </a:stretch>
+            </p:blipFill>
+            <p:spPr>
+              <a:xfrm>
+                <a:off x="4281713" y="5161364"/>
+                <a:ext cx="5322035" cy="1131012"/>
+              </a:xfrm>
+              <a:prstGeom prst="rect">
+                <a:avLst/>
+              </a:prstGeom>
+            </p:spPr>
+          </p:pic>
+        </mc:Fallback>
+      </mc:AlternateContent>
+      <mc:AlternateContent xmlns:mc="http://schemas.openxmlformats.org/markup-compatibility/2006" xmlns:p14="http://schemas.microsoft.com/office/powerpoint/2010/main">
+        <mc:Choice Requires="p14">
+          <p:contentPart p14:bwMode="auto" r:id="rId4">
+            <p14:nvContentPartPr>
+              <p14:cNvPr id="24" name="Ink 23">
+                <a:extLst>
+                  <a:ext uri="{FF2B5EF4-FFF2-40B4-BE49-F238E27FC236}">
+                    <a16:creationId xmlns:a16="http://schemas.microsoft.com/office/drawing/2014/main" id="{58D11890-98C9-4D53-BE7B-2FC64791F0A5}"/>
+                  </a:ext>
+                </a:extLst>
+              </p14:cNvPr>
+              <p14:cNvContentPartPr/>
+              <p14:nvPr/>
+            </p14:nvContentPartPr>
+            <p14:xfrm>
+              <a:off x="4315583" y="6246412"/>
+              <a:ext cx="114300" cy="133350"/>
+            </p14:xfrm>
+          </p:contentPart>
+        </mc:Choice>
+        <mc:Fallback xmlns="">
+          <p:pic>
+            <p:nvPicPr>
+              <p:cNvPr id="24" name="Ink 23">
+                <a:extLst>
+                  <a:ext uri="{FF2B5EF4-FFF2-40B4-BE49-F238E27FC236}">
+                    <a16:creationId xmlns:a16="http://schemas.microsoft.com/office/drawing/2014/main" id="{58D11890-98C9-4D53-BE7B-2FC64791F0A5}"/>
+                  </a:ext>
+                </a:extLst>
+              </p:cNvPr>
+              <p:cNvPicPr/>
+              <p:nvPr/>
+            </p:nvPicPr>
+            <p:blipFill>
+              <a:blip r:embed="rId5"/>
+              <a:stretch>
+                <a:fillRect/>
+              </a:stretch>
+            </p:blipFill>
+            <p:spPr>
+              <a:xfrm>
+                <a:off x="4297944" y="6227840"/>
+                <a:ext cx="149225" cy="170123"/>
+              </a:xfrm>
+              <a:prstGeom prst="rect">
+                <a:avLst/>
+              </a:prstGeom>
+            </p:spPr>
+          </p:pic>
+        </mc:Fallback>
+      </mc:AlternateContent>
+    </p:spTree>
+    <p:extLst>
+      <p:ext uri="{BB962C8B-B14F-4D97-AF65-F5344CB8AC3E}">
+        <p14:creationId xmlns:p14="http://schemas.microsoft.com/office/powerpoint/2010/main" val="3885661743"/>
+      </p:ext>
+    </p:extLst>
+  </p:cSld>
+  <p:clrMapOvr>
+    <a:masterClrMapping/>
+  </p:clrMapOvr>
+</p:sld>
+</file>
+
+<file path=ppt/slides/slide8.xml><?xml version="1.0" encoding="utf-8"?>
+<p:sld xmlns:a="http://schemas.openxmlformats.org/drawingml/2006/main" xmlns:r="http://schemas.openxmlformats.org/officeDocument/2006/relationships" xmlns:p="http://schemas.openxmlformats.org/presentationml/2006/main">
+  <p:cSld>
+    <p:spTree>
+      <p:nvGrpSpPr>
+        <p:cNvPr id="1" name=""/>
+        <p:cNvGrpSpPr/>
+        <p:nvPr/>
+      </p:nvGrpSpPr>
+      <p:grpSpPr>
+        <a:xfrm>
+          <a:off x="0" y="0"/>
+          <a:ext cx="0" cy="0"/>
+          <a:chOff x="0" y="0"/>
+          <a:chExt cx="0" cy="0"/>
+        </a:xfrm>
+      </p:grpSpPr>
+      <p:sp>
+        <p:nvSpPr>
+          <p:cNvPr id="2" name="Title 1">
+            <a:extLst>
+              <a:ext uri="{FF2B5EF4-FFF2-40B4-BE49-F238E27FC236}">
+                <a16:creationId xmlns:a16="http://schemas.microsoft.com/office/drawing/2014/main" id="{4188E499-1E9C-40A2-8FB9-FEFD7BE61B1A}"/>
+              </a:ext>
+            </a:extLst>
+          </p:cNvPr>
+          <p:cNvSpPr>
+            <a:spLocks noGrp="1"/>
+          </p:cNvSpPr>
+          <p:nvPr>
+            <p:ph type="title"/>
+          </p:nvPr>
+        </p:nvSpPr>
+        <p:spPr>
+          <a:xfrm>
+            <a:off x="838200" y="272948"/>
+            <a:ext cx="10515600" cy="1325563"/>
+          </a:xfrm>
+        </p:spPr>
+        <p:txBody>
+          <a:bodyPr/>
+          <a:lstStyle/>
+          <a:p>
+            <a:r>
+              <a:rPr lang="en-US">
+                <a:cs typeface="Calibri Light"/>
+              </a:rPr>
+              <a:t>Method 2: ANN Local Fit</a:t>
+            </a:r>
+          </a:p>
+        </p:txBody>
+      </p:sp>
+      <p:sp>
+        <p:nvSpPr>
+          <p:cNvPr id="3" name="Content Placeholder 2">
+            <a:extLst>
+              <a:ext uri="{FF2B5EF4-FFF2-40B4-BE49-F238E27FC236}">
+                <a16:creationId xmlns:a16="http://schemas.microsoft.com/office/drawing/2014/main" id="{C8BA611D-03D4-415B-891C-557D48FC5124}"/>
+              </a:ext>
+            </a:extLst>
+          </p:cNvPr>
+          <p:cNvSpPr>
+            <a:spLocks noGrp="1"/>
+          </p:cNvSpPr>
+          <p:nvPr>
+            <p:ph idx="1"/>
+          </p:nvPr>
+        </p:nvSpPr>
+        <p:spPr>
+          <a:xfrm>
+            <a:off x="838200" y="1426189"/>
+            <a:ext cx="10515600" cy="4351338"/>
+          </a:xfrm>
+        </p:spPr>
+        <p:txBody>
+          <a:bodyPr vert="horz" lIns="91440" tIns="45720" rIns="91440" bIns="45720" rtlCol="0" anchor="t">
+            <a:normAutofit/>
+          </a:bodyPr>
+          <a:lstStyle/>
+          <a:p>
+            <a:r>
+              <a:rPr lang="en-US">
+                <a:cs typeface="Calibri"/>
+              </a:rPr>
+              <a:t>Similar to method one, except we use an ANN to produce the compton form factors and optimize its weights.  An implementation can be found in the notebook titled "Method2.ipynb"</a:t>
+            </a:r>
+            <a:endParaRPr lang="en-US"/>
+          </a:p>
+        </p:txBody>
+      </p:sp>
+      <p:sp>
+        <p:nvSpPr>
+          <p:cNvPr id="35" name="Rectangle 34">
+            <a:extLst>
+              <a:ext uri="{FF2B5EF4-FFF2-40B4-BE49-F238E27FC236}">
+                <a16:creationId xmlns:a16="http://schemas.microsoft.com/office/drawing/2014/main" id="{FA9706D3-DE21-44E4-B111-70E9BCDACB86}"/>
+              </a:ext>
+            </a:extLst>
+          </p:cNvPr>
+          <p:cNvSpPr/>
+          <p:nvPr/>
+        </p:nvSpPr>
+        <p:spPr>
+          <a:xfrm>
+            <a:off x="6191864" y="4397476"/>
+            <a:ext cx="2107789" cy="1124564"/>
+          </a:xfrm>
+          <a:prstGeom prst="rect">
+            <a:avLst/>
+          </a:prstGeom>
+          <a:ln w="28575"/>
+        </p:spPr>
+        <p:style>
+          <a:lnRef idx="2">
+            <a:schemeClr val="accent1"/>
+          </a:lnRef>
+          <a:fillRef idx="1">
+            <a:schemeClr val="lt1"/>
+          </a:fillRef>
+          <a:effectRef idx="0">
+            <a:schemeClr val="accent1"/>
+          </a:effectRef>
+          <a:fontRef idx="minor">
+            <a:schemeClr val="dk1"/>
+          </a:fontRef>
+        </p:style>
+        <p:txBody>
+          <a:bodyPr rtlCol="0" anchor="ctr"/>
+          <a:lstStyle/>
+          <a:p>
+            <a:pPr algn="ctr"/>
+            <a:endParaRPr lang="en-US"/>
+          </a:p>
+        </p:txBody>
+      </p:sp>
+      <p:sp>
+        <p:nvSpPr>
+          <p:cNvPr id="37" name="TextBox 36">
+            <a:extLst>
+              <a:ext uri="{FF2B5EF4-FFF2-40B4-BE49-F238E27FC236}">
+                <a16:creationId xmlns:a16="http://schemas.microsoft.com/office/drawing/2014/main" id="{0C17EB64-783D-4F7F-AA38-CD1CCA39FC38}"/>
+              </a:ext>
+            </a:extLst>
+          </p:cNvPr>
+          <p:cNvSpPr txBox="1"/>
+          <p:nvPr/>
+        </p:nvSpPr>
+        <p:spPr>
+          <a:xfrm>
+            <a:off x="6311388" y="4768951"/>
+            <a:ext cx="1993491" cy="381622"/>
+          </a:xfrm>
+          <a:prstGeom prst="rect">
+            <a:avLst/>
+          </a:prstGeom>
+          <a:noFill/>
+        </p:spPr>
+        <p:txBody>
+          <a:bodyPr rot="0" spcFirstLastPara="0" vertOverflow="overflow" horzOverflow="overflow" vert="horz" wrap="square" lIns="91440" tIns="45720" rIns="91440" bIns="45720" numCol="1" spcCol="0" rtlCol="0" fromWordArt="0" anchor="t" anchorCtr="0" forceAA="0" compatLnSpc="1">
+            <a:prstTxWarp prst="textNoShape">
+              <a:avLst/>
+            </a:prstTxWarp>
+            <a:spAutoFit/>
+          </a:bodyPr>
+          <a:lstStyle/>
+          <a:p>
+            <a:r>
+              <a:rPr lang="en-US">
+                <a:cs typeface="Calibri"/>
+              </a:rPr>
+              <a:t>TotalUUXS function</a:t>
+            </a:r>
+          </a:p>
+        </p:txBody>
+      </p:sp>
+      <p:sp>
+        <p:nvSpPr>
+          <p:cNvPr id="39" name="Rectangle 38">
+            <a:extLst>
+              <a:ext uri="{FF2B5EF4-FFF2-40B4-BE49-F238E27FC236}">
+                <a16:creationId xmlns:a16="http://schemas.microsoft.com/office/drawing/2014/main" id="{8E10CB25-10A7-4E91-95FD-9918DFB85AB0}"/>
+              </a:ext>
+            </a:extLst>
+          </p:cNvPr>
+          <p:cNvSpPr/>
+          <p:nvPr/>
+        </p:nvSpPr>
+        <p:spPr>
+          <a:xfrm>
+            <a:off x="3150009" y="5190201"/>
+            <a:ext cx="2107789" cy="1124564"/>
+          </a:xfrm>
+          <a:prstGeom prst="rect">
+            <a:avLst/>
+          </a:prstGeom>
+          <a:ln w="28575"/>
+        </p:spPr>
+        <p:style>
+          <a:lnRef idx="2">
+            <a:schemeClr val="accent1"/>
+          </a:lnRef>
+          <a:fillRef idx="1">
+            <a:schemeClr val="lt1"/>
+          </a:fillRef>
+          <a:effectRef idx="0">
+            <a:schemeClr val="accent1"/>
+          </a:effectRef>
+          <a:fontRef idx="minor">
+            <a:schemeClr val="dk1"/>
+          </a:fontRef>
+        </p:style>
+        <p:txBody>
+          <a:bodyPr rtlCol="0" anchor="ctr"/>
+          <a:lstStyle/>
+          <a:p>
+            <a:pPr algn="ctr"/>
+            <a:endParaRPr lang="en-US"/>
+          </a:p>
+        </p:txBody>
+      </p:sp>
+      <p:sp>
+        <p:nvSpPr>
+          <p:cNvPr id="41" name="TextBox 40">
+            <a:extLst>
+              <a:ext uri="{FF2B5EF4-FFF2-40B4-BE49-F238E27FC236}">
+                <a16:creationId xmlns:a16="http://schemas.microsoft.com/office/drawing/2014/main" id="{1B587DA0-416C-4F2D-9144-E4F05B86F5F7}"/>
+              </a:ext>
+            </a:extLst>
+          </p:cNvPr>
+          <p:cNvSpPr txBox="1"/>
+          <p:nvPr/>
+        </p:nvSpPr>
+        <p:spPr>
+          <a:xfrm>
+            <a:off x="3269533" y="5463353"/>
+            <a:ext cx="1993491" cy="646331"/>
+          </a:xfrm>
+          <a:prstGeom prst="rect">
+            <a:avLst/>
+          </a:prstGeom>
+          <a:noFill/>
+        </p:spPr>
+        <p:txBody>
+          <a:bodyPr rot="0" spcFirstLastPara="0" vertOverflow="overflow" horzOverflow="overflow" vert="horz" wrap="square" lIns="91440" tIns="45720" rIns="91440" bIns="45720" numCol="1" spcCol="0" rtlCol="0" fromWordArt="0" anchor="t" anchorCtr="0" forceAA="0" compatLnSpc="1">
+            <a:prstTxWarp prst="textNoShape">
+              <a:avLst/>
+            </a:prstTxWarp>
+            <a:spAutoFit/>
+          </a:bodyPr>
+          <a:lstStyle/>
+          <a:p>
+            <a:r>
+              <a:rPr lang="en-US">
+                <a:cs typeface="Calibri"/>
+              </a:rPr>
+              <a:t>Compton Form Factors</a:t>
+            </a:r>
+            <a:endParaRPr lang="en-US"/>
+          </a:p>
+        </p:txBody>
+      </p:sp>
+      <p:sp>
+        <p:nvSpPr>
+          <p:cNvPr id="43" name="Rectangle 42">
+            <a:extLst>
+              <a:ext uri="{FF2B5EF4-FFF2-40B4-BE49-F238E27FC236}">
+                <a16:creationId xmlns:a16="http://schemas.microsoft.com/office/drawing/2014/main" id="{6BB2A63D-3785-4127-A2CB-B9F343211DEE}"/>
+              </a:ext>
+            </a:extLst>
+          </p:cNvPr>
+          <p:cNvSpPr/>
+          <p:nvPr/>
+        </p:nvSpPr>
+        <p:spPr>
+          <a:xfrm>
+            <a:off x="3156155" y="3918153"/>
+            <a:ext cx="2107789" cy="1124564"/>
+          </a:xfrm>
+          <a:prstGeom prst="rect">
+            <a:avLst/>
+          </a:prstGeom>
+          <a:ln w="28575"/>
+        </p:spPr>
+        <p:style>
+          <a:lnRef idx="2">
+            <a:schemeClr val="accent1"/>
+          </a:lnRef>
+          <a:fillRef idx="1">
+            <a:schemeClr val="lt1"/>
+          </a:fillRef>
+          <a:effectRef idx="0">
+            <a:schemeClr val="accent1"/>
+          </a:effectRef>
+          <a:fontRef idx="minor">
+            <a:schemeClr val="dk1"/>
+          </a:fontRef>
+        </p:style>
+        <p:txBody>
+          <a:bodyPr rtlCol="0" anchor="ctr"/>
+          <a:lstStyle/>
+          <a:p>
+            <a:pPr algn="ctr"/>
+            <a:endParaRPr lang="en-US"/>
+          </a:p>
+        </p:txBody>
+      </p:sp>
+      <p:sp>
+        <p:nvSpPr>
+          <p:cNvPr id="45" name="TextBox 44">
+            <a:extLst>
+              <a:ext uri="{FF2B5EF4-FFF2-40B4-BE49-F238E27FC236}">
+                <a16:creationId xmlns:a16="http://schemas.microsoft.com/office/drawing/2014/main" id="{EBA44D2F-3FEB-45C8-9707-8A4C3976419A}"/>
+              </a:ext>
+            </a:extLst>
+          </p:cNvPr>
+          <p:cNvSpPr txBox="1"/>
+          <p:nvPr/>
+        </p:nvSpPr>
+        <p:spPr>
+          <a:xfrm>
+            <a:off x="3275679" y="4209741"/>
+            <a:ext cx="1993491" cy="646331"/>
+          </a:xfrm>
+          <a:prstGeom prst="rect">
+            <a:avLst/>
+          </a:prstGeom>
+          <a:noFill/>
+        </p:spPr>
+        <p:txBody>
+          <a:bodyPr rot="0" spcFirstLastPara="0" vertOverflow="overflow" horzOverflow="overflow" vert="horz" wrap="square" lIns="91440" tIns="45720" rIns="91440" bIns="45720" numCol="1" spcCol="0" rtlCol="0" fromWordArt="0" anchor="t" anchorCtr="0" forceAA="0" compatLnSpc="1">
+            <a:prstTxWarp prst="textNoShape">
+              <a:avLst/>
+            </a:prstTxWarp>
+            <a:spAutoFit/>
+          </a:bodyPr>
+          <a:lstStyle/>
+          <a:p>
+            <a:r>
+              <a:rPr lang="en-US">
+                <a:cs typeface="Calibri"/>
+              </a:rPr>
+              <a:t>k, QQ, x_b, t, F1, F2, dvcs const, phi</a:t>
+            </a:r>
+          </a:p>
+        </p:txBody>
+      </p:sp>
+      <p:sp>
+        <p:nvSpPr>
+          <p:cNvPr id="47" name="Rectangle 46">
+            <a:extLst>
+              <a:ext uri="{FF2B5EF4-FFF2-40B4-BE49-F238E27FC236}">
+                <a16:creationId xmlns:a16="http://schemas.microsoft.com/office/drawing/2014/main" id="{12F9F20C-9B09-49D0-BF0E-878C53D908B8}"/>
+              </a:ext>
+            </a:extLst>
+          </p:cNvPr>
+          <p:cNvSpPr/>
+          <p:nvPr/>
+        </p:nvSpPr>
+        <p:spPr>
+          <a:xfrm>
+            <a:off x="9676170" y="3985748"/>
+            <a:ext cx="2107789" cy="977081"/>
+          </a:xfrm>
+          <a:prstGeom prst="rect">
+            <a:avLst/>
+          </a:prstGeom>
+          <a:ln w="28575"/>
+        </p:spPr>
+        <p:style>
+          <a:lnRef idx="2">
+            <a:schemeClr val="accent1"/>
+          </a:lnRef>
+          <a:fillRef idx="1">
+            <a:schemeClr val="lt1"/>
+          </a:fillRef>
+          <a:effectRef idx="0">
+            <a:schemeClr val="accent1"/>
+          </a:effectRef>
+          <a:fontRef idx="minor">
+            <a:schemeClr val="dk1"/>
+          </a:fontRef>
+        </p:style>
+        <p:txBody>
+          <a:bodyPr rtlCol="0" anchor="ctr"/>
+          <a:lstStyle/>
+          <a:p>
+            <a:pPr algn="ctr"/>
+            <a:endParaRPr lang="en-US"/>
+          </a:p>
+        </p:txBody>
+      </p:sp>
+      <p:sp>
+        <p:nvSpPr>
+          <p:cNvPr id="49" name="TextBox 48">
+            <a:extLst>
+              <a:ext uri="{FF2B5EF4-FFF2-40B4-BE49-F238E27FC236}">
+                <a16:creationId xmlns:a16="http://schemas.microsoft.com/office/drawing/2014/main" id="{E3EC5222-CE13-4CD3-8697-4AC11942B8D9}"/>
+              </a:ext>
+            </a:extLst>
+          </p:cNvPr>
+          <p:cNvSpPr txBox="1"/>
+          <p:nvPr/>
+        </p:nvSpPr>
+        <p:spPr>
+          <a:xfrm>
+            <a:off x="10158259" y="4295772"/>
+            <a:ext cx="1268362" cy="369332"/>
+          </a:xfrm>
+          <a:prstGeom prst="rect">
+            <a:avLst/>
+          </a:prstGeom>
+          <a:noFill/>
+        </p:spPr>
+        <p:txBody>
+          <a:bodyPr rot="0" spcFirstLastPara="0" vertOverflow="overflow" horzOverflow="overflow" vert="horz" wrap="square" lIns="91440" tIns="45720" rIns="91440" bIns="45720" numCol="1" spcCol="0" rtlCol="0" fromWordArt="0" anchor="t" anchorCtr="0" forceAA="0" compatLnSpc="1">
+            <a:prstTxWarp prst="textNoShape">
+              <a:avLst/>
+            </a:prstTxWarp>
+            <a:spAutoFit/>
+          </a:bodyPr>
+          <a:lstStyle/>
+          <a:p>
+            <a:r>
+              <a:rPr lang="en-US">
+                <a:cs typeface="Calibri"/>
+              </a:rPr>
+              <a:t>Optimizer</a:t>
+            </a:r>
+          </a:p>
+        </p:txBody>
+      </p:sp>
+      <p:sp>
+        <p:nvSpPr>
+          <p:cNvPr id="51" name="Rectangle 50">
+            <a:extLst>
+              <a:ext uri="{FF2B5EF4-FFF2-40B4-BE49-F238E27FC236}">
+                <a16:creationId xmlns:a16="http://schemas.microsoft.com/office/drawing/2014/main" id="{183DF020-8352-4CDC-8D6E-943101A1706F}"/>
+              </a:ext>
+            </a:extLst>
+          </p:cNvPr>
+          <p:cNvSpPr/>
+          <p:nvPr/>
+        </p:nvSpPr>
+        <p:spPr>
+          <a:xfrm>
+            <a:off x="3186880" y="2885764"/>
+            <a:ext cx="2120079" cy="841887"/>
+          </a:xfrm>
+          <a:prstGeom prst="rect">
+            <a:avLst/>
+          </a:prstGeom>
+          <a:ln w="28575"/>
+        </p:spPr>
+        <p:style>
+          <a:lnRef idx="2">
+            <a:schemeClr val="accent1"/>
+          </a:lnRef>
+          <a:fillRef idx="1">
+            <a:schemeClr val="lt1"/>
+          </a:fillRef>
+          <a:effectRef idx="0">
+            <a:schemeClr val="accent1"/>
+          </a:effectRef>
+          <a:fontRef idx="minor">
+            <a:schemeClr val="dk1"/>
+          </a:fontRef>
+        </p:style>
+        <p:txBody>
+          <a:bodyPr rtlCol="0" anchor="ctr"/>
+          <a:lstStyle/>
+          <a:p>
+            <a:pPr algn="ctr"/>
+            <a:endParaRPr lang="en-US"/>
+          </a:p>
+        </p:txBody>
+      </p:sp>
+      <p:sp>
+        <p:nvSpPr>
+          <p:cNvPr id="53" name="TextBox 52">
+            <a:extLst>
+              <a:ext uri="{FF2B5EF4-FFF2-40B4-BE49-F238E27FC236}">
+                <a16:creationId xmlns:a16="http://schemas.microsoft.com/office/drawing/2014/main" id="{F8A46957-E815-4230-ADD6-F795C69F3E6D}"/>
+              </a:ext>
+            </a:extLst>
+          </p:cNvPr>
+          <p:cNvSpPr txBox="1"/>
+          <p:nvPr/>
+        </p:nvSpPr>
+        <p:spPr>
+          <a:xfrm>
+            <a:off x="3699694" y="3122045"/>
+            <a:ext cx="1274507" cy="369332"/>
+          </a:xfrm>
+          <a:prstGeom prst="rect">
+            <a:avLst/>
+          </a:prstGeom>
+          <a:noFill/>
+        </p:spPr>
+        <p:txBody>
+          <a:bodyPr rot="0" spcFirstLastPara="0" vertOverflow="overflow" horzOverflow="overflow" vert="horz" wrap="square" lIns="91440" tIns="45720" rIns="91440" bIns="45720" numCol="1" spcCol="0" rtlCol="0" fromWordArt="0" anchor="t" anchorCtr="0" forceAA="0" compatLnSpc="1">
+            <a:prstTxWarp prst="textNoShape">
+              <a:avLst/>
+            </a:prstTxWarp>
+            <a:spAutoFit/>
+          </a:bodyPr>
+          <a:lstStyle/>
+          <a:p>
+            <a:r>
+              <a:rPr lang="en-US">
+                <a:cs typeface="Calibri"/>
+              </a:rPr>
+              <a:t>F values</a:t>
+            </a:r>
+            <a:endParaRPr lang="en-US"/>
+          </a:p>
+        </p:txBody>
+      </p:sp>
+      <p:cxnSp>
+        <p:nvCxnSpPr>
+          <p:cNvPr id="55" name="Straight Arrow Connector 54">
+            <a:extLst>
+              <a:ext uri="{FF2B5EF4-FFF2-40B4-BE49-F238E27FC236}">
+                <a16:creationId xmlns:a16="http://schemas.microsoft.com/office/drawing/2014/main" id="{D7820ECE-00AA-4703-A7B0-E7B6AF488FB1}"/>
+              </a:ext>
+            </a:extLst>
+          </p:cNvPr>
+          <p:cNvCxnSpPr/>
+          <p:nvPr/>
+        </p:nvCxnSpPr>
+        <p:spPr>
+          <a:xfrm>
+            <a:off x="5322325" y="4437418"/>
+            <a:ext cx="809933" cy="428934"/>
+          </a:xfrm>
+          <a:prstGeom prst="straightConnector1">
+            <a:avLst/>
+          </a:prstGeom>
+          <a:ln>
+            <a:tailEnd type="triangle"/>
+          </a:ln>
+        </p:spPr>
+        <p:style>
+          <a:lnRef idx="3">
+            <a:schemeClr val="dk1"/>
+          </a:lnRef>
+          <a:fillRef idx="0">
+            <a:schemeClr val="dk1"/>
+          </a:fillRef>
+          <a:effectRef idx="2">
+            <a:schemeClr val="dk1"/>
+          </a:effectRef>
+          <a:fontRef idx="minor">
+            <a:schemeClr val="tx1"/>
+          </a:fontRef>
+        </p:style>
+      </p:cxnSp>
+      <p:cxnSp>
+        <p:nvCxnSpPr>
+          <p:cNvPr id="57" name="Straight Arrow Connector 56">
+            <a:extLst>
+              <a:ext uri="{FF2B5EF4-FFF2-40B4-BE49-F238E27FC236}">
+                <a16:creationId xmlns:a16="http://schemas.microsoft.com/office/drawing/2014/main" id="{31C18CE2-31E7-4F16-80E5-1AD41F6502A2}"/>
+              </a:ext>
+            </a:extLst>
+          </p:cNvPr>
+          <p:cNvCxnSpPr>
+            <a:cxnSpLocks/>
+          </p:cNvCxnSpPr>
+          <p:nvPr/>
+        </p:nvCxnSpPr>
+        <p:spPr>
+          <a:xfrm flipV="1">
+            <a:off x="5328470" y="5093722"/>
+            <a:ext cx="791497" cy="701776"/>
+          </a:xfrm>
+          <a:prstGeom prst="straightConnector1">
+            <a:avLst/>
+          </a:prstGeom>
+          <a:ln>
+            <a:tailEnd type="triangle"/>
+          </a:ln>
+        </p:spPr>
+        <p:style>
+          <a:lnRef idx="3">
+            <a:schemeClr val="dk1"/>
+          </a:lnRef>
+          <a:fillRef idx="0">
+            <a:schemeClr val="dk1"/>
+          </a:fillRef>
+          <a:effectRef idx="2">
+            <a:schemeClr val="dk1"/>
+          </a:effectRef>
+          <a:fontRef idx="minor">
+            <a:schemeClr val="tx1"/>
+          </a:fontRef>
+        </p:style>
+      </p:cxnSp>
+      <p:cxnSp>
+        <p:nvCxnSpPr>
+          <p:cNvPr id="59" name="Straight Arrow Connector 58">
+            <a:extLst>
+              <a:ext uri="{FF2B5EF4-FFF2-40B4-BE49-F238E27FC236}">
+                <a16:creationId xmlns:a16="http://schemas.microsoft.com/office/drawing/2014/main" id="{71CC94CB-31EE-4C82-9D7F-94A3ECB7C4C7}"/>
+              </a:ext>
+            </a:extLst>
+          </p:cNvPr>
+          <p:cNvCxnSpPr>
+            <a:cxnSpLocks/>
+          </p:cNvCxnSpPr>
+          <p:nvPr/>
+        </p:nvCxnSpPr>
+        <p:spPr>
+          <a:xfrm flipV="1">
+            <a:off x="8388760" y="4577528"/>
+            <a:ext cx="1197077" cy="714066"/>
+          </a:xfrm>
+          <a:prstGeom prst="straightConnector1">
+            <a:avLst/>
+          </a:prstGeom>
+          <a:ln>
+            <a:tailEnd type="triangle"/>
+          </a:ln>
+        </p:spPr>
+        <p:style>
+          <a:lnRef idx="3">
+            <a:schemeClr val="dk1"/>
+          </a:lnRef>
+          <a:fillRef idx="0">
+            <a:schemeClr val="dk1"/>
+          </a:fillRef>
+          <a:effectRef idx="2">
+            <a:schemeClr val="dk1"/>
+          </a:effectRef>
+          <a:fontRef idx="minor">
+            <a:schemeClr val="tx1"/>
+          </a:fontRef>
+        </p:style>
+      </p:cxnSp>
+      <p:cxnSp>
+        <p:nvCxnSpPr>
+          <p:cNvPr id="61" name="Straight Arrow Connector 60">
+            <a:extLst>
+              <a:ext uri="{FF2B5EF4-FFF2-40B4-BE49-F238E27FC236}">
+                <a16:creationId xmlns:a16="http://schemas.microsoft.com/office/drawing/2014/main" id="{0CD27624-C861-450D-859C-EB78F6C46741}"/>
+              </a:ext>
+            </a:extLst>
+          </p:cNvPr>
+          <p:cNvCxnSpPr>
+            <a:cxnSpLocks/>
+          </p:cNvCxnSpPr>
+          <p:nvPr/>
+        </p:nvCxnSpPr>
+        <p:spPr>
+          <a:xfrm>
+            <a:off x="5396066" y="3405029"/>
+            <a:ext cx="4202061" cy="981998"/>
+          </a:xfrm>
+          <a:prstGeom prst="straightConnector1">
+            <a:avLst/>
+          </a:prstGeom>
+          <a:ln>
+            <a:tailEnd type="triangle"/>
+          </a:ln>
+        </p:spPr>
+        <p:style>
+          <a:lnRef idx="3">
+            <a:schemeClr val="dk1"/>
+          </a:lnRef>
+          <a:fillRef idx="0">
+            <a:schemeClr val="dk1"/>
+          </a:fillRef>
+          <a:effectRef idx="2">
+            <a:schemeClr val="dk1"/>
+          </a:effectRef>
+          <a:fontRef idx="minor">
+            <a:schemeClr val="tx1"/>
+          </a:fontRef>
+        </p:style>
+      </p:cxnSp>
+      <p:sp>
+        <p:nvSpPr>
+          <p:cNvPr id="66" name="Rectangle 65">
+            <a:extLst>
+              <a:ext uri="{FF2B5EF4-FFF2-40B4-BE49-F238E27FC236}">
+                <a16:creationId xmlns:a16="http://schemas.microsoft.com/office/drawing/2014/main" id="{C835C84B-C109-4B99-808C-D053CA52A6F0}"/>
+              </a:ext>
+            </a:extLst>
+          </p:cNvPr>
+          <p:cNvSpPr/>
+          <p:nvPr/>
+        </p:nvSpPr>
+        <p:spPr>
+          <a:xfrm>
+            <a:off x="274073" y="5343828"/>
+            <a:ext cx="1253612" cy="848032"/>
+          </a:xfrm>
+          <a:prstGeom prst="rect">
+            <a:avLst/>
+          </a:prstGeom>
+          <a:ln w="28575"/>
+        </p:spPr>
+        <p:style>
+          <a:lnRef idx="2">
+            <a:schemeClr val="accent1"/>
+          </a:lnRef>
+          <a:fillRef idx="1">
+            <a:schemeClr val="lt1"/>
+          </a:fillRef>
+          <a:effectRef idx="0">
+            <a:schemeClr val="accent1"/>
+          </a:effectRef>
+          <a:fontRef idx="minor">
+            <a:schemeClr val="dk1"/>
+          </a:fontRef>
+        </p:style>
+        <p:txBody>
+          <a:bodyPr rtlCol="0" anchor="ctr"/>
+          <a:lstStyle/>
+          <a:p>
+            <a:pPr algn="ctr"/>
+            <a:endParaRPr lang="en-US"/>
+          </a:p>
+        </p:txBody>
+      </p:sp>
+      <p:sp>
+        <p:nvSpPr>
+          <p:cNvPr id="67" name="TextBox 66">
+            <a:extLst>
+              <a:ext uri="{FF2B5EF4-FFF2-40B4-BE49-F238E27FC236}">
+                <a16:creationId xmlns:a16="http://schemas.microsoft.com/office/drawing/2014/main" id="{430A8FC9-CDEA-4AB9-881B-03806C0A61B4}"/>
+              </a:ext>
+            </a:extLst>
+          </p:cNvPr>
+          <p:cNvSpPr txBox="1"/>
+          <p:nvPr/>
+        </p:nvSpPr>
+        <p:spPr>
+          <a:xfrm>
+            <a:off x="295275" y="5586254"/>
+            <a:ext cx="1237636" cy="369332"/>
+          </a:xfrm>
+          <a:prstGeom prst="rect">
+            <a:avLst/>
+          </a:prstGeom>
+          <a:noFill/>
+        </p:spPr>
+        <p:txBody>
+          <a:bodyPr rot="0" spcFirstLastPara="0" vertOverflow="overflow" horzOverflow="overflow" vert="horz" wrap="square" lIns="91440" tIns="45720" rIns="91440" bIns="45720" numCol="1" spcCol="0" rtlCol="0" fromWordArt="0" anchor="t" anchorCtr="0" forceAA="0" compatLnSpc="1">
+            <a:prstTxWarp prst="textNoShape">
+              <a:avLst/>
+            </a:prstTxWarp>
+            <a:spAutoFit/>
+          </a:bodyPr>
+          <a:lstStyle/>
+          <a:p>
+            <a:r>
+              <a:rPr lang="en-US">
+                <a:cs typeface="Calibri"/>
+              </a:rPr>
+              <a:t>Kinematics</a:t>
+            </a:r>
+            <a:endParaRPr lang="en-US"/>
+          </a:p>
+        </p:txBody>
+      </p:sp>
+      <p:sp>
+        <p:nvSpPr>
+          <p:cNvPr id="68" name="Rectangle 67">
+            <a:extLst>
+              <a:ext uri="{FF2B5EF4-FFF2-40B4-BE49-F238E27FC236}">
+                <a16:creationId xmlns:a16="http://schemas.microsoft.com/office/drawing/2014/main" id="{54AD8527-E337-4704-9C42-7BCCBAC3DF48}"/>
+              </a:ext>
+            </a:extLst>
+          </p:cNvPr>
+          <p:cNvSpPr/>
+          <p:nvPr/>
+        </p:nvSpPr>
+        <p:spPr>
+          <a:xfrm>
+            <a:off x="1902540" y="5331537"/>
+            <a:ext cx="903338" cy="841887"/>
+          </a:xfrm>
+          <a:prstGeom prst="rect">
+            <a:avLst/>
+          </a:prstGeom>
+          <a:ln w="28575"/>
+        </p:spPr>
+        <p:style>
+          <a:lnRef idx="2">
+            <a:schemeClr val="accent1"/>
+          </a:lnRef>
+          <a:fillRef idx="1">
+            <a:schemeClr val="lt1"/>
+          </a:fillRef>
+          <a:effectRef idx="0">
+            <a:schemeClr val="accent1"/>
+          </a:effectRef>
+          <a:fontRef idx="minor">
+            <a:schemeClr val="dk1"/>
+          </a:fontRef>
+        </p:style>
+        <p:txBody>
+          <a:bodyPr rtlCol="0" anchor="ctr"/>
+          <a:lstStyle/>
+          <a:p>
+            <a:pPr algn="ctr"/>
+            <a:endParaRPr lang="en-US"/>
+          </a:p>
+        </p:txBody>
+      </p:sp>
+      <p:sp>
+        <p:nvSpPr>
+          <p:cNvPr id="69" name="TextBox 68">
+            <a:extLst>
+              <a:ext uri="{FF2B5EF4-FFF2-40B4-BE49-F238E27FC236}">
+                <a16:creationId xmlns:a16="http://schemas.microsoft.com/office/drawing/2014/main" id="{37F3F77F-CFBA-4C88-BD66-6B8C415654A3}"/>
+              </a:ext>
+            </a:extLst>
+          </p:cNvPr>
+          <p:cNvSpPr txBox="1"/>
+          <p:nvPr/>
+        </p:nvSpPr>
+        <p:spPr>
+          <a:xfrm>
+            <a:off x="2071225" y="5567817"/>
+            <a:ext cx="678426" cy="369332"/>
+          </a:xfrm>
+          <a:prstGeom prst="rect">
+            <a:avLst/>
+          </a:prstGeom>
+          <a:noFill/>
+        </p:spPr>
+        <p:txBody>
+          <a:bodyPr rot="0" spcFirstLastPara="0" vertOverflow="overflow" horzOverflow="overflow" vert="horz" wrap="square" lIns="91440" tIns="45720" rIns="91440" bIns="45720" numCol="1" spcCol="0" rtlCol="0" fromWordArt="0" anchor="t" anchorCtr="0" forceAA="0" compatLnSpc="1">
+            <a:prstTxWarp prst="textNoShape">
+              <a:avLst/>
+            </a:prstTxWarp>
+            <a:spAutoFit/>
+          </a:bodyPr>
+          <a:lstStyle/>
+          <a:p>
+            <a:r>
+              <a:rPr lang="en-US">
+                <a:cs typeface="Calibri"/>
+              </a:rPr>
+              <a:t>ANN</a:t>
+            </a:r>
+            <a:endParaRPr lang="en-US"/>
+          </a:p>
+        </p:txBody>
+      </p:sp>
+      <mc:AlternateContent xmlns:mc="http://schemas.openxmlformats.org/markup-compatibility/2006" xmlns:p14="http://schemas.microsoft.com/office/powerpoint/2010/main">
+        <mc:Choice Requires="p14">
+          <p:contentPart p14:bwMode="auto" r:id="rId2">
+            <p14:nvContentPartPr>
+              <p14:cNvPr id="70" name="Ink 69">
+                <a:extLst>
+                  <a:ext uri="{FF2B5EF4-FFF2-40B4-BE49-F238E27FC236}">
+                    <a16:creationId xmlns:a16="http://schemas.microsoft.com/office/drawing/2014/main" id="{69F43AD9-9BA5-43CD-8C7F-ADFA7917B968}"/>
+                  </a:ext>
+                </a:extLst>
+              </p14:cNvPr>
+              <p14:cNvContentPartPr/>
+              <p14:nvPr/>
+            </p14:nvContentPartPr>
+            <p14:xfrm>
+              <a:off x="2321899" y="5039079"/>
+              <a:ext cx="8439149" cy="1609725"/>
+            </p14:xfrm>
+          </p:contentPart>
+        </mc:Choice>
+        <mc:Fallback xmlns="">
+          <p:pic>
+            <p:nvPicPr>
+              <p:cNvPr id="70" name="Ink 69">
+                <a:extLst>
+                  <a:ext uri="{FF2B5EF4-FFF2-40B4-BE49-F238E27FC236}">
+                    <a16:creationId xmlns:a16="http://schemas.microsoft.com/office/drawing/2014/main" id="{69F43AD9-9BA5-43CD-8C7F-ADFA7917B968}"/>
+                  </a:ext>
+                </a:extLst>
+              </p:cNvPr>
+              <p:cNvPicPr/>
+              <p:nvPr/>
+            </p:nvPicPr>
+            <p:blipFill>
+              <a:blip r:embed="rId3"/>
+              <a:stretch>
+                <a:fillRect/>
+              </a:stretch>
+            </p:blipFill>
+            <p:spPr>
+              <a:xfrm>
+                <a:off x="2303897" y="5021113"/>
+                <a:ext cx="8474794" cy="1645297"/>
+              </a:xfrm>
+              <a:prstGeom prst="rect">
+                <a:avLst/>
+              </a:prstGeom>
+            </p:spPr>
+          </p:pic>
+        </mc:Fallback>
+      </mc:AlternateContent>
+      <mc:AlternateContent xmlns:mc="http://schemas.openxmlformats.org/markup-compatibility/2006" xmlns:p14="http://schemas.microsoft.com/office/powerpoint/2010/main">
+        <mc:Choice Requires="p14">
+          <p:contentPart p14:bwMode="auto" r:id="rId4">
+            <p14:nvContentPartPr>
+              <p14:cNvPr id="71" name="Ink 70">
+                <a:extLst>
+                  <a:ext uri="{FF2B5EF4-FFF2-40B4-BE49-F238E27FC236}">
+                    <a16:creationId xmlns:a16="http://schemas.microsoft.com/office/drawing/2014/main" id="{49CE0959-564A-40A5-B2B6-B03D9CA6F4DF}"/>
+                  </a:ext>
+                </a:extLst>
+              </p14:cNvPr>
+              <p14:cNvContentPartPr/>
+              <p14:nvPr/>
+            </p14:nvContentPartPr>
+            <p14:xfrm>
+              <a:off x="2415672" y="6291012"/>
+              <a:ext cx="190500" cy="19050"/>
+            </p14:xfrm>
+          </p:contentPart>
+        </mc:Choice>
+        <mc:Fallback xmlns="">
+          <p:pic>
+            <p:nvPicPr>
+              <p:cNvPr id="71" name="Ink 70">
+                <a:extLst>
+                  <a:ext uri="{FF2B5EF4-FFF2-40B4-BE49-F238E27FC236}">
+                    <a16:creationId xmlns:a16="http://schemas.microsoft.com/office/drawing/2014/main" id="{49CE0959-564A-40A5-B2B6-B03D9CA6F4DF}"/>
+                  </a:ext>
+                </a:extLst>
+              </p:cNvPr>
+              <p:cNvPicPr/>
+              <p:nvPr/>
+            </p:nvPicPr>
+            <p:blipFill>
+              <a:blip r:embed="rId5"/>
+              <a:stretch>
+                <a:fillRect/>
+              </a:stretch>
+            </p:blipFill>
+            <p:spPr>
+              <a:xfrm>
+                <a:off x="2397390" y="6273694"/>
+                <a:ext cx="226699" cy="53340"/>
+              </a:xfrm>
+              <a:prstGeom prst="rect">
+                <a:avLst/>
+              </a:prstGeom>
+            </p:spPr>
+          </p:pic>
+        </mc:Fallback>
+      </mc:AlternateContent>
+      <p:cxnSp>
+        <p:nvCxnSpPr>
+          <p:cNvPr id="72" name="Straight Arrow Connector 71">
+            <a:extLst>
+              <a:ext uri="{FF2B5EF4-FFF2-40B4-BE49-F238E27FC236}">
+                <a16:creationId xmlns:a16="http://schemas.microsoft.com/office/drawing/2014/main" id="{32A9D579-E558-4976-8A87-44D6209102BC}"/>
+              </a:ext>
+            </a:extLst>
+          </p:cNvPr>
+          <p:cNvCxnSpPr>
+            <a:cxnSpLocks/>
+          </p:cNvCxnSpPr>
+          <p:nvPr/>
+        </p:nvCxnSpPr>
+        <p:spPr>
+          <a:xfrm>
+            <a:off x="1530760" y="5721756"/>
+            <a:ext cx="324466" cy="17209"/>
+          </a:xfrm>
+          <a:prstGeom prst="straightConnector1">
+            <a:avLst/>
+          </a:prstGeom>
+          <a:ln>
+            <a:tailEnd type="triangle"/>
+          </a:ln>
+        </p:spPr>
+        <p:style>
+          <a:lnRef idx="3">
+            <a:schemeClr val="dk1"/>
+          </a:lnRef>
+          <a:fillRef idx="0">
+            <a:schemeClr val="dk1"/>
+          </a:fillRef>
+          <a:effectRef idx="2">
+            <a:schemeClr val="dk1"/>
+          </a:effectRef>
+          <a:fontRef idx="minor">
+            <a:schemeClr val="tx1"/>
+          </a:fontRef>
+        </p:style>
+      </p:cxnSp>
+      <p:cxnSp>
+        <p:nvCxnSpPr>
+          <p:cNvPr id="73" name="Straight Arrow Connector 72">
+            <a:extLst>
+              <a:ext uri="{FF2B5EF4-FFF2-40B4-BE49-F238E27FC236}">
+                <a16:creationId xmlns:a16="http://schemas.microsoft.com/office/drawing/2014/main" id="{9349196D-D6EA-4AD9-B8CE-216A1C3A6AE8}"/>
+              </a:ext>
+            </a:extLst>
+          </p:cNvPr>
+          <p:cNvCxnSpPr>
+            <a:cxnSpLocks/>
+          </p:cNvCxnSpPr>
+          <p:nvPr/>
+        </p:nvCxnSpPr>
+        <p:spPr>
+          <a:xfrm>
+            <a:off x="2821243" y="5777062"/>
+            <a:ext cx="324466" cy="17209"/>
+          </a:xfrm>
+          <a:prstGeom prst="straightConnector1">
+            <a:avLst/>
+          </a:prstGeom>
+          <a:ln>
+            <a:tailEnd type="triangle"/>
+          </a:ln>
+        </p:spPr>
+        <p:style>
+          <a:lnRef idx="3">
+            <a:schemeClr val="dk1"/>
+          </a:lnRef>
+          <a:fillRef idx="0">
+            <a:schemeClr val="dk1"/>
+          </a:fillRef>
+          <a:effectRef idx="2">
+            <a:schemeClr val="dk1"/>
+          </a:effectRef>
+          <a:fontRef idx="minor">
+            <a:schemeClr val="tx1"/>
+          </a:fontRef>
+        </p:style>
+      </p:cxnSp>
+    </p:spTree>
+    <p:extLst>
+      <p:ext uri="{BB962C8B-B14F-4D97-AF65-F5344CB8AC3E}">
+        <p14:creationId xmlns:p14="http://schemas.microsoft.com/office/powerpoint/2010/main" val="4134404061"/>
+      </p:ext>
+    </p:extLst>
+  </p:cSld>
+  <p:clrMapOvr>
+    <a:masterClrMapping/>
+  </p:clrMapOvr>
+</p:sld>
+</file>
+
+<file path=ppt/slides/slide9.xml><?xml version="1.0" encoding="utf-8"?>
+<p:sld xmlns:a="http://schemas.openxmlformats.org/drawingml/2006/main" xmlns:r="http://schemas.openxmlformats.org/officeDocument/2006/relationships" xmlns:p="http://schemas.openxmlformats.org/presentationml/2006/main">
+  <p:cSld>
+    <p:spTree>
+      <p:nvGrpSpPr>
+        <p:cNvPr id="1" name=""/>
+        <p:cNvGrpSpPr/>
+        <p:nvPr/>
+      </p:nvGrpSpPr>
+      <p:grpSpPr>
+        <a:xfrm>
+          <a:off x="0" y="0"/>
+          <a:ext cx="0" cy="0"/>
+          <a:chOff x="0" y="0"/>
+          <a:chExt cx="0" cy="0"/>
+        </a:xfrm>
+      </p:grpSpPr>
+      <p:sp>
+        <p:nvSpPr>
+          <p:cNvPr id="2" name="Title 1">
+            <a:extLst>
+              <a:ext uri="{FF2B5EF4-FFF2-40B4-BE49-F238E27FC236}">
+                <a16:creationId xmlns:a16="http://schemas.microsoft.com/office/drawing/2014/main" id="{4374F731-95A1-40D9-9810-BEB23492F98E}"/>
+              </a:ext>
+            </a:extLst>
+          </p:cNvPr>
+          <p:cNvSpPr>
+            <a:spLocks noGrp="1"/>
+          </p:cNvSpPr>
+          <p:nvPr>
+            <p:ph type="title"/>
+          </p:nvPr>
+        </p:nvSpPr>
+        <p:spPr/>
+        <p:txBody>
+          <a:bodyPr/>
+          <a:lstStyle/>
+          <a:p>
+            <a:r>
+              <a:rPr lang="en-US">
+                <a:cs typeface="Calibri Light"/>
+              </a:rPr>
+              <a:t>Method 3: Prof. Keller's Method</a:t>
+            </a:r>
+            <a:endParaRPr lang="en-US"/>
+          </a:p>
+        </p:txBody>
+      </p:sp>
+      <p:sp>
+        <p:nvSpPr>
+          <p:cNvPr id="3" name="Content Placeholder 2">
+            <a:extLst>
+              <a:ext uri="{FF2B5EF4-FFF2-40B4-BE49-F238E27FC236}">
+                <a16:creationId xmlns:a16="http://schemas.microsoft.com/office/drawing/2014/main" id="{ACF21BEC-8FF7-42E9-AC47-4E7C1DF32221}"/>
+              </a:ext>
+            </a:extLst>
+          </p:cNvPr>
+          <p:cNvSpPr>
+            <a:spLocks noGrp="1"/>
+          </p:cNvSpPr>
+          <p:nvPr>
+            <p:ph idx="1"/>
+          </p:nvPr>
+        </p:nvSpPr>
+        <p:spPr>
+          <a:xfrm>
+            <a:off x="776748" y="1407754"/>
+            <a:ext cx="10515600" cy="4351338"/>
+          </a:xfrm>
+        </p:spPr>
+        <p:txBody>
+          <a:bodyPr vert="horz" lIns="91440" tIns="45720" rIns="91440" bIns="45720" rtlCol="0" anchor="t">
+            <a:normAutofit/>
+          </a:bodyPr>
+          <a:lstStyle/>
+          <a:p>
+            <a:r>
+              <a:rPr lang="en-US">
+                <a:cs typeface="Calibri"/>
+              </a:rPr>
+              <a:t>A novel local fitting method.  The steps of the process can be found in the powerpoint titled "NewMethod."  An implementation can be found in the notebook "Method3.ipynb"</a:t>
+            </a:r>
+            <a:endParaRPr lang="en-US"/>
+          </a:p>
+        </p:txBody>
+      </p:sp>
+      <p:sp>
+        <p:nvSpPr>
+          <p:cNvPr id="13" name="Rectangle 12">
+            <a:extLst>
+              <a:ext uri="{FF2B5EF4-FFF2-40B4-BE49-F238E27FC236}">
+                <a16:creationId xmlns:a16="http://schemas.microsoft.com/office/drawing/2014/main" id="{7630BFB9-D053-4BD0-9988-5057FB43C435}"/>
+              </a:ext>
+            </a:extLst>
+          </p:cNvPr>
+          <p:cNvSpPr/>
+          <p:nvPr/>
+        </p:nvSpPr>
+        <p:spPr>
+          <a:xfrm>
+            <a:off x="3119284" y="2928782"/>
+            <a:ext cx="2113934" cy="737420"/>
+          </a:xfrm>
+          <a:prstGeom prst="rect">
+            <a:avLst/>
+          </a:prstGeom>
+          <a:ln w="28575"/>
+        </p:spPr>
+        <p:style>
+          <a:lnRef idx="2">
+            <a:schemeClr val="accent1"/>
+          </a:lnRef>
+          <a:fillRef idx="1">
+            <a:schemeClr val="lt1"/>
+          </a:fillRef>
+          <a:effectRef idx="0">
+            <a:schemeClr val="accent1"/>
+          </a:effectRef>
+          <a:fontRef idx="minor">
+            <a:schemeClr val="dk1"/>
+          </a:fontRef>
+        </p:style>
+        <p:txBody>
+          <a:bodyPr rtlCol="0" anchor="ctr"/>
+          <a:lstStyle/>
+          <a:p>
+            <a:pPr algn="ctr"/>
+            <a:endParaRPr lang="en-US"/>
+          </a:p>
+        </p:txBody>
+      </p:sp>
+      <p:sp>
+        <p:nvSpPr>
+          <p:cNvPr id="15" name="TextBox 14">
+            <a:extLst>
+              <a:ext uri="{FF2B5EF4-FFF2-40B4-BE49-F238E27FC236}">
+                <a16:creationId xmlns:a16="http://schemas.microsoft.com/office/drawing/2014/main" id="{8FFDB360-103D-495B-9292-4B5D9F2AD07D}"/>
+              </a:ext>
+            </a:extLst>
+          </p:cNvPr>
+          <p:cNvSpPr txBox="1"/>
+          <p:nvPr/>
+        </p:nvSpPr>
+        <p:spPr>
+          <a:xfrm>
+            <a:off x="3244953" y="2931548"/>
+            <a:ext cx="1827572" cy="646331"/>
+          </a:xfrm>
+          <a:prstGeom prst="rect">
+            <a:avLst/>
+          </a:prstGeom>
+          <a:noFill/>
+        </p:spPr>
+        <p:txBody>
+          <a:bodyPr rot="0" spcFirstLastPara="0" vertOverflow="overflow" horzOverflow="overflow" vert="horz" wrap="square" lIns="91440" tIns="45720" rIns="91440" bIns="45720" numCol="1" spcCol="0" rtlCol="0" fromWordArt="0" anchor="t" anchorCtr="0" forceAA="0" compatLnSpc="1">
+            <a:prstTxWarp prst="textNoShape">
+              <a:avLst/>
+            </a:prstTxWarp>
+            <a:spAutoFit/>
+          </a:bodyPr>
+          <a:lstStyle/>
+          <a:p>
+            <a:r>
+              <a:rPr lang="en-US">
+                <a:cs typeface="Calibri"/>
+              </a:rPr>
+              <a:t>Method 1 (or 2) repeated n times</a:t>
+            </a:r>
+          </a:p>
+        </p:txBody>
+      </p:sp>
+      <p:sp>
+        <p:nvSpPr>
+          <p:cNvPr id="21" name="Rectangle 20">
+            <a:extLst>
+              <a:ext uri="{FF2B5EF4-FFF2-40B4-BE49-F238E27FC236}">
+                <a16:creationId xmlns:a16="http://schemas.microsoft.com/office/drawing/2014/main" id="{70A1E116-400F-488C-B390-DA7E3BBF2FB7}"/>
+              </a:ext>
+            </a:extLst>
+          </p:cNvPr>
+          <p:cNvSpPr/>
+          <p:nvPr/>
+        </p:nvSpPr>
+        <p:spPr>
+          <a:xfrm>
+            <a:off x="188042" y="2750571"/>
+            <a:ext cx="2132369" cy="1075403"/>
+          </a:xfrm>
+          <a:prstGeom prst="rect">
+            <a:avLst/>
+          </a:prstGeom>
+          <a:ln w="28575"/>
+        </p:spPr>
+        <p:style>
+          <a:lnRef idx="2">
+            <a:schemeClr val="accent1"/>
+          </a:lnRef>
+          <a:fillRef idx="1">
+            <a:schemeClr val="lt1"/>
+          </a:fillRef>
+          <a:effectRef idx="0">
+            <a:schemeClr val="accent1"/>
+          </a:effectRef>
+          <a:fontRef idx="minor">
+            <a:schemeClr val="dk1"/>
+          </a:fontRef>
+        </p:style>
+        <p:txBody>
+          <a:bodyPr rtlCol="0" anchor="ctr"/>
+          <a:lstStyle/>
+          <a:p>
+            <a:pPr algn="ctr"/>
+            <a:endParaRPr lang="en-US"/>
+          </a:p>
+        </p:txBody>
+      </p:sp>
+      <p:sp>
+        <p:nvSpPr>
+          <p:cNvPr id="23" name="TextBox 22">
+            <a:extLst>
+              <a:ext uri="{FF2B5EF4-FFF2-40B4-BE49-F238E27FC236}">
+                <a16:creationId xmlns:a16="http://schemas.microsoft.com/office/drawing/2014/main" id="{B1233561-8595-4AED-995A-669AA6DC728B}"/>
+              </a:ext>
+            </a:extLst>
+          </p:cNvPr>
+          <p:cNvSpPr txBox="1"/>
+          <p:nvPr/>
+        </p:nvSpPr>
+        <p:spPr>
+          <a:xfrm>
+            <a:off x="270695" y="2814788"/>
+            <a:ext cx="1975054" cy="954107"/>
+          </a:xfrm>
+          <a:prstGeom prst="rect">
+            <a:avLst/>
+          </a:prstGeom>
+          <a:noFill/>
+        </p:spPr>
+        <p:txBody>
+          <a:bodyPr rot="0" spcFirstLastPara="0" vertOverflow="overflow" horzOverflow="overflow" vert="horz" wrap="square" lIns="91440" tIns="45720" rIns="91440" bIns="45720" numCol="1" spcCol="0" rtlCol="0" fromWordArt="0" anchor="t" anchorCtr="0" forceAA="0" compatLnSpc="1">
+            <a:prstTxWarp prst="textNoShape">
+              <a:avLst/>
+            </a:prstTxWarp>
+            <a:spAutoFit/>
+          </a:bodyPr>
+          <a:lstStyle/>
+          <a:p>
+            <a:r>
+              <a:rPr lang="en-US" sz="1400">
+                <a:cs typeface="Calibri"/>
+              </a:rPr>
+              <a:t>F values (randomly generated using F as mean and errF as std for n sets)</a:t>
+            </a:r>
+            <a:endParaRPr lang="en-US" sz="1400"/>
+          </a:p>
+        </p:txBody>
+      </p:sp>
+      <p:cxnSp>
+        <p:nvCxnSpPr>
+          <p:cNvPr id="25" name="Straight Arrow Connector 24">
+            <a:extLst>
+              <a:ext uri="{FF2B5EF4-FFF2-40B4-BE49-F238E27FC236}">
+                <a16:creationId xmlns:a16="http://schemas.microsoft.com/office/drawing/2014/main" id="{E269CBEF-EEDE-4A84-91FE-D0A9D2401671}"/>
+              </a:ext>
+            </a:extLst>
+          </p:cNvPr>
+          <p:cNvCxnSpPr/>
+          <p:nvPr/>
+        </p:nvCxnSpPr>
+        <p:spPr>
+          <a:xfrm flipV="1">
+            <a:off x="2421808" y="3244031"/>
+            <a:ext cx="637869" cy="7372"/>
+          </a:xfrm>
+          <a:prstGeom prst="straightConnector1">
+            <a:avLst/>
+          </a:prstGeom>
+          <a:ln>
+            <a:tailEnd type="triangle"/>
+          </a:ln>
+        </p:spPr>
+        <p:style>
+          <a:lnRef idx="3">
+            <a:schemeClr val="dk1"/>
+          </a:lnRef>
+          <a:fillRef idx="0">
+            <a:schemeClr val="dk1"/>
+          </a:fillRef>
+          <a:effectRef idx="2">
+            <a:schemeClr val="dk1"/>
+          </a:effectRef>
+          <a:fontRef idx="minor">
+            <a:schemeClr val="tx1"/>
+          </a:fontRef>
+        </p:style>
+      </p:cxnSp>
+      <p:cxnSp>
+        <p:nvCxnSpPr>
+          <p:cNvPr id="29" name="Straight Arrow Connector 28">
+            <a:extLst>
+              <a:ext uri="{FF2B5EF4-FFF2-40B4-BE49-F238E27FC236}">
+                <a16:creationId xmlns:a16="http://schemas.microsoft.com/office/drawing/2014/main" id="{F69C3A2E-3DC3-41C7-89FB-9BBCB88268C6}"/>
+              </a:ext>
+            </a:extLst>
+          </p:cNvPr>
+          <p:cNvCxnSpPr>
+            <a:cxnSpLocks/>
+          </p:cNvCxnSpPr>
+          <p:nvPr/>
+        </p:nvCxnSpPr>
+        <p:spPr>
+          <a:xfrm flipV="1">
+            <a:off x="8155244" y="4319432"/>
+            <a:ext cx="680884" cy="591163"/>
+          </a:xfrm>
+          <a:prstGeom prst="straightConnector1">
+            <a:avLst/>
+          </a:prstGeom>
+          <a:ln>
+            <a:tailEnd type="triangle"/>
+          </a:ln>
+        </p:spPr>
+        <p:style>
+          <a:lnRef idx="3">
+            <a:schemeClr val="dk1"/>
+          </a:lnRef>
+          <a:fillRef idx="0">
+            <a:schemeClr val="dk1"/>
+          </a:fillRef>
+          <a:effectRef idx="2">
+            <a:schemeClr val="dk1"/>
+          </a:effectRef>
+          <a:fontRef idx="minor">
+            <a:schemeClr val="tx1"/>
+          </a:fontRef>
+        </p:style>
+      </p:cxnSp>
+      <p:cxnSp>
+        <p:nvCxnSpPr>
+          <p:cNvPr id="31" name="Straight Arrow Connector 30">
+            <a:extLst>
+              <a:ext uri="{FF2B5EF4-FFF2-40B4-BE49-F238E27FC236}">
+                <a16:creationId xmlns:a16="http://schemas.microsoft.com/office/drawing/2014/main" id="{9FAE17B6-471F-48F1-B060-E317080AF0C8}"/>
+              </a:ext>
+            </a:extLst>
+          </p:cNvPr>
+          <p:cNvCxnSpPr>
+            <a:cxnSpLocks/>
+          </p:cNvCxnSpPr>
+          <p:nvPr/>
+        </p:nvCxnSpPr>
+        <p:spPr>
+          <a:xfrm flipV="1">
+            <a:off x="5365341" y="3323915"/>
+            <a:ext cx="644012" cy="7372"/>
+          </a:xfrm>
+          <a:prstGeom prst="straightConnector1">
+            <a:avLst/>
+          </a:prstGeom>
+          <a:ln>
+            <a:tailEnd type="triangle"/>
+          </a:ln>
+        </p:spPr>
+        <p:style>
+          <a:lnRef idx="3">
+            <a:schemeClr val="dk1"/>
+          </a:lnRef>
+          <a:fillRef idx="0">
+            <a:schemeClr val="dk1"/>
+          </a:fillRef>
+          <a:effectRef idx="2">
+            <a:schemeClr val="dk1"/>
+          </a:effectRef>
+          <a:fontRef idx="minor">
+            <a:schemeClr val="tx1"/>
+          </a:fontRef>
+        </p:style>
+      </p:cxnSp>
+      <p:sp>
+        <p:nvSpPr>
+          <p:cNvPr id="33" name="Rectangle 32">
+            <a:extLst>
+              <a:ext uri="{FF2B5EF4-FFF2-40B4-BE49-F238E27FC236}">
+                <a16:creationId xmlns:a16="http://schemas.microsoft.com/office/drawing/2014/main" id="{B4E6C1BB-DA8A-40E6-BEFD-260BE0B0E17D}"/>
+              </a:ext>
+            </a:extLst>
+          </p:cNvPr>
+          <p:cNvSpPr/>
+          <p:nvPr/>
+        </p:nvSpPr>
+        <p:spPr>
+          <a:xfrm>
+            <a:off x="6124267" y="4299152"/>
+            <a:ext cx="1991030" cy="921772"/>
+          </a:xfrm>
+          <a:prstGeom prst="rect">
+            <a:avLst/>
+          </a:prstGeom>
+          <a:ln w="28575"/>
+        </p:spPr>
+        <p:style>
+          <a:lnRef idx="2">
+            <a:schemeClr val="accent1"/>
+          </a:lnRef>
+          <a:fillRef idx="1">
+            <a:schemeClr val="lt1"/>
+          </a:fillRef>
+          <a:effectRef idx="0">
+            <a:schemeClr val="accent1"/>
+          </a:effectRef>
+          <a:fontRef idx="minor">
+            <a:schemeClr val="dk1"/>
+          </a:fontRef>
+        </p:style>
+        <p:txBody>
+          <a:bodyPr rtlCol="0" anchor="ctr"/>
+          <a:lstStyle/>
+          <a:p>
+            <a:pPr algn="ctr"/>
+            <a:endParaRPr lang="en-US"/>
+          </a:p>
+        </p:txBody>
+      </p:sp>
+      <p:sp>
+        <p:nvSpPr>
+          <p:cNvPr id="35" name="TextBox 34">
+            <a:extLst>
+              <a:ext uri="{FF2B5EF4-FFF2-40B4-BE49-F238E27FC236}">
+                <a16:creationId xmlns:a16="http://schemas.microsoft.com/office/drawing/2014/main" id="{E65DDF29-ED11-4AFB-8700-7EEA943A44E7}"/>
+              </a:ext>
+            </a:extLst>
+          </p:cNvPr>
+          <p:cNvSpPr txBox="1"/>
+          <p:nvPr/>
+        </p:nvSpPr>
+        <p:spPr>
+          <a:xfrm>
+            <a:off x="6219211" y="4363369"/>
+            <a:ext cx="1802990" cy="849432"/>
+          </a:xfrm>
+          <a:prstGeom prst="rect">
+            <a:avLst/>
+          </a:prstGeom>
+          <a:noFill/>
+        </p:spPr>
+        <p:txBody>
+          <a:bodyPr rot="0" spcFirstLastPara="0" vertOverflow="overflow" horzOverflow="overflow" vert="horz" wrap="square" lIns="91440" tIns="45720" rIns="91440" bIns="45720" numCol="1" spcCol="0" rtlCol="0" fromWordArt="0" anchor="t" anchorCtr="0" forceAA="0" compatLnSpc="1">
+            <a:prstTxWarp prst="textNoShape">
+              <a:avLst/>
+            </a:prstTxWarp>
+            <a:spAutoFit/>
+          </a:bodyPr>
+          <a:lstStyle/>
+          <a:p>
+            <a:r>
+              <a:rPr lang="en-US" sz="1600">
+                <a:cs typeface="Calibri"/>
+              </a:rPr>
+              <a:t>Kinematics varied slightly within step size</a:t>
+            </a:r>
+            <a:endParaRPr lang="en-US" sz="1600"/>
+          </a:p>
+        </p:txBody>
+      </p:sp>
+      <p:sp>
+        <p:nvSpPr>
+          <p:cNvPr id="37" name="Rectangle 36">
+            <a:extLst>
+              <a:ext uri="{FF2B5EF4-FFF2-40B4-BE49-F238E27FC236}">
+                <a16:creationId xmlns:a16="http://schemas.microsoft.com/office/drawing/2014/main" id="{AC4EFF59-5B56-4297-85B5-38EDDBB07623}"/>
+              </a:ext>
+            </a:extLst>
+          </p:cNvPr>
+          <p:cNvSpPr/>
+          <p:nvPr/>
+        </p:nvSpPr>
+        <p:spPr>
+          <a:xfrm>
+            <a:off x="9178410" y="5110312"/>
+            <a:ext cx="903338" cy="841887"/>
+          </a:xfrm>
+          <a:prstGeom prst="rect">
+            <a:avLst/>
+          </a:prstGeom>
+          <a:ln w="28575"/>
+        </p:spPr>
+        <p:style>
+          <a:lnRef idx="2">
+            <a:schemeClr val="accent1"/>
+          </a:lnRef>
+          <a:fillRef idx="1">
+            <a:schemeClr val="lt1"/>
+          </a:fillRef>
+          <a:effectRef idx="0">
+            <a:schemeClr val="accent1"/>
+          </a:effectRef>
+          <a:fontRef idx="minor">
+            <a:schemeClr val="dk1"/>
+          </a:fontRef>
+        </p:style>
+        <p:txBody>
+          <a:bodyPr rtlCol="0" anchor="ctr"/>
+          <a:lstStyle/>
+          <a:p>
+            <a:pPr algn="ctr"/>
+            <a:endParaRPr lang="en-US"/>
+          </a:p>
+        </p:txBody>
+      </p:sp>
+      <p:sp>
+        <p:nvSpPr>
+          <p:cNvPr id="39" name="TextBox 38">
+            <a:extLst>
+              <a:ext uri="{FF2B5EF4-FFF2-40B4-BE49-F238E27FC236}">
+                <a16:creationId xmlns:a16="http://schemas.microsoft.com/office/drawing/2014/main" id="{61A051B2-69F7-4651-9301-871F5E76FC37}"/>
+              </a:ext>
+            </a:extLst>
+          </p:cNvPr>
+          <p:cNvSpPr txBox="1"/>
+          <p:nvPr/>
+        </p:nvSpPr>
+        <p:spPr>
+          <a:xfrm>
+            <a:off x="9334805" y="5309721"/>
+            <a:ext cx="678426" cy="369332"/>
+          </a:xfrm>
+          <a:prstGeom prst="rect">
+            <a:avLst/>
+          </a:prstGeom>
+          <a:noFill/>
+        </p:spPr>
+        <p:txBody>
+          <a:bodyPr rot="0" spcFirstLastPara="0" vertOverflow="overflow" horzOverflow="overflow" vert="horz" wrap="square" lIns="91440" tIns="45720" rIns="91440" bIns="45720" numCol="1" spcCol="0" rtlCol="0" fromWordArt="0" anchor="t" anchorCtr="0" forceAA="0" compatLnSpc="1">
+            <a:prstTxWarp prst="textNoShape">
+              <a:avLst/>
+            </a:prstTxWarp>
+            <a:spAutoFit/>
+          </a:bodyPr>
+          <a:lstStyle/>
+          <a:p>
+            <a:r>
+              <a:rPr lang="en-US">
+                <a:cs typeface="Calibri"/>
+              </a:rPr>
+              <a:t>ANN</a:t>
+            </a:r>
+            <a:endParaRPr lang="en-US"/>
+          </a:p>
+        </p:txBody>
+      </p:sp>
+      <p:cxnSp>
+        <p:nvCxnSpPr>
+          <p:cNvPr id="45" name="Straight Arrow Connector 44">
+            <a:extLst>
+              <a:ext uri="{FF2B5EF4-FFF2-40B4-BE49-F238E27FC236}">
+                <a16:creationId xmlns:a16="http://schemas.microsoft.com/office/drawing/2014/main" id="{E01AC44E-55C5-474D-A3E4-EB8F34EA203D}"/>
+              </a:ext>
+            </a:extLst>
+          </p:cNvPr>
+          <p:cNvCxnSpPr>
+            <a:cxnSpLocks/>
+          </p:cNvCxnSpPr>
+          <p:nvPr/>
+        </p:nvCxnSpPr>
+        <p:spPr>
+          <a:xfrm>
+            <a:off x="10293760" y="4062563"/>
+            <a:ext cx="324466" cy="17209"/>
+          </a:xfrm>
+          <a:prstGeom prst="straightConnector1">
+            <a:avLst/>
+          </a:prstGeom>
+          <a:ln>
+            <a:tailEnd type="triangle"/>
+          </a:ln>
+        </p:spPr>
+        <p:style>
+          <a:lnRef idx="3">
+            <a:schemeClr val="dk1"/>
+          </a:lnRef>
+          <a:fillRef idx="0">
+            <a:schemeClr val="dk1"/>
+          </a:fillRef>
+          <a:effectRef idx="2">
+            <a:schemeClr val="dk1"/>
+          </a:effectRef>
+          <a:fontRef idx="minor">
+            <a:schemeClr val="tx1"/>
+          </a:fontRef>
+        </p:style>
+      </p:cxnSp>
+      <p:sp>
+        <p:nvSpPr>
+          <p:cNvPr id="48" name="Rectangle 47">
+            <a:extLst>
+              <a:ext uri="{FF2B5EF4-FFF2-40B4-BE49-F238E27FC236}">
+                <a16:creationId xmlns:a16="http://schemas.microsoft.com/office/drawing/2014/main" id="{39EBE75A-5CC2-4CF7-BD4E-B4F1016E963B}"/>
+              </a:ext>
+            </a:extLst>
+          </p:cNvPr>
+          <p:cNvSpPr/>
+          <p:nvPr/>
+        </p:nvSpPr>
+        <p:spPr>
+          <a:xfrm>
+            <a:off x="6124266" y="2922636"/>
+            <a:ext cx="1984886" cy="1272049"/>
+          </a:xfrm>
+          <a:prstGeom prst="rect">
+            <a:avLst/>
+          </a:prstGeom>
+          <a:ln w="28575"/>
+        </p:spPr>
+        <p:style>
+          <a:lnRef idx="2">
+            <a:schemeClr val="accent1"/>
+          </a:lnRef>
+          <a:fillRef idx="1">
+            <a:schemeClr val="lt1"/>
+          </a:fillRef>
+          <a:effectRef idx="0">
+            <a:schemeClr val="accent1"/>
+          </a:effectRef>
+          <a:fontRef idx="minor">
+            <a:schemeClr val="dk1"/>
+          </a:fontRef>
+        </p:style>
+        <p:txBody>
+          <a:bodyPr rtlCol="0" anchor="ctr"/>
+          <a:lstStyle/>
+          <a:p>
+            <a:pPr algn="ctr"/>
+            <a:endParaRPr lang="en-US"/>
+          </a:p>
+        </p:txBody>
+      </p:sp>
+      <p:sp>
+        <p:nvSpPr>
+          <p:cNvPr id="49" name="TextBox 48">
+            <a:extLst>
+              <a:ext uri="{FF2B5EF4-FFF2-40B4-BE49-F238E27FC236}">
+                <a16:creationId xmlns:a16="http://schemas.microsoft.com/office/drawing/2014/main" id="{83D7A800-CE44-41C5-963D-2B2F672EA2D0}"/>
+              </a:ext>
+            </a:extLst>
+          </p:cNvPr>
+          <p:cNvSpPr txBox="1"/>
+          <p:nvPr/>
+        </p:nvSpPr>
+        <p:spPr>
+          <a:xfrm>
+            <a:off x="6127032" y="3005290"/>
+            <a:ext cx="1993491" cy="1200329"/>
+          </a:xfrm>
+          <a:prstGeom prst="rect">
+            <a:avLst/>
+          </a:prstGeom>
+          <a:noFill/>
+        </p:spPr>
+        <p:txBody>
+          <a:bodyPr rot="0" spcFirstLastPara="0" vertOverflow="overflow" horzOverflow="overflow" vert="horz" wrap="square" lIns="91440" tIns="45720" rIns="91440" bIns="45720" numCol="1" spcCol="0" rtlCol="0" fromWordArt="0" anchor="t" anchorCtr="0" forceAA="0" compatLnSpc="1">
+            <a:prstTxWarp prst="textNoShape">
+              <a:avLst/>
+            </a:prstTxWarp>
+            <a:spAutoFit/>
+          </a:bodyPr>
+          <a:lstStyle/>
+          <a:p>
+            <a:r>
+              <a:rPr lang="en-US">
+                <a:cs typeface="Calibri"/>
+              </a:rPr>
+              <a:t>Randomly generated CFFs using mean and std from previous step</a:t>
+            </a:r>
+          </a:p>
+        </p:txBody>
+      </p:sp>
+      <p:sp>
+        <p:nvSpPr>
+          <p:cNvPr id="51" name="Rectangle 50">
+            <a:extLst>
+              <a:ext uri="{FF2B5EF4-FFF2-40B4-BE49-F238E27FC236}">
+                <a16:creationId xmlns:a16="http://schemas.microsoft.com/office/drawing/2014/main" id="{EEF02C0F-06D0-4E45-B562-0E9D8DA43026}"/>
+              </a:ext>
+            </a:extLst>
+          </p:cNvPr>
+          <p:cNvSpPr/>
+          <p:nvPr/>
+        </p:nvSpPr>
+        <p:spPr>
+          <a:xfrm>
+            <a:off x="8957186" y="3660058"/>
+            <a:ext cx="1284338" cy="823451"/>
+          </a:xfrm>
+          <a:prstGeom prst="rect">
+            <a:avLst/>
+          </a:prstGeom>
+          <a:ln w="28575"/>
+        </p:spPr>
+        <p:style>
+          <a:lnRef idx="2">
+            <a:schemeClr val="accent1"/>
+          </a:lnRef>
+          <a:fillRef idx="1">
+            <a:schemeClr val="lt1"/>
+          </a:fillRef>
+          <a:effectRef idx="0">
+            <a:schemeClr val="accent1"/>
+          </a:effectRef>
+          <a:fontRef idx="minor">
+            <a:schemeClr val="dk1"/>
+          </a:fontRef>
+        </p:style>
+        <p:txBody>
+          <a:bodyPr rtlCol="0" anchor="ctr"/>
+          <a:lstStyle/>
+          <a:p>
+            <a:pPr algn="ctr"/>
+            <a:endParaRPr lang="en-US"/>
+          </a:p>
+        </p:txBody>
+      </p:sp>
+      <p:sp>
+        <p:nvSpPr>
+          <p:cNvPr id="53" name="TextBox 52">
+            <a:extLst>
+              <a:ext uri="{FF2B5EF4-FFF2-40B4-BE49-F238E27FC236}">
+                <a16:creationId xmlns:a16="http://schemas.microsoft.com/office/drawing/2014/main" id="{38BC8154-0EBB-4C46-87D7-334E43928E98}"/>
+              </a:ext>
+            </a:extLst>
+          </p:cNvPr>
+          <p:cNvSpPr txBox="1"/>
+          <p:nvPr/>
+        </p:nvSpPr>
+        <p:spPr>
+          <a:xfrm>
+            <a:off x="9076710" y="3724275"/>
+            <a:ext cx="1182330" cy="664299"/>
+          </a:xfrm>
+          <a:prstGeom prst="rect">
+            <a:avLst/>
+          </a:prstGeom>
+          <a:noFill/>
+        </p:spPr>
+        <p:txBody>
+          <a:bodyPr rot="0" spcFirstLastPara="0" vertOverflow="overflow" horzOverflow="overflow" vert="horz" wrap="square" lIns="91440" tIns="45720" rIns="91440" bIns="45720" numCol="1" spcCol="0" rtlCol="0" fromWordArt="0" anchor="t" anchorCtr="0" forceAA="0" compatLnSpc="1">
+            <a:prstTxWarp prst="textNoShape">
+              <a:avLst/>
+            </a:prstTxWarp>
+            <a:spAutoFit/>
+          </a:bodyPr>
+          <a:lstStyle/>
+          <a:p>
+            <a:r>
+              <a:rPr lang="en-US">
+                <a:cs typeface="Calibri"/>
+              </a:rPr>
+              <a:t>TotalUUXS function</a:t>
+            </a:r>
+          </a:p>
+        </p:txBody>
+      </p:sp>
+      <p:cxnSp>
+        <p:nvCxnSpPr>
+          <p:cNvPr id="54" name="Straight Arrow Connector 53">
+            <a:extLst>
+              <a:ext uri="{FF2B5EF4-FFF2-40B4-BE49-F238E27FC236}">
+                <a16:creationId xmlns:a16="http://schemas.microsoft.com/office/drawing/2014/main" id="{9E4EAA7E-06FB-42FB-A657-0B2185DA01B8}"/>
+              </a:ext>
+            </a:extLst>
+          </p:cNvPr>
+          <p:cNvCxnSpPr>
+            <a:cxnSpLocks/>
+          </p:cNvCxnSpPr>
+          <p:nvPr/>
+        </p:nvCxnSpPr>
+        <p:spPr>
+          <a:xfrm>
+            <a:off x="8136808" y="3497205"/>
+            <a:ext cx="699318" cy="435080"/>
+          </a:xfrm>
+          <a:prstGeom prst="straightConnector1">
+            <a:avLst/>
+          </a:prstGeom>
+          <a:ln>
+            <a:tailEnd type="triangle"/>
+          </a:ln>
+        </p:spPr>
+        <p:style>
+          <a:lnRef idx="3">
+            <a:schemeClr val="dk1"/>
+          </a:lnRef>
+          <a:fillRef idx="0">
+            <a:schemeClr val="dk1"/>
+          </a:fillRef>
+          <a:effectRef idx="2">
+            <a:schemeClr val="dk1"/>
+          </a:effectRef>
+          <a:fontRef idx="minor">
+            <a:schemeClr val="tx1"/>
+          </a:fontRef>
+        </p:style>
+      </p:cxnSp>
+      <p:sp>
+        <p:nvSpPr>
+          <p:cNvPr id="56" name="Rectangle 55">
+            <a:extLst>
+              <a:ext uri="{FF2B5EF4-FFF2-40B4-BE49-F238E27FC236}">
+                <a16:creationId xmlns:a16="http://schemas.microsoft.com/office/drawing/2014/main" id="{9DC2B732-3189-437E-9DFC-A83C0E108611}"/>
+              </a:ext>
+            </a:extLst>
+          </p:cNvPr>
+          <p:cNvSpPr/>
+          <p:nvPr/>
+        </p:nvSpPr>
+        <p:spPr>
+          <a:xfrm>
+            <a:off x="10622524" y="3672345"/>
+            <a:ext cx="989370" cy="731275"/>
+          </a:xfrm>
+          <a:prstGeom prst="rect">
+            <a:avLst/>
+          </a:prstGeom>
+          <a:ln w="28575"/>
+        </p:spPr>
+        <p:style>
+          <a:lnRef idx="2">
+            <a:schemeClr val="accent1"/>
+          </a:lnRef>
+          <a:fillRef idx="1">
+            <a:schemeClr val="lt1"/>
+          </a:fillRef>
+          <a:effectRef idx="0">
+            <a:schemeClr val="accent1"/>
+          </a:effectRef>
+          <a:fontRef idx="minor">
+            <a:schemeClr val="dk1"/>
+          </a:fontRef>
+        </p:style>
+        <p:txBody>
+          <a:bodyPr rtlCol="0" anchor="ctr"/>
+          <a:lstStyle/>
+          <a:p>
+            <a:pPr algn="ctr"/>
+            <a:endParaRPr lang="en-US"/>
+          </a:p>
+        </p:txBody>
+      </p:sp>
+      <p:sp>
+        <p:nvSpPr>
+          <p:cNvPr id="58" name="TextBox 57">
+            <a:extLst>
+              <a:ext uri="{FF2B5EF4-FFF2-40B4-BE49-F238E27FC236}">
+                <a16:creationId xmlns:a16="http://schemas.microsoft.com/office/drawing/2014/main" id="{6608D758-207C-4DEC-81E4-A66B40873F63}"/>
+              </a:ext>
+            </a:extLst>
+          </p:cNvPr>
+          <p:cNvSpPr txBox="1"/>
+          <p:nvPr/>
+        </p:nvSpPr>
+        <p:spPr>
+          <a:xfrm>
+            <a:off x="10686741" y="3884044"/>
+            <a:ext cx="795185" cy="307777"/>
+          </a:xfrm>
+          <a:prstGeom prst="rect">
+            <a:avLst/>
+          </a:prstGeom>
+          <a:noFill/>
+        </p:spPr>
+        <p:txBody>
+          <a:bodyPr rot="0" spcFirstLastPara="0" vertOverflow="overflow" horzOverflow="overflow" vert="horz" wrap="square" lIns="91440" tIns="45720" rIns="91440" bIns="45720" numCol="1" spcCol="0" rtlCol="0" fromWordArt="0" anchor="t" anchorCtr="0" forceAA="0" compatLnSpc="1">
+            <a:prstTxWarp prst="textNoShape">
+              <a:avLst/>
+            </a:prstTxWarp>
+            <a:spAutoFit/>
+          </a:bodyPr>
+          <a:lstStyle/>
+          <a:p>
+            <a:r>
+              <a:rPr lang="en-US" sz="1400">
+                <a:cs typeface="Calibri"/>
+              </a:rPr>
+              <a:t>F values</a:t>
+            </a:r>
+          </a:p>
+        </p:txBody>
+      </p:sp>
+      <p:cxnSp>
+        <p:nvCxnSpPr>
+          <p:cNvPr id="60" name="Straight Arrow Connector 59">
+            <a:extLst>
+              <a:ext uri="{FF2B5EF4-FFF2-40B4-BE49-F238E27FC236}">
+                <a16:creationId xmlns:a16="http://schemas.microsoft.com/office/drawing/2014/main" id="{DA2F8D64-D00D-4569-90D0-2AA1175A4066}"/>
+              </a:ext>
+            </a:extLst>
+          </p:cNvPr>
+          <p:cNvCxnSpPr>
+            <a:cxnSpLocks/>
+          </p:cNvCxnSpPr>
+          <p:nvPr/>
+        </p:nvCxnSpPr>
+        <p:spPr>
+          <a:xfrm flipH="1">
+            <a:off x="9690304" y="4505011"/>
+            <a:ext cx="1316294" cy="582564"/>
+          </a:xfrm>
+          <a:prstGeom prst="straightConnector1">
+            <a:avLst/>
+          </a:prstGeom>
+          <a:ln>
+            <a:tailEnd type="triangle"/>
+          </a:ln>
+        </p:spPr>
+        <p:style>
+          <a:lnRef idx="3">
+            <a:schemeClr val="dk1"/>
+          </a:lnRef>
+          <a:fillRef idx="0">
+            <a:schemeClr val="dk1"/>
+          </a:fillRef>
+          <a:effectRef idx="2">
+            <a:schemeClr val="dk1"/>
+          </a:effectRef>
+          <a:fontRef idx="minor">
+            <a:schemeClr val="tx1"/>
+          </a:fontRef>
+        </p:style>
+      </p:cxnSp>
+      <p:cxnSp>
+        <p:nvCxnSpPr>
+          <p:cNvPr id="61" name="Straight Arrow Connector 60">
+            <a:extLst>
+              <a:ext uri="{FF2B5EF4-FFF2-40B4-BE49-F238E27FC236}">
+                <a16:creationId xmlns:a16="http://schemas.microsoft.com/office/drawing/2014/main" id="{F4E32373-4033-40CC-82D3-2023E2530E77}"/>
+              </a:ext>
+            </a:extLst>
+          </p:cNvPr>
+          <p:cNvCxnSpPr>
+            <a:cxnSpLocks/>
+          </p:cNvCxnSpPr>
+          <p:nvPr/>
+        </p:nvCxnSpPr>
+        <p:spPr>
+          <a:xfrm>
+            <a:off x="8142954" y="4996627"/>
+            <a:ext cx="957415" cy="416642"/>
+          </a:xfrm>
+          <a:prstGeom prst="straightConnector1">
+            <a:avLst/>
+          </a:prstGeom>
+          <a:ln>
+            <a:tailEnd type="triangle"/>
+          </a:ln>
+        </p:spPr>
+        <p:style>
+          <a:lnRef idx="3">
+            <a:schemeClr val="dk1"/>
+          </a:lnRef>
+          <a:fillRef idx="0">
+            <a:schemeClr val="dk1"/>
+          </a:fillRef>
+          <a:effectRef idx="2">
+            <a:schemeClr val="dk1"/>
+          </a:effectRef>
+          <a:fontRef idx="minor">
+            <a:schemeClr val="tx1"/>
+          </a:fontRef>
+        </p:style>
+      </p:cxnSp>
+      <p:sp>
+        <p:nvSpPr>
+          <p:cNvPr id="63" name="Rectangle 62">
+            <a:extLst>
+              <a:ext uri="{FF2B5EF4-FFF2-40B4-BE49-F238E27FC236}">
+                <a16:creationId xmlns:a16="http://schemas.microsoft.com/office/drawing/2014/main" id="{2A78A85D-D103-4CEF-AE07-5B1E53FC4A24}"/>
+              </a:ext>
+            </a:extLst>
+          </p:cNvPr>
+          <p:cNvSpPr/>
+          <p:nvPr/>
+        </p:nvSpPr>
+        <p:spPr>
+          <a:xfrm>
+            <a:off x="6677331" y="5669522"/>
+            <a:ext cx="2107789" cy="977081"/>
+          </a:xfrm>
+          <a:prstGeom prst="rect">
+            <a:avLst/>
+          </a:prstGeom>
+          <a:ln w="28575"/>
+        </p:spPr>
+        <p:style>
+          <a:lnRef idx="2">
+            <a:schemeClr val="accent1"/>
+          </a:lnRef>
+          <a:fillRef idx="1">
+            <a:schemeClr val="lt1"/>
+          </a:fillRef>
+          <a:effectRef idx="0">
+            <a:schemeClr val="accent1"/>
+          </a:effectRef>
+          <a:fontRef idx="minor">
+            <a:schemeClr val="dk1"/>
+          </a:fontRef>
+        </p:style>
+        <p:txBody>
+          <a:bodyPr rtlCol="0" anchor="ctr"/>
+          <a:lstStyle/>
+          <a:p>
+            <a:pPr algn="ctr"/>
+            <a:endParaRPr lang="en-US"/>
+          </a:p>
+        </p:txBody>
+      </p:sp>
+      <p:sp>
+        <p:nvSpPr>
+          <p:cNvPr id="65" name="TextBox 64">
+            <a:extLst>
+              <a:ext uri="{FF2B5EF4-FFF2-40B4-BE49-F238E27FC236}">
+                <a16:creationId xmlns:a16="http://schemas.microsoft.com/office/drawing/2014/main" id="{17E6912D-049D-4AF2-8319-587A38A20DAF}"/>
+              </a:ext>
+            </a:extLst>
+          </p:cNvPr>
+          <p:cNvSpPr txBox="1"/>
+          <p:nvPr/>
+        </p:nvSpPr>
+        <p:spPr>
+          <a:xfrm>
+            <a:off x="7159420" y="5979546"/>
+            <a:ext cx="1268362" cy="369332"/>
+          </a:xfrm>
+          <a:prstGeom prst="rect">
+            <a:avLst/>
+          </a:prstGeom>
+          <a:noFill/>
+        </p:spPr>
+        <p:txBody>
+          <a:bodyPr rot="0" spcFirstLastPara="0" vertOverflow="overflow" horzOverflow="overflow" vert="horz" wrap="square" lIns="91440" tIns="45720" rIns="91440" bIns="45720" numCol="1" spcCol="0" rtlCol="0" fromWordArt="0" anchor="t" anchorCtr="0" forceAA="0" compatLnSpc="1">
+            <a:prstTxWarp prst="textNoShape">
+              <a:avLst/>
+            </a:prstTxWarp>
+            <a:spAutoFit/>
+          </a:bodyPr>
+          <a:lstStyle/>
+          <a:p>
+            <a:r>
+              <a:rPr lang="en-US">
+                <a:cs typeface="Calibri"/>
+              </a:rPr>
+              <a:t>Optimizer</a:t>
+            </a:r>
+          </a:p>
+        </p:txBody>
+      </p:sp>
+      <p:cxnSp>
+        <p:nvCxnSpPr>
+          <p:cNvPr id="66" name="Straight Arrow Connector 65">
+            <a:extLst>
+              <a:ext uri="{FF2B5EF4-FFF2-40B4-BE49-F238E27FC236}">
+                <a16:creationId xmlns:a16="http://schemas.microsoft.com/office/drawing/2014/main" id="{A57ACA1C-51A8-4CD1-88E3-75E50126A328}"/>
+              </a:ext>
+            </a:extLst>
+          </p:cNvPr>
+          <p:cNvCxnSpPr>
+            <a:cxnSpLocks/>
+          </p:cNvCxnSpPr>
+          <p:nvPr/>
+        </p:nvCxnSpPr>
+        <p:spPr>
+          <a:xfrm>
+            <a:off x="8149098" y="3669269"/>
+            <a:ext cx="207706" cy="1922209"/>
+          </a:xfrm>
+          <a:prstGeom prst="straightConnector1">
+            <a:avLst/>
+          </a:prstGeom>
+          <a:ln>
+            <a:tailEnd type="triangle"/>
+          </a:ln>
+        </p:spPr>
+        <p:style>
+          <a:lnRef idx="3">
+            <a:schemeClr val="dk1"/>
+          </a:lnRef>
+          <a:fillRef idx="0">
+            <a:schemeClr val="dk1"/>
+          </a:fillRef>
+          <a:effectRef idx="2">
+            <a:schemeClr val="dk1"/>
+          </a:effectRef>
+          <a:fontRef idx="minor">
+            <a:schemeClr val="tx1"/>
+          </a:fontRef>
+        </p:style>
+      </p:cxnSp>
+      <p:cxnSp>
+        <p:nvCxnSpPr>
+          <p:cNvPr id="67" name="Straight Arrow Connector 66">
+            <a:extLst>
+              <a:ext uri="{FF2B5EF4-FFF2-40B4-BE49-F238E27FC236}">
+                <a16:creationId xmlns:a16="http://schemas.microsoft.com/office/drawing/2014/main" id="{963E4FD5-684C-4B63-8CA0-BEB55B9B25EE}"/>
+              </a:ext>
+            </a:extLst>
+          </p:cNvPr>
+          <p:cNvCxnSpPr>
+            <a:cxnSpLocks/>
+          </p:cNvCxnSpPr>
+          <p:nvPr/>
+        </p:nvCxnSpPr>
+        <p:spPr>
+          <a:xfrm flipH="1">
+            <a:off x="8829980" y="5678736"/>
+            <a:ext cx="308488" cy="293742"/>
+          </a:xfrm>
+          <a:prstGeom prst="straightConnector1">
+            <a:avLst/>
+          </a:prstGeom>
+          <a:ln>
+            <a:tailEnd type="triangle"/>
+          </a:ln>
+        </p:spPr>
+        <p:style>
+          <a:lnRef idx="3">
+            <a:schemeClr val="dk1"/>
+          </a:lnRef>
+          <a:fillRef idx="0">
+            <a:schemeClr val="dk1"/>
+          </a:fillRef>
+          <a:effectRef idx="2">
+            <a:schemeClr val="dk1"/>
+          </a:effectRef>
+          <a:fontRef idx="minor">
+            <a:schemeClr val="tx1"/>
+          </a:fontRef>
+        </p:style>
+      </p:cxnSp>
+      <p:cxnSp>
+        <p:nvCxnSpPr>
+          <p:cNvPr id="68" name="Straight Arrow Connector 67">
+            <a:extLst>
+              <a:ext uri="{FF2B5EF4-FFF2-40B4-BE49-F238E27FC236}">
+                <a16:creationId xmlns:a16="http://schemas.microsoft.com/office/drawing/2014/main" id="{85F62912-A1FF-4C1A-84BD-EE82AA18BECF}"/>
+              </a:ext>
+            </a:extLst>
+          </p:cNvPr>
+          <p:cNvCxnSpPr>
+            <a:cxnSpLocks/>
+          </p:cNvCxnSpPr>
+          <p:nvPr/>
+        </p:nvCxnSpPr>
+        <p:spPr>
+          <a:xfrm flipV="1">
+            <a:off x="8812775" y="6015494"/>
+            <a:ext cx="656301" cy="400660"/>
+          </a:xfrm>
+          <a:prstGeom prst="straightConnector1">
+            <a:avLst/>
+          </a:prstGeom>
+          <a:ln>
+            <a:tailEnd type="triangle"/>
+          </a:ln>
+        </p:spPr>
+        <p:style>
+          <a:lnRef idx="3">
+            <a:schemeClr val="dk1"/>
+          </a:lnRef>
+          <a:fillRef idx="0">
+            <a:schemeClr val="dk1"/>
+          </a:fillRef>
+          <a:effectRef idx="2">
+            <a:schemeClr val="dk1"/>
+          </a:effectRef>
+          <a:fontRef idx="minor">
+            <a:schemeClr val="tx1"/>
+          </a:fontRef>
+        </p:style>
+      </p:cxnSp>
+      <p:sp>
+        <p:nvSpPr>
+          <p:cNvPr id="69" name="Rectangle 68">
+            <a:extLst>
+              <a:ext uri="{FF2B5EF4-FFF2-40B4-BE49-F238E27FC236}">
+                <a16:creationId xmlns:a16="http://schemas.microsoft.com/office/drawing/2014/main" id="{7B56831F-92DE-4C3A-9F64-22ADFF8E06C1}"/>
+              </a:ext>
+            </a:extLst>
+          </p:cNvPr>
+          <p:cNvSpPr/>
+          <p:nvPr/>
+        </p:nvSpPr>
+        <p:spPr>
+          <a:xfrm>
+            <a:off x="427702" y="5122602"/>
+            <a:ext cx="1948014" cy="553064"/>
+          </a:xfrm>
+          <a:prstGeom prst="rect">
+            <a:avLst/>
+          </a:prstGeom>
+          <a:ln w="28575"/>
+        </p:spPr>
+        <p:style>
+          <a:lnRef idx="2">
+            <a:schemeClr val="accent1"/>
+          </a:lnRef>
+          <a:fillRef idx="1">
+            <a:schemeClr val="lt1"/>
+          </a:fillRef>
+          <a:effectRef idx="0">
+            <a:schemeClr val="accent1"/>
+          </a:effectRef>
+          <a:fontRef idx="minor">
+            <a:schemeClr val="dk1"/>
+          </a:fontRef>
+        </p:style>
+        <p:txBody>
+          <a:bodyPr rtlCol="0" anchor="ctr"/>
+          <a:lstStyle/>
+          <a:p>
+            <a:pPr algn="ctr"/>
+            <a:endParaRPr lang="en-US"/>
+          </a:p>
+        </p:txBody>
+      </p:sp>
+      <p:sp>
+        <p:nvSpPr>
+          <p:cNvPr id="70" name="TextBox 69">
+            <a:extLst>
+              <a:ext uri="{FF2B5EF4-FFF2-40B4-BE49-F238E27FC236}">
+                <a16:creationId xmlns:a16="http://schemas.microsoft.com/office/drawing/2014/main" id="{364E0DCF-1D86-46A7-A062-908B9FE68130}"/>
+              </a:ext>
+            </a:extLst>
+          </p:cNvPr>
+          <p:cNvSpPr txBox="1"/>
+          <p:nvPr/>
+        </p:nvSpPr>
+        <p:spPr>
+          <a:xfrm>
+            <a:off x="571807" y="5229836"/>
+            <a:ext cx="1802990" cy="338554"/>
+          </a:xfrm>
+          <a:prstGeom prst="rect">
+            <a:avLst/>
+          </a:prstGeom>
+          <a:noFill/>
+        </p:spPr>
+        <p:txBody>
+          <a:bodyPr rot="0" spcFirstLastPara="0" vertOverflow="overflow" horzOverflow="overflow" vert="horz" wrap="square" lIns="91440" tIns="45720" rIns="91440" bIns="45720" numCol="1" spcCol="0" rtlCol="0" fromWordArt="0" anchor="t" anchorCtr="0" forceAA="0" compatLnSpc="1">
+            <a:prstTxWarp prst="textNoShape">
+              <a:avLst/>
+            </a:prstTxWarp>
+            <a:spAutoFit/>
+          </a:bodyPr>
+          <a:lstStyle/>
+          <a:p>
+            <a:r>
+              <a:rPr lang="en-US" sz="1600">
+                <a:cs typeface="Calibri"/>
+              </a:rPr>
+              <a:t>Initial kinematics </a:t>
+            </a:r>
+          </a:p>
+        </p:txBody>
+      </p:sp>
+      <p:sp>
+        <p:nvSpPr>
+          <p:cNvPr id="71" name="Rectangle 70">
+            <a:extLst>
+              <a:ext uri="{FF2B5EF4-FFF2-40B4-BE49-F238E27FC236}">
+                <a16:creationId xmlns:a16="http://schemas.microsoft.com/office/drawing/2014/main" id="{7E970D61-4D24-4FB9-8E33-FA25934AAA92}"/>
+              </a:ext>
+            </a:extLst>
+          </p:cNvPr>
+          <p:cNvSpPr/>
+          <p:nvPr/>
+        </p:nvSpPr>
+        <p:spPr>
+          <a:xfrm>
+            <a:off x="3322072" y="4372891"/>
+            <a:ext cx="1972596" cy="841887"/>
+          </a:xfrm>
+          <a:prstGeom prst="rect">
+            <a:avLst/>
+          </a:prstGeom>
+          <a:ln w="28575"/>
+        </p:spPr>
+        <p:style>
+          <a:lnRef idx="2">
+            <a:schemeClr val="accent1"/>
+          </a:lnRef>
+          <a:fillRef idx="1">
+            <a:schemeClr val="lt1"/>
+          </a:fillRef>
+          <a:effectRef idx="0">
+            <a:schemeClr val="accent1"/>
+          </a:effectRef>
+          <a:fontRef idx="minor">
+            <a:schemeClr val="dk1"/>
+          </a:fontRef>
+        </p:style>
+        <p:txBody>
+          <a:bodyPr rtlCol="0" anchor="ctr"/>
+          <a:lstStyle/>
+          <a:p>
+            <a:pPr algn="ctr"/>
+            <a:endParaRPr lang="en-US"/>
+          </a:p>
+        </p:txBody>
+      </p:sp>
+      <p:sp>
+        <p:nvSpPr>
+          <p:cNvPr id="72" name="TextBox 71">
+            <a:extLst>
+              <a:ext uri="{FF2B5EF4-FFF2-40B4-BE49-F238E27FC236}">
+                <a16:creationId xmlns:a16="http://schemas.microsoft.com/office/drawing/2014/main" id="{136B0651-C3F4-4C50-8A5B-03FAD9C82E6F}"/>
+              </a:ext>
+            </a:extLst>
+          </p:cNvPr>
+          <p:cNvSpPr txBox="1"/>
+          <p:nvPr/>
+        </p:nvSpPr>
+        <p:spPr>
+          <a:xfrm>
+            <a:off x="3656676" y="4473978"/>
+            <a:ext cx="1477296" cy="646331"/>
+          </a:xfrm>
+          <a:prstGeom prst="rect">
+            <a:avLst/>
+          </a:prstGeom>
+          <a:noFill/>
+        </p:spPr>
+        <p:txBody>
+          <a:bodyPr rot="0" spcFirstLastPara="0" vertOverflow="overflow" horzOverflow="overflow" vert="horz" wrap="square" lIns="91440" tIns="45720" rIns="91440" bIns="45720" numCol="1" spcCol="0" rtlCol="0" fromWordArt="0" anchor="t" anchorCtr="0" forceAA="0" compatLnSpc="1">
+            <a:prstTxWarp prst="textNoShape">
+              <a:avLst/>
+            </a:prstTxWarp>
+            <a:spAutoFit/>
+          </a:bodyPr>
+          <a:lstStyle/>
+          <a:p>
+            <a:r>
+              <a:rPr lang="en-US">
+                <a:cs typeface="Calibri"/>
+              </a:rPr>
+              <a:t>ANN post-training</a:t>
+            </a:r>
+            <a:endParaRPr lang="en-US"/>
+          </a:p>
+        </p:txBody>
+      </p:sp>
+      <p:sp>
+        <p:nvSpPr>
+          <p:cNvPr id="73" name="Rectangle 72">
+            <a:extLst>
+              <a:ext uri="{FF2B5EF4-FFF2-40B4-BE49-F238E27FC236}">
+                <a16:creationId xmlns:a16="http://schemas.microsoft.com/office/drawing/2014/main" id="{CA458D53-9204-410E-AF63-45F7ED301B50}"/>
+              </a:ext>
+            </a:extLst>
+          </p:cNvPr>
+          <p:cNvSpPr/>
+          <p:nvPr/>
+        </p:nvSpPr>
+        <p:spPr>
+          <a:xfrm>
+            <a:off x="2934925" y="5829293"/>
+            <a:ext cx="1972596" cy="841887"/>
+          </a:xfrm>
+          <a:prstGeom prst="rect">
+            <a:avLst/>
+          </a:prstGeom>
+          <a:ln w="28575"/>
+        </p:spPr>
+        <p:style>
+          <a:lnRef idx="2">
+            <a:schemeClr val="accent1"/>
+          </a:lnRef>
+          <a:fillRef idx="1">
+            <a:schemeClr val="lt1"/>
+          </a:fillRef>
+          <a:effectRef idx="0">
+            <a:schemeClr val="accent1"/>
+          </a:effectRef>
+          <a:fontRef idx="minor">
+            <a:schemeClr val="dk1"/>
+          </a:fontRef>
+        </p:style>
+        <p:txBody>
+          <a:bodyPr rtlCol="0" anchor="ctr"/>
+          <a:lstStyle/>
+          <a:p>
+            <a:pPr algn="ctr"/>
+            <a:endParaRPr lang="en-US"/>
+          </a:p>
+        </p:txBody>
+      </p:sp>
+      <p:sp>
+        <p:nvSpPr>
+          <p:cNvPr id="74" name="TextBox 73">
+            <a:extLst>
+              <a:ext uri="{FF2B5EF4-FFF2-40B4-BE49-F238E27FC236}">
+                <a16:creationId xmlns:a16="http://schemas.microsoft.com/office/drawing/2014/main" id="{E1DB8813-654D-450A-997C-3B025F84FF77}"/>
+              </a:ext>
+            </a:extLst>
+          </p:cNvPr>
+          <p:cNvSpPr txBox="1"/>
+          <p:nvPr/>
+        </p:nvSpPr>
+        <p:spPr>
+          <a:xfrm>
+            <a:off x="3269530" y="5930380"/>
+            <a:ext cx="1477296" cy="646331"/>
+          </a:xfrm>
+          <a:prstGeom prst="rect">
+            <a:avLst/>
+          </a:prstGeom>
+          <a:noFill/>
+        </p:spPr>
+        <p:txBody>
+          <a:bodyPr rot="0" spcFirstLastPara="0" vertOverflow="overflow" horzOverflow="overflow" vert="horz" wrap="square" lIns="91440" tIns="45720" rIns="91440" bIns="45720" numCol="1" spcCol="0" rtlCol="0" fromWordArt="0" anchor="t" anchorCtr="0" forceAA="0" compatLnSpc="1">
+            <a:prstTxWarp prst="textNoShape">
+              <a:avLst/>
+            </a:prstTxWarp>
+            <a:spAutoFit/>
+          </a:bodyPr>
+          <a:lstStyle/>
+          <a:p>
+            <a:r>
+              <a:rPr lang="en-US">
+                <a:cs typeface="Calibri"/>
+              </a:rPr>
+              <a:t>CFF distributions</a:t>
+            </a:r>
+            <a:endParaRPr lang="en-US"/>
+          </a:p>
+        </p:txBody>
+      </p:sp>
+      <p:cxnSp>
+        <p:nvCxnSpPr>
+          <p:cNvPr id="75" name="Straight Arrow Connector 74">
+            <a:extLst>
+              <a:ext uri="{FF2B5EF4-FFF2-40B4-BE49-F238E27FC236}">
+                <a16:creationId xmlns:a16="http://schemas.microsoft.com/office/drawing/2014/main" id="{983F3808-1CFE-438D-A2DD-E34C3AE5B471}"/>
+              </a:ext>
+            </a:extLst>
+          </p:cNvPr>
+          <p:cNvCxnSpPr>
+            <a:cxnSpLocks/>
+          </p:cNvCxnSpPr>
+          <p:nvPr/>
+        </p:nvCxnSpPr>
+        <p:spPr>
+          <a:xfrm flipV="1">
+            <a:off x="2446388" y="4854062"/>
+            <a:ext cx="797643" cy="443679"/>
+          </a:xfrm>
+          <a:prstGeom prst="straightConnector1">
+            <a:avLst/>
+          </a:prstGeom>
+          <a:ln>
+            <a:tailEnd type="triangle"/>
+          </a:ln>
+        </p:spPr>
+        <p:style>
+          <a:lnRef idx="3">
+            <a:schemeClr val="dk1"/>
+          </a:lnRef>
+          <a:fillRef idx="0">
+            <a:schemeClr val="dk1"/>
+          </a:fillRef>
+          <a:effectRef idx="2">
+            <a:schemeClr val="dk1"/>
+          </a:effectRef>
+          <a:fontRef idx="minor">
+            <a:schemeClr val="tx1"/>
+          </a:fontRef>
+        </p:style>
+      </p:cxnSp>
+      <p:cxnSp>
+        <p:nvCxnSpPr>
+          <p:cNvPr id="76" name="Straight Arrow Connector 75">
+            <a:extLst>
+              <a:ext uri="{FF2B5EF4-FFF2-40B4-BE49-F238E27FC236}">
+                <a16:creationId xmlns:a16="http://schemas.microsoft.com/office/drawing/2014/main" id="{38382D54-A38A-421B-AD70-F82CD3ED8203}"/>
+              </a:ext>
+            </a:extLst>
+          </p:cNvPr>
+          <p:cNvCxnSpPr>
+            <a:cxnSpLocks/>
+          </p:cNvCxnSpPr>
+          <p:nvPr/>
+        </p:nvCxnSpPr>
+        <p:spPr>
+          <a:xfrm>
+            <a:off x="1364839" y="3902788"/>
+            <a:ext cx="1885337" cy="816080"/>
+          </a:xfrm>
+          <a:prstGeom prst="straightConnector1">
+            <a:avLst/>
+          </a:prstGeom>
+          <a:ln>
+            <a:tailEnd type="triangle"/>
+          </a:ln>
+        </p:spPr>
+        <p:style>
+          <a:lnRef idx="3">
+            <a:schemeClr val="dk1"/>
+          </a:lnRef>
+          <a:fillRef idx="0">
+            <a:schemeClr val="dk1"/>
+          </a:fillRef>
+          <a:effectRef idx="2">
+            <a:schemeClr val="dk1"/>
+          </a:effectRef>
+          <a:fontRef idx="minor">
+            <a:schemeClr val="tx1"/>
+          </a:fontRef>
+        </p:style>
+      </p:cxnSp>
+      <p:cxnSp>
+        <p:nvCxnSpPr>
+          <p:cNvPr id="77" name="Straight Arrow Connector 76">
+            <a:extLst>
+              <a:ext uri="{FF2B5EF4-FFF2-40B4-BE49-F238E27FC236}">
+                <a16:creationId xmlns:a16="http://schemas.microsoft.com/office/drawing/2014/main" id="{E9206618-B48D-4CB6-A926-D36BD1F9DBAD}"/>
+              </a:ext>
+            </a:extLst>
+          </p:cNvPr>
+          <p:cNvCxnSpPr>
+            <a:cxnSpLocks/>
+          </p:cNvCxnSpPr>
+          <p:nvPr/>
+        </p:nvCxnSpPr>
+        <p:spPr>
+          <a:xfrm flipH="1">
+            <a:off x="4128934" y="5316174"/>
+            <a:ext cx="222452" cy="441226"/>
+          </a:xfrm>
+          <a:prstGeom prst="straightConnector1">
+            <a:avLst/>
+          </a:prstGeom>
+          <a:ln>
+            <a:tailEnd type="triangle"/>
+          </a:ln>
+        </p:spPr>
+        <p:style>
+          <a:lnRef idx="3">
+            <a:schemeClr val="dk1"/>
+          </a:lnRef>
+          <a:fillRef idx="0">
+            <a:schemeClr val="dk1"/>
+          </a:fillRef>
+          <a:effectRef idx="2">
+            <a:schemeClr val="dk1"/>
+          </a:effectRef>
+          <a:fontRef idx="minor">
+            <a:schemeClr val="tx1"/>
+          </a:fontRef>
+        </p:style>
+      </p:cxnSp>
+    </p:spTree>
+    <p:extLst>
+      <p:ext uri="{BB962C8B-B14F-4D97-AF65-F5344CB8AC3E}">
+        <p14:creationId xmlns:p14="http://schemas.microsoft.com/office/powerpoint/2010/main" val="16767864"/>
+      </p:ext>
+    </p:extLst>
+  </p:cSld>
+  <p:clrMapOvr>
+    <a:masterClrMapping/>
+  </p:clrMapOvr>
+</p:sld>
+</file>
+
 <file path=ppt/theme/theme1.xml><?xml version="1.0" encoding="utf-8"?>
 <a:theme xmlns:a="http://schemas.openxmlformats.org/drawingml/2006/main" name="office theme">
   <a:themeElements>
